--- a/G2/软件工程系列课程教学辅助网站/非受控文档/陈金润/PRD-G2-需求工程计划ppt.pptx
+++ b/G2/软件工程系列课程教学辅助网站/非受控文档/陈金润/PRD-G2-需求工程计划ppt.pptx
@@ -5,22 +5,25 @@
     <p:sldMasterId id="2147483648" r:id="rId1"/>
   </p:sldMasterIdLst>
   <p:sldIdLst>
-    <p:sldId id="257" r:id="rId2"/>
-    <p:sldId id="258" r:id="rId3"/>
-    <p:sldId id="259" r:id="rId4"/>
-    <p:sldId id="260" r:id="rId5"/>
-    <p:sldId id="285" r:id="rId6"/>
-    <p:sldId id="286" r:id="rId7"/>
-    <p:sldId id="287" r:id="rId8"/>
-    <p:sldId id="288" r:id="rId9"/>
-    <p:sldId id="289" r:id="rId10"/>
-    <p:sldId id="290" r:id="rId11"/>
-    <p:sldId id="291" r:id="rId12"/>
-    <p:sldId id="292" r:id="rId13"/>
-    <p:sldId id="293" r:id="rId14"/>
-    <p:sldId id="294" r:id="rId15"/>
-    <p:sldId id="296" r:id="rId16"/>
-    <p:sldId id="295" r:id="rId17"/>
+    <p:sldId id="257" r:id="rId3"/>
+    <p:sldId id="258" r:id="rId4"/>
+    <p:sldId id="259" r:id="rId5"/>
+    <p:sldId id="298" r:id="rId6"/>
+    <p:sldId id="299" r:id="rId7"/>
+    <p:sldId id="300" r:id="rId8"/>
+    <p:sldId id="301" r:id="rId9"/>
+    <p:sldId id="302" r:id="rId10"/>
+    <p:sldId id="303" r:id="rId11"/>
+    <p:sldId id="304" r:id="rId12"/>
+    <p:sldId id="291" r:id="rId13"/>
+    <p:sldId id="292" r:id="rId14"/>
+    <p:sldId id="305" r:id="rId15"/>
+    <p:sldId id="294" r:id="rId16"/>
+    <p:sldId id="296" r:id="rId17"/>
+    <p:sldId id="295" r:id="rId18"/>
+    <p:sldId id="307" r:id="rId19"/>
+    <p:sldId id="308" r:id="rId20"/>
+    <p:sldId id="306" r:id="rId21"/>
   </p:sldIdLst>
   <p:sldSz cx="12192000" cy="6858000"/>
   <p:notesSz cx="6858000" cy="9144000"/>
@@ -119,11 +122,6 @@
       </a:defRPr>
     </a:lvl9pPr>
   </p:defaultTextStyle>
-  <p:extLst>
-    <p:ext uri="{EFAFB233-063F-42B5-8137-9DF3F51BA10A}">
-      <p15:sldGuideLst xmlns:p15="http://schemas.microsoft.com/office/powerpoint/2012/main"/>
-    </p:ext>
-  </p:extLst>
 </p:presentation>
 </file>
 
@@ -529,6 +527,7 @@
               <a:rPr lang="zh-CN" altLang="en-US" smtClean="0"/>
               <a:t>单击此处编辑母版文本样式</a:t>
             </a:r>
+            <a:endParaRPr lang="zh-CN" altLang="en-US" smtClean="0"/>
           </a:p>
           <a:p>
             <a:pPr lvl="1"/>
@@ -536,6 +535,7 @@
               <a:rPr lang="zh-CN" altLang="en-US" smtClean="0"/>
               <a:t>第二级</a:t>
             </a:r>
+            <a:endParaRPr lang="zh-CN" altLang="en-US" smtClean="0"/>
           </a:p>
           <a:p>
             <a:pPr lvl="2"/>
@@ -543,6 +543,7 @@
               <a:rPr lang="zh-CN" altLang="en-US" smtClean="0"/>
               <a:t>第三级</a:t>
             </a:r>
+            <a:endParaRPr lang="zh-CN" altLang="en-US" smtClean="0"/>
           </a:p>
           <a:p>
             <a:pPr lvl="3"/>
@@ -550,6 +551,7 @@
               <a:rPr lang="zh-CN" altLang="en-US" smtClean="0"/>
               <a:t>第四级</a:t>
             </a:r>
+            <a:endParaRPr lang="zh-CN" altLang="en-US" smtClean="0"/>
           </a:p>
           <a:p>
             <a:pPr lvl="4"/>
@@ -596,7 +598,6 @@
           <a:p>
             <a:fld id="{A026FE35-7143-4D2B-A03B-CFDD1C6677A2}" type="datetimeFigureOut">
               <a:rPr lang="zh-CN" altLang="en-US" smtClean="0"/>
-              <a:t>2017/10/29</a:t>
             </a:fld>
             <a:endParaRPr lang="zh-CN" altLang="en-US"/>
           </a:p>
@@ -674,7 +675,6 @@
           <a:p>
             <a:fld id="{65757480-7C6B-468B-A137-7F27608821C0}" type="slidenum">
               <a:rPr lang="zh-CN" altLang="en-US" smtClean="0"/>
-              <a:t>‹#›</a:t>
             </a:fld>
             <a:endParaRPr lang="zh-CN" altLang="en-US"/>
           </a:p>
@@ -1471,6 +1471,13 @@
               </a:rPr>
               <a:t>小组</a:t>
             </a:r>
+            <a:endParaRPr lang="zh-CN" altLang="en-US" sz="2000" dirty="0">
+              <a:solidFill>
+                <a:schemeClr val="bg1"/>
+              </a:solidFill>
+              <a:latin typeface="微软雅黑" panose="020B0503020204020204" pitchFamily="34" charset="-122"/>
+              <a:ea typeface="微软雅黑" panose="020B0503020204020204" pitchFamily="34" charset="-122"/>
+            </a:endParaRPr>
           </a:p>
         </p:txBody>
       </p:sp>
@@ -1507,6 +1514,13 @@
               </a:rPr>
               <a:t>小组成员：温中磊，吕政凯，楼静靓，简浩男，陈金润</a:t>
             </a:r>
+            <a:endParaRPr lang="zh-CN" altLang="en-US" sz="2000" dirty="0">
+              <a:solidFill>
+                <a:schemeClr val="bg1"/>
+              </a:solidFill>
+              <a:latin typeface="微软雅黑" panose="020B0503020204020204" pitchFamily="34" charset="-122"/>
+              <a:ea typeface="微软雅黑" panose="020B0503020204020204" pitchFamily="34" charset="-122"/>
+            </a:endParaRPr>
           </a:p>
         </p:txBody>
       </p:sp>
@@ -1589,7 +1603,7 @@
           <p:nvPr/>
         </p:nvPicPr>
         <p:blipFill>
-          <a:blip r:embed="rId2" cstate="print">
+          <a:blip r:embed="rId1" cstate="print">
             <a:extLst>
               <a:ext uri="{28A0092B-C50C-407E-A947-70E740481C1C}">
                 <a14:useLocalDpi xmlns:a14="http://schemas.microsoft.com/office/drawing/2010/main" val="0"/>
@@ -1619,7 +1633,7 @@
           <p:nvPr/>
         </p:nvPicPr>
         <p:blipFill>
-          <a:blip r:embed="rId3"/>
+          <a:blip r:embed="rId2"/>
           <a:stretch>
             <a:fillRect/>
           </a:stretch>
@@ -1747,6 +1761,11 @@
                 </a:rPr>
                 <a:t>风险管理计划</a:t>
               </a:r>
+              <a:endParaRPr lang="zh-CN" altLang="en-US" sz="2800" b="1" kern="0" dirty="0">
+                <a:latin typeface="微软雅黑" panose="020B0503020204020204" pitchFamily="34" charset="-122"/>
+                <a:ea typeface="微软雅黑" panose="020B0503020204020204" pitchFamily="34" charset="-122"/>
+                <a:cs typeface="微软雅黑" panose="020B0503020204020204" pitchFamily="34" charset="-122"/>
+              </a:endParaRPr>
             </a:p>
           </p:txBody>
         </p:sp>
@@ -1892,7 +1911,7 @@
           <p:nvPr/>
         </p:nvPicPr>
         <p:blipFill>
-          <a:blip r:embed="rId2"/>
+          <a:blip r:embed="rId1"/>
           <a:stretch>
             <a:fillRect/>
           </a:stretch>
@@ -1916,7 +1935,7 @@
         <p:spPr>
           <a:xfrm>
             <a:off x="146651" y="1177847"/>
-            <a:ext cx="4680182" cy="5416868"/>
+            <a:ext cx="5128294" cy="5478423"/>
           </a:xfrm>
           <a:prstGeom prst="rect">
             <a:avLst/>
@@ -1931,28 +1950,46 @@
             <a:pPr lvl="1"/>
             <a:r>
               <a:rPr lang="zh-CN" altLang="zh-CN" sz="3600" b="1" dirty="0"/>
-              <a:t>风险评估</a:t>
-            </a:r>
-            <a:endParaRPr lang="zh-CN" altLang="zh-CN" sz="3200" b="1" dirty="0"/>
-          </a:p>
-          <a:p>
-            <a:pPr lvl="2"/>
+              <a:t>风险</a:t>
+            </a:r>
+            <a:r>
+              <a:rPr lang="zh-CN" altLang="zh-CN" sz="3600" b="1" dirty="0" smtClean="0"/>
+              <a:t>评估</a:t>
+            </a:r>
+            <a:endParaRPr lang="en-US" altLang="zh-CN" sz="3200" b="1" dirty="0"/>
+          </a:p>
+          <a:p>
+            <a:pPr lvl="1"/>
+            <a:r>
+              <a:rPr lang="zh-CN" altLang="zh-CN" sz="2000" b="1" dirty="0" smtClean="0"/>
+              <a:t>需求</a:t>
+            </a:r>
             <a:r>
               <a:rPr lang="zh-CN" altLang="zh-CN" sz="2000" b="1" dirty="0"/>
-              <a:t>需求获取方面的风险</a:t>
+              <a:t>获取方面的风险</a:t>
             </a:r>
             <a:endParaRPr lang="zh-CN" altLang="zh-CN" dirty="0"/>
           </a:p>
           <a:p>
-            <a:pPr lvl="0"/>
-            <a:r>
-              <a:rPr lang="zh-CN" altLang="zh-CN" dirty="0"/>
-              <a:t>产品前景和项目范围没有达成明确的共识引发的风险</a:t>
-            </a:r>
-            <a:endParaRPr lang="zh-CN" altLang="zh-CN" sz="2400" dirty="0"/>
-          </a:p>
-          <a:p>
-            <a:pPr lvl="0"/>
+            <a:pPr marL="285750" lvl="0" indent="-285750">
+              <a:buFont typeface="Arial" panose="020B0604020202020204" pitchFamily="34" charset="0"/>
+              <a:buChar char="•"/>
+            </a:pPr>
+            <a:r>
+              <a:rPr lang="zh-CN" altLang="zh-CN" b="1" dirty="0" smtClean="0"/>
+              <a:t>产品</a:t>
+            </a:r>
+            <a:r>
+              <a:rPr lang="zh-CN" altLang="zh-CN" b="1" dirty="0"/>
+              <a:t>前景和项目范围没有达成明确的共识引发的风险</a:t>
+            </a:r>
+            <a:endParaRPr lang="zh-CN" altLang="zh-CN" sz="2400" b="1" dirty="0"/>
+          </a:p>
+          <a:p>
+            <a:pPr marL="285750" lvl="0" indent="-285750">
+              <a:buFont typeface="Arial" panose="020B0604020202020204" pitchFamily="34" charset="0"/>
+              <a:buChar char="•"/>
+            </a:pPr>
             <a:r>
               <a:rPr lang="zh-CN" altLang="zh-CN" dirty="0"/>
               <a:t>需求开发所需的时间分配不合理引发的风险</a:t>
@@ -1960,7 +1997,10 @@
             <a:endParaRPr lang="zh-CN" altLang="zh-CN" sz="2400" dirty="0"/>
           </a:p>
           <a:p>
-            <a:pPr lvl="0"/>
+            <a:pPr marL="285750" lvl="0" indent="-285750">
+              <a:buFont typeface="Arial" panose="020B0604020202020204" pitchFamily="34" charset="0"/>
+              <a:buChar char="•"/>
+            </a:pPr>
             <a:r>
               <a:rPr lang="zh-CN" altLang="zh-CN" dirty="0"/>
               <a:t>需求规格说明的不完整性和不正确性引发的风险</a:t>
@@ -1968,15 +2008,25 @@
             <a:endParaRPr lang="zh-CN" altLang="zh-CN" sz="2400" dirty="0"/>
           </a:p>
           <a:p>
-            <a:pPr lvl="0"/>
+            <a:pPr marL="285750" lvl="0" indent="-285750">
+              <a:buFont typeface="Arial" panose="020B0604020202020204" pitchFamily="34" charset="0"/>
+              <a:buChar char="•"/>
+            </a:pPr>
+            <a:r>
+              <a:rPr lang="zh-CN" altLang="zh-CN" dirty="0" smtClean="0"/>
+              <a:t>创新</a:t>
+            </a:r>
             <a:r>
               <a:rPr lang="zh-CN" altLang="zh-CN" dirty="0"/>
-              <a:t>创新产品的需求不完全引发的风险</a:t>
+              <a:t>产品的需求不完全引发的风险</a:t>
             </a:r>
             <a:endParaRPr lang="zh-CN" altLang="zh-CN" sz="2400" dirty="0"/>
           </a:p>
           <a:p>
-            <a:pPr lvl="0"/>
+            <a:pPr marL="285750" lvl="0" indent="-285750">
+              <a:buFont typeface="Arial" panose="020B0604020202020204" pitchFamily="34" charset="0"/>
+              <a:buChar char="•"/>
+            </a:pPr>
             <a:r>
               <a:rPr lang="zh-CN" altLang="zh-CN" dirty="0"/>
               <a:t>忽视非功能需求引发的风险</a:t>
@@ -1984,22 +2034,21 @@
             <a:endParaRPr lang="zh-CN" altLang="zh-CN" sz="2400" dirty="0"/>
           </a:p>
           <a:p>
-            <a:pPr lvl="0"/>
-            <a:r>
-              <a:rPr lang="zh-CN" altLang="zh-CN" dirty="0"/>
-              <a:t>客户对产品需求意见不一致引发的风险</a:t>
-            </a:r>
-            <a:endParaRPr lang="zh-CN" altLang="zh-CN" sz="2400" dirty="0"/>
-          </a:p>
-          <a:p>
-            <a:pPr lvl="0"/>
+            <a:pPr marL="285750" lvl="0" indent="-285750">
+              <a:buFont typeface="Arial" panose="020B0604020202020204" pitchFamily="34" charset="0"/>
+              <a:buChar char="•"/>
+            </a:pPr>
+            <a:r>
+              <a:rPr lang="zh-CN" altLang="zh-CN" b="1" dirty="0"/>
+              <a:t>客户对产品需求意见不一致引发的</a:t>
+            </a:r>
             <a:r>
               <a:rPr lang="zh-CN" altLang="zh-CN" dirty="0">
                 <a:solidFill>
                   <a:schemeClr val="bg1"/>
                 </a:solidFill>
               </a:rPr>
-              <a:t>未加说明的需求引发的风险</a:t>
+              <a:t>风险</a:t>
             </a:r>
             <a:endParaRPr lang="zh-CN" altLang="zh-CN" sz="2400" dirty="0">
               <a:solidFill>
@@ -2008,14 +2057,17 @@
             </a:endParaRPr>
           </a:p>
           <a:p>
-            <a:pPr lvl="0"/>
+            <a:pPr marL="285750" lvl="0" indent="-285750">
+              <a:buFont typeface="Arial" panose="020B0604020202020204" pitchFamily="34" charset="0"/>
+              <a:buChar char="•"/>
+            </a:pPr>
             <a:r>
               <a:rPr lang="zh-CN" altLang="zh-CN" dirty="0">
                 <a:solidFill>
                   <a:schemeClr val="bg1"/>
                 </a:solidFill>
               </a:rPr>
-              <a:t>对已有的产品作为需求基线来源引发的风险</a:t>
+              <a:t>未加说明的需求引发的风险</a:t>
             </a:r>
             <a:endParaRPr lang="zh-CN" altLang="zh-CN" sz="2400" dirty="0">
               <a:solidFill>
@@ -2024,14 +2076,17 @@
             </a:endParaRPr>
           </a:p>
           <a:p>
-            <a:pPr lvl="0"/>
+            <a:pPr marL="285750" lvl="0" indent="-285750">
+              <a:buFont typeface="Arial" panose="020B0604020202020204" pitchFamily="34" charset="0"/>
+              <a:buChar char="•"/>
+            </a:pPr>
             <a:r>
               <a:rPr lang="zh-CN" altLang="zh-CN" dirty="0">
                 <a:solidFill>
                   <a:schemeClr val="bg1"/>
                 </a:solidFill>
               </a:rPr>
-              <a:t>根据用户提议的解决方案引发的风险</a:t>
+              <a:t>对已有的产品作为需求基线来源引发的风险</a:t>
             </a:r>
             <a:endParaRPr lang="zh-CN" altLang="zh-CN" sz="2400" dirty="0">
               <a:solidFill>
@@ -2040,14 +2095,65 @@
             </a:endParaRPr>
           </a:p>
           <a:p>
-            <a:pPr lvl="2"/>
+            <a:pPr marL="285750" lvl="0" indent="-285750">
+              <a:buFont typeface="Arial" panose="020B0604020202020204" pitchFamily="34" charset="0"/>
+              <a:buChar char="•"/>
+            </a:pPr>
+            <a:r>
+              <a:rPr lang="zh-CN" altLang="zh-CN" dirty="0">
+                <a:solidFill>
+                  <a:schemeClr val="bg1"/>
+                </a:solidFill>
+              </a:rPr>
+              <a:t>根据用户提议的解决方案引发的</a:t>
+            </a:r>
+            <a:r>
+              <a:rPr lang="zh-CN" altLang="zh-CN" dirty="0" smtClean="0">
+                <a:solidFill>
+                  <a:schemeClr val="bg1"/>
+                </a:solidFill>
+              </a:rPr>
+              <a:t>风险</a:t>
+            </a:r>
+            <a:endParaRPr lang="en-US" altLang="zh-CN" sz="2400" dirty="0">
+              <a:solidFill>
+                <a:schemeClr val="bg1"/>
+              </a:solidFill>
+            </a:endParaRPr>
+          </a:p>
+          <a:p>
+            <a:pPr lvl="0"/>
+            <a:r>
+              <a:rPr lang="en-US" altLang="zh-CN" sz="2400" b="1" dirty="0">
+                <a:solidFill>
+                  <a:schemeClr val="bg1"/>
+                </a:solidFill>
+              </a:rPr>
+              <a:t> </a:t>
+            </a:r>
+            <a:r>
+              <a:rPr lang="en-US" altLang="zh-CN" sz="2400" b="1" dirty="0" smtClean="0">
+                <a:solidFill>
+                  <a:schemeClr val="bg1"/>
+                </a:solidFill>
+              </a:rPr>
+              <a:t>      </a:t>
+            </a:r>
+            <a:r>
+              <a:rPr lang="zh-CN" altLang="zh-CN" sz="2000" b="1" dirty="0" smtClean="0">
+                <a:solidFill>
+                  <a:schemeClr val="bg1"/>
+                </a:solidFill>
+              </a:rPr>
+              <a:t>需求分析</a:t>
+            </a:r>
             <a:r>
               <a:rPr lang="zh-CN" altLang="zh-CN" sz="2000" b="1" dirty="0">
                 <a:solidFill>
                   <a:schemeClr val="bg1"/>
                 </a:solidFill>
               </a:rPr>
-              <a:t>需求分析方面的风险</a:t>
+              <a:t>方面的风险</a:t>
             </a:r>
             <a:endParaRPr lang="zh-CN" altLang="zh-CN" dirty="0">
               <a:solidFill>
@@ -2056,7 +2162,10 @@
             </a:endParaRPr>
           </a:p>
           <a:p>
-            <a:pPr lvl="0"/>
+            <a:pPr marL="285750" lvl="0" indent="-285750">
+              <a:buFont typeface="Arial" panose="020B0604020202020204" pitchFamily="34" charset="0"/>
+              <a:buChar char="•"/>
+            </a:pPr>
             <a:r>
               <a:rPr lang="zh-CN" altLang="zh-CN" dirty="0">
                 <a:solidFill>
@@ -2072,7 +2181,10 @@
             </a:endParaRPr>
           </a:p>
           <a:p>
-            <a:pPr lvl="0"/>
+            <a:pPr marL="285750" lvl="0" indent="-285750">
+              <a:buFont typeface="Arial" panose="020B0604020202020204" pitchFamily="34" charset="0"/>
+              <a:buChar char="•"/>
+            </a:pPr>
             <a:r>
               <a:rPr lang="zh-CN" altLang="zh-CN" dirty="0">
                 <a:solidFill>
@@ -2088,7 +2200,10 @@
             </a:endParaRPr>
           </a:p>
           <a:p>
-            <a:pPr lvl="0"/>
+            <a:pPr marL="285750" lvl="0" indent="-285750">
+              <a:buFont typeface="Arial" panose="020B0604020202020204" pitchFamily="34" charset="0"/>
+              <a:buChar char="•"/>
+            </a:pPr>
             <a:r>
               <a:rPr lang="zh-CN" altLang="zh-CN" dirty="0">
                 <a:solidFill>
@@ -2121,15 +2236,15 @@
         </p:nvSpPr>
         <p:spPr>
           <a:xfrm>
-            <a:off x="5274945" y="1627552"/>
-            <a:ext cx="6096000" cy="3754874"/>
+            <a:off x="5444835" y="1627552"/>
+            <a:ext cx="6218636" cy="3785652"/>
           </a:xfrm>
           <a:prstGeom prst="rect">
             <a:avLst/>
           </a:prstGeom>
         </p:spPr>
         <p:txBody>
-          <a:bodyPr>
+          <a:bodyPr wrap="square">
             <a:spAutoFit/>
           </a:bodyPr>
           <a:lstStyle/>
@@ -2142,7 +2257,10 @@
             <a:endParaRPr lang="zh-CN" altLang="zh-CN" dirty="0" smtClean="0"/>
           </a:p>
           <a:p>
-            <a:pPr lvl="0"/>
+            <a:pPr marL="285750" lvl="0" indent="-285750">
+              <a:buFont typeface="Arial" panose="020B0604020202020204" pitchFamily="34" charset="0"/>
+              <a:buChar char="•"/>
+            </a:pPr>
             <a:r>
               <a:rPr lang="zh-CN" altLang="zh-CN" dirty="0" smtClean="0"/>
               <a:t>需求</a:t>
@@ -2154,7 +2272,10 @@
             <a:endParaRPr lang="zh-CN" altLang="zh-CN" sz="2400" dirty="0"/>
           </a:p>
           <a:p>
-            <a:pPr lvl="0"/>
+            <a:pPr marL="285750" lvl="0" indent="-285750">
+              <a:buFont typeface="Arial" panose="020B0604020202020204" pitchFamily="34" charset="0"/>
+              <a:buChar char="•"/>
+            </a:pPr>
             <a:r>
               <a:rPr lang="zh-CN" altLang="zh-CN" dirty="0"/>
               <a:t>尽管问题待确定但迫于时间压力而继续向前引发的风险</a:t>
@@ -2162,7 +2283,10 @@
             <a:endParaRPr lang="zh-CN" altLang="zh-CN" sz="2400" dirty="0"/>
           </a:p>
           <a:p>
-            <a:pPr lvl="0"/>
+            <a:pPr marL="285750" lvl="0" indent="-285750">
+              <a:buFont typeface="Arial" panose="020B0604020202020204" pitchFamily="34" charset="0"/>
+              <a:buChar char="•"/>
+            </a:pPr>
             <a:r>
               <a:rPr lang="zh-CN" altLang="zh-CN" dirty="0"/>
               <a:t>具有二义性的术语引发的风险</a:t>
@@ -2170,7 +2294,10 @@
             <a:endParaRPr lang="zh-CN" altLang="zh-CN" sz="2400" dirty="0"/>
           </a:p>
           <a:p>
-            <a:pPr lvl="0"/>
+            <a:pPr marL="285750" lvl="0" indent="-285750">
+              <a:buFont typeface="Arial" panose="020B0604020202020204" pitchFamily="34" charset="0"/>
+              <a:buChar char="•"/>
+            </a:pPr>
             <a:r>
               <a:rPr lang="zh-CN" altLang="zh-CN" dirty="0"/>
               <a:t>需求中包括设计引发的风险</a:t>
@@ -2186,7 +2313,10 @@
             <a:endParaRPr lang="zh-CN" altLang="zh-CN" dirty="0" smtClean="0"/>
           </a:p>
           <a:p>
-            <a:pPr lvl="0"/>
+            <a:pPr marL="285750" lvl="0" indent="-285750">
+              <a:buFont typeface="Arial" panose="020B0604020202020204" pitchFamily="34" charset="0"/>
+              <a:buChar char="•"/>
+            </a:pPr>
             <a:r>
               <a:rPr lang="zh-CN" altLang="zh-CN" dirty="0" smtClean="0"/>
               <a:t>未经</a:t>
@@ -2198,7 +2328,10 @@
             <a:endParaRPr lang="zh-CN" altLang="zh-CN" sz="2400" dirty="0"/>
           </a:p>
           <a:p>
-            <a:pPr lvl="0"/>
+            <a:pPr marL="285750" lvl="0" indent="-285750">
+              <a:buFont typeface="Arial" panose="020B0604020202020204" pitchFamily="34" charset="0"/>
+              <a:buChar char="•"/>
+            </a:pPr>
             <a:r>
               <a:rPr lang="zh-CN" altLang="zh-CN" dirty="0" smtClean="0"/>
               <a:t>审查熟练程度引发的风险</a:t>
@@ -2214,7 +2347,10 @@
             <a:endParaRPr lang="zh-CN" altLang="zh-CN" dirty="0" smtClean="0"/>
           </a:p>
           <a:p>
-            <a:pPr lvl="0"/>
+            <a:pPr marL="285750" lvl="0" indent="-285750">
+              <a:buFont typeface="Arial" panose="020B0604020202020204" pitchFamily="34" charset="0"/>
+              <a:buChar char="•"/>
+            </a:pPr>
             <a:r>
               <a:rPr lang="zh-CN" altLang="zh-CN" dirty="0" smtClean="0">
                 <a:solidFill>
@@ -2238,7 +2374,10 @@
             </a:endParaRPr>
           </a:p>
           <a:p>
-            <a:pPr lvl="0"/>
+            <a:pPr marL="285750" lvl="0" indent="-285750">
+              <a:buFont typeface="Arial" panose="020B0604020202020204" pitchFamily="34" charset="0"/>
+              <a:buChar char="•"/>
+            </a:pPr>
             <a:r>
               <a:rPr lang="zh-CN" altLang="zh-CN" dirty="0">
                 <a:solidFill>
@@ -2254,7 +2393,10 @@
             </a:endParaRPr>
           </a:p>
           <a:p>
-            <a:pPr lvl="0"/>
+            <a:pPr marL="285750" lvl="0" indent="-285750">
+              <a:buFont typeface="Arial" panose="020B0604020202020204" pitchFamily="34" charset="0"/>
+              <a:buChar char="•"/>
+            </a:pPr>
             <a:r>
               <a:rPr lang="zh-CN" altLang="zh-CN" dirty="0">
                 <a:solidFill>
@@ -2270,7 +2412,10 @@
             </a:endParaRPr>
           </a:p>
           <a:p>
-            <a:pPr lvl="0"/>
+            <a:pPr marL="285750" lvl="0" indent="-285750">
+              <a:buFont typeface="Arial" panose="020B0604020202020204" pitchFamily="34" charset="0"/>
+              <a:buChar char="•"/>
+            </a:pPr>
             <a:r>
               <a:rPr lang="zh-CN" altLang="zh-CN" dirty="0">
                 <a:solidFill>
@@ -2288,11 +2433,6 @@
         </p:txBody>
       </p:sp>
     </p:spTree>
-    <p:extLst>
-      <p:ext uri="{BB962C8B-B14F-4D97-AF65-F5344CB8AC3E}">
-        <p14:creationId xmlns:p14="http://schemas.microsoft.com/office/powerpoint/2010/main" val="1823639463"/>
-      </p:ext>
-    </p:extLst>
   </p:cSld>
   <p:clrMapOvr>
     <a:masterClrMapping/>
@@ -2405,6 +2545,11 @@
                 </a:rPr>
                 <a:t>风险管理计划</a:t>
               </a:r>
+              <a:endParaRPr lang="zh-CN" altLang="en-US" sz="2800" b="1" kern="0" dirty="0">
+                <a:latin typeface="微软雅黑" panose="020B0503020204020204" pitchFamily="34" charset="-122"/>
+                <a:ea typeface="微软雅黑" panose="020B0503020204020204" pitchFamily="34" charset="-122"/>
+                <a:cs typeface="微软雅黑" panose="020B0503020204020204" pitchFamily="34" charset="-122"/>
+              </a:endParaRPr>
             </a:p>
           </p:txBody>
         </p:sp>
@@ -2550,7 +2695,7 @@
           <p:nvPr/>
         </p:nvPicPr>
         <p:blipFill>
-          <a:blip r:embed="rId2"/>
+          <a:blip r:embed="rId1"/>
           <a:stretch>
             <a:fillRect/>
           </a:stretch>
@@ -2764,11 +2909,6 @@
         </p:txBody>
       </p:sp>
     </p:spTree>
-    <p:extLst>
-      <p:ext uri="{BB962C8B-B14F-4D97-AF65-F5344CB8AC3E}">
-        <p14:creationId xmlns:p14="http://schemas.microsoft.com/office/powerpoint/2010/main" val="3836868694"/>
-      </p:ext>
-    </p:extLst>
   </p:cSld>
   <p:clrMapOvr>
     <a:masterClrMapping/>
@@ -2881,6 +3021,11 @@
                 </a:rPr>
                 <a:t>风险管理计划</a:t>
               </a:r>
+              <a:endParaRPr lang="zh-CN" altLang="en-US" sz="2800" b="1" kern="0" dirty="0">
+                <a:latin typeface="微软雅黑" panose="020B0503020204020204" pitchFamily="34" charset="-122"/>
+                <a:ea typeface="微软雅黑" panose="020B0503020204020204" pitchFamily="34" charset="-122"/>
+                <a:cs typeface="微软雅黑" panose="020B0503020204020204" pitchFamily="34" charset="-122"/>
+              </a:endParaRPr>
             </a:p>
           </p:txBody>
         </p:sp>
@@ -3026,7 +3171,7 @@
           <p:nvPr/>
         </p:nvPicPr>
         <p:blipFill>
-          <a:blip r:embed="rId2"/>
+          <a:blip r:embed="rId1"/>
           <a:stretch>
             <a:fillRect/>
           </a:stretch>
@@ -3228,11 +3373,6 @@
         </p:txBody>
       </p:sp>
     </p:spTree>
-    <p:extLst>
-      <p:ext uri="{BB962C8B-B14F-4D97-AF65-F5344CB8AC3E}">
-        <p14:creationId xmlns:p14="http://schemas.microsoft.com/office/powerpoint/2010/main" val="3643755420"/>
-      </p:ext>
-    </p:extLst>
   </p:cSld>
   <p:clrMapOvr>
     <a:masterClrMapping/>
@@ -3353,6 +3493,11 @@
                 </a:rPr>
                 <a:t>系统管理</a:t>
               </a:r>
+              <a:endParaRPr lang="zh-CN" altLang="en-US" sz="2800" b="1" kern="0" dirty="0">
+                <a:latin typeface="微软雅黑" panose="020B0503020204020204" pitchFamily="34" charset="-122"/>
+                <a:ea typeface="微软雅黑" panose="020B0503020204020204" pitchFamily="34" charset="-122"/>
+                <a:cs typeface="微软雅黑" panose="020B0503020204020204" pitchFamily="34" charset="-122"/>
+              </a:endParaRPr>
             </a:p>
           </p:txBody>
         </p:sp>
@@ -3498,7 +3643,7 @@
           <p:nvPr/>
         </p:nvPicPr>
         <p:blipFill>
-          <a:blip r:embed="rId2"/>
+          <a:blip r:embed="rId1"/>
           <a:stretch>
             <a:fillRect/>
           </a:stretch>
@@ -3562,120 +3707,204 @@
               <a:t>版本号有四部分组成：</a:t>
             </a:r>
             <a:r>
-              <a:rPr lang="en-US" altLang="zh-CN" sz="2400" dirty="0"/>
+              <a:rPr lang="en-US" altLang="zh-CN" sz="2400" b="1" dirty="0"/>
               <a:t>&lt;</a:t>
             </a:r>
+            <a:r>
+              <a:rPr lang="zh-CN" altLang="zh-CN" sz="2400" b="1" dirty="0"/>
+              <a:t>主版本号</a:t>
+            </a:r>
+            <a:r>
+              <a:rPr lang="en-US" altLang="zh-CN" sz="2400" b="1" dirty="0"/>
+              <a:t>.&gt;&lt;</a:t>
+            </a:r>
+            <a:r>
+              <a:rPr lang="zh-CN" altLang="zh-CN" sz="2400" b="1" dirty="0"/>
+              <a:t>子版本号</a:t>
+            </a:r>
+            <a:r>
+              <a:rPr lang="en-US" altLang="zh-CN" sz="2400" b="1" dirty="0"/>
+              <a:t>&gt;.&lt;</a:t>
+            </a:r>
+            <a:r>
+              <a:rPr lang="zh-CN" altLang="zh-CN" sz="2400" b="1" dirty="0"/>
+              <a:t>阶段版本号</a:t>
+            </a:r>
+            <a:r>
+              <a:rPr lang="en-US" altLang="zh-CN" sz="2400" b="1" dirty="0"/>
+              <a:t>&gt;.&lt;</a:t>
+            </a:r>
+            <a:r>
+              <a:rPr lang="zh-CN" altLang="zh-CN" sz="2400" b="1" dirty="0"/>
+              <a:t>日期版本号</a:t>
+            </a:r>
+            <a:r>
+              <a:rPr lang="en-US" altLang="zh-CN" sz="2400" b="1" dirty="0"/>
+              <a:t>&gt;</a:t>
+            </a:r>
+            <a:endParaRPr lang="zh-CN" altLang="zh-CN" sz="3200" b="1" dirty="0"/>
+          </a:p>
+          <a:p>
+            <a:r>
+              <a:rPr lang="zh-CN" altLang="zh-CN" sz="2400" dirty="0"/>
+              <a:t>例如此次文档名称：</a:t>
+            </a:r>
+            <a:r>
+              <a:rPr lang="en-US" altLang="zh-CN" sz="2400" b="1" i="1" dirty="0">
+                <a:solidFill>
+                  <a:srgbClr val="FF0000"/>
+                </a:solidFill>
+              </a:rPr>
+              <a:t>PRD-G2-</a:t>
+            </a:r>
+            <a:r>
+              <a:rPr lang="zh-CN" altLang="zh-CN" sz="2400" b="1" i="1" dirty="0">
+                <a:solidFill>
+                  <a:srgbClr val="FF0000"/>
+                </a:solidFill>
+              </a:rPr>
+              <a:t>需求工程</a:t>
+            </a:r>
+            <a:r>
+              <a:rPr lang="zh-CN" altLang="zh-CN" sz="2400" b="1" i="1" dirty="0" smtClean="0">
+                <a:solidFill>
+                  <a:srgbClr val="FF0000"/>
+                </a:solidFill>
+              </a:rPr>
+              <a:t>计划</a:t>
+            </a:r>
+            <a:r>
+              <a:rPr lang="en-US" altLang="zh-CN" sz="2400" b="1" i="1" dirty="0">
+                <a:solidFill>
+                  <a:srgbClr val="FF0000"/>
+                </a:solidFill>
+              </a:rPr>
+              <a:t> </a:t>
+            </a:r>
+            <a:r>
+              <a:rPr lang="en-US" altLang="zh-CN" sz="2400" b="1" i="1" dirty="0" smtClean="0">
+                <a:solidFill>
+                  <a:srgbClr val="FF0000"/>
+                </a:solidFill>
+              </a:rPr>
+              <a:t>0.1.0.171029</a:t>
+            </a:r>
+            <a:endParaRPr lang="zh-CN" altLang="zh-CN" sz="3200" b="1" i="1" dirty="0">
+              <a:solidFill>
+                <a:srgbClr val="FF0000"/>
+              </a:solidFill>
+            </a:endParaRPr>
+          </a:p>
+          <a:p>
+            <a:r>
+              <a:rPr lang="en-US" altLang="zh-CN" sz="2400" b="1" i="1" dirty="0">
+                <a:solidFill>
+                  <a:srgbClr val="FF0000"/>
+                </a:solidFill>
+              </a:rPr>
+              <a:t>PRD-</a:t>
+            </a:r>
+            <a:r>
+              <a:rPr lang="zh-CN" altLang="zh-CN" sz="2400" b="1" i="1" dirty="0">
+                <a:solidFill>
+                  <a:srgbClr val="FF0000"/>
+                </a:solidFill>
+              </a:rPr>
+              <a:t>小组名称</a:t>
+            </a:r>
+            <a:r>
+              <a:rPr lang="en-US" altLang="zh-CN" sz="2400" b="1" i="1" dirty="0">
+                <a:solidFill>
+                  <a:srgbClr val="FF0000"/>
+                </a:solidFill>
+              </a:rPr>
+              <a:t>-</a:t>
+            </a:r>
+            <a:r>
+              <a:rPr lang="zh-CN" altLang="zh-CN" sz="2400" b="1" i="1" dirty="0">
+                <a:solidFill>
+                  <a:srgbClr val="FF0000"/>
+                </a:solidFill>
+              </a:rPr>
+              <a:t>文档名称</a:t>
+            </a:r>
+            <a:r>
+              <a:rPr lang="en-US" altLang="zh-CN" sz="2400" b="1" i="1" dirty="0">
+                <a:solidFill>
+                  <a:srgbClr val="FF0000"/>
+                </a:solidFill>
+              </a:rPr>
+              <a:t>.</a:t>
+            </a:r>
+            <a:r>
+              <a:rPr lang="zh-CN" altLang="zh-CN" sz="2400" b="1" i="1" dirty="0">
+                <a:solidFill>
+                  <a:srgbClr val="FF0000"/>
+                </a:solidFill>
+              </a:rPr>
+              <a:t>主版本号</a:t>
+            </a:r>
+            <a:r>
+              <a:rPr lang="en-US" altLang="zh-CN" sz="2400" b="1" i="1" dirty="0">
+                <a:solidFill>
+                  <a:srgbClr val="FF0000"/>
+                </a:solidFill>
+              </a:rPr>
+              <a:t>.</a:t>
+            </a:r>
+            <a:r>
+              <a:rPr lang="zh-CN" altLang="zh-CN" sz="2400" b="1" i="1" dirty="0">
+                <a:solidFill>
+                  <a:srgbClr val="FF0000"/>
+                </a:solidFill>
+              </a:rPr>
+              <a:t>子版本号</a:t>
+            </a:r>
+            <a:r>
+              <a:rPr lang="en-US" altLang="zh-CN" sz="2400" b="1" i="1" dirty="0">
+                <a:solidFill>
+                  <a:srgbClr val="FF0000"/>
+                </a:solidFill>
+              </a:rPr>
+              <a:t>.</a:t>
+            </a:r>
+            <a:r>
+              <a:rPr lang="zh-CN" altLang="zh-CN" sz="2400" b="1" i="1" dirty="0">
+                <a:solidFill>
+                  <a:srgbClr val="FF0000"/>
+                </a:solidFill>
+              </a:rPr>
+              <a:t>阶段版本号</a:t>
+            </a:r>
+            <a:r>
+              <a:rPr lang="en-US" altLang="zh-CN" sz="2400" b="1" i="1" dirty="0">
+                <a:solidFill>
+                  <a:srgbClr val="FF0000"/>
+                </a:solidFill>
+              </a:rPr>
+              <a:t>.</a:t>
+            </a:r>
+            <a:r>
+              <a:rPr lang="zh-CN" altLang="zh-CN" sz="2400" b="1" i="1" dirty="0">
+                <a:solidFill>
+                  <a:srgbClr val="FF0000"/>
+                </a:solidFill>
+              </a:rPr>
+              <a:t>日期版本号</a:t>
+            </a:r>
+            <a:endParaRPr lang="zh-CN" altLang="zh-CN" sz="3200" b="1" i="1" dirty="0">
+              <a:solidFill>
+                <a:srgbClr val="FF0000"/>
+              </a:solidFill>
+            </a:endParaRPr>
+          </a:p>
+          <a:p>
             <a:r>
               <a:rPr lang="zh-CN" altLang="zh-CN" sz="2400" dirty="0"/>
               <a:t>主版本号</a:t>
             </a:r>
             <a:r>
               <a:rPr lang="en-US" altLang="zh-CN" sz="2400" dirty="0"/>
-              <a:t>.&gt;&lt;</a:t>
-            </a:r>
-            <a:r>
-              <a:rPr lang="zh-CN" altLang="zh-CN" sz="2400" dirty="0"/>
-              <a:t>子版本号</a:t>
-            </a:r>
-            <a:r>
-              <a:rPr lang="en-US" altLang="zh-CN" sz="2400" dirty="0"/>
-              <a:t>&gt;.&lt;</a:t>
-            </a:r>
-            <a:r>
-              <a:rPr lang="zh-CN" altLang="zh-CN" sz="2400" dirty="0"/>
-              <a:t>阶段版本号</a:t>
-            </a:r>
-            <a:r>
-              <a:rPr lang="en-US" altLang="zh-CN" sz="2400" dirty="0"/>
-              <a:t>&gt;.&lt;</a:t>
-            </a:r>
-            <a:r>
-              <a:rPr lang="zh-CN" altLang="zh-CN" sz="2400" dirty="0"/>
-              <a:t>日期版本号</a:t>
-            </a:r>
-            <a:r>
-              <a:rPr lang="en-US" altLang="zh-CN" sz="2400" dirty="0"/>
-              <a:t>&gt;</a:t>
-            </a:r>
-            <a:endParaRPr lang="zh-CN" altLang="zh-CN" sz="3200" dirty="0"/>
-          </a:p>
-          <a:p>
-            <a:r>
-              <a:rPr lang="zh-CN" altLang="zh-CN" sz="2400" dirty="0"/>
-              <a:t>例如此次文档名称：</a:t>
-            </a:r>
-            <a:r>
-              <a:rPr lang="en-US" altLang="zh-CN" sz="2400" dirty="0"/>
-              <a:t>PRD-G2-</a:t>
-            </a:r>
-            <a:r>
-              <a:rPr lang="zh-CN" altLang="zh-CN" sz="2400" dirty="0"/>
-              <a:t>需求工程计划</a:t>
-            </a:r>
-            <a:r>
-              <a:rPr lang="en-US" altLang="zh-CN" sz="2400" dirty="0"/>
-              <a:t>0.1.0.171029</a:t>
-            </a:r>
-            <a:endParaRPr lang="zh-CN" altLang="zh-CN" sz="3200" dirty="0"/>
-          </a:p>
-          <a:p>
-            <a:r>
-              <a:rPr lang="en-US" altLang="zh-CN" sz="2400" dirty="0"/>
-              <a:t>PRD-</a:t>
-            </a:r>
-            <a:r>
-              <a:rPr lang="zh-CN" altLang="zh-CN" sz="2400" dirty="0"/>
-              <a:t>小组名称</a:t>
-            </a:r>
-            <a:r>
-              <a:rPr lang="en-US" altLang="zh-CN" sz="2400" dirty="0"/>
-              <a:t>-</a:t>
-            </a:r>
-            <a:r>
-              <a:rPr lang="zh-CN" altLang="zh-CN" sz="2400" dirty="0"/>
-              <a:t>文档名称</a:t>
-            </a:r>
-            <a:r>
-              <a:rPr lang="en-US" altLang="zh-CN" sz="2400" dirty="0"/>
-              <a:t>.</a:t>
-            </a:r>
-            <a:r>
-              <a:rPr lang="zh-CN" altLang="zh-CN" sz="2400" dirty="0"/>
-              <a:t>主版本号</a:t>
-            </a:r>
-            <a:r>
-              <a:rPr lang="en-US" altLang="zh-CN" sz="2400" dirty="0"/>
-              <a:t>.</a:t>
-            </a:r>
-            <a:r>
-              <a:rPr lang="zh-CN" altLang="zh-CN" sz="2400" dirty="0"/>
-              <a:t>子版本号</a:t>
-            </a:r>
-            <a:r>
-              <a:rPr lang="en-US" altLang="zh-CN" sz="2400" dirty="0"/>
-              <a:t>.</a:t>
-            </a:r>
-            <a:r>
-              <a:rPr lang="zh-CN" altLang="zh-CN" sz="2400" dirty="0"/>
-              <a:t>阶段版本号</a:t>
-            </a:r>
-            <a:r>
-              <a:rPr lang="en-US" altLang="zh-CN" sz="2400" dirty="0"/>
-              <a:t>.</a:t>
-            </a:r>
-            <a:r>
-              <a:rPr lang="zh-CN" altLang="zh-CN" sz="2400" dirty="0"/>
-              <a:t>日期版本号</a:t>
-            </a:r>
-            <a:endParaRPr lang="zh-CN" altLang="zh-CN" sz="3200" dirty="0"/>
-          </a:p>
-          <a:p>
-            <a:r>
-              <a:rPr lang="zh-CN" altLang="zh-CN" sz="2400" dirty="0"/>
-              <a:t>主版本号</a:t>
-            </a:r>
-            <a:r>
-              <a:rPr lang="en-US" altLang="zh-CN" sz="2400" dirty="0"/>
               <a:t>(0)</a:t>
             </a:r>
             <a:r>
@@ -3685,17 +3914,13 @@
             <a:endParaRPr lang="zh-CN" altLang="zh-CN" sz="3200" dirty="0"/>
           </a:p>
           <a:p>
-            <a:r>
-              <a:rPr lang="zh-CN" altLang="zh-CN" sz="2400" dirty="0"/>
-              <a:t>子</a:t>
-            </a:r>
             <a:r>
               <a:rPr lang="zh-CN" altLang="zh-CN" sz="2400" dirty="0">
                 <a:solidFill>
                   <a:schemeClr val="bg1"/>
                 </a:solidFill>
               </a:rPr>
-              <a:t>版本号</a:t>
+              <a:t>子版本号</a:t>
             </a:r>
             <a:r>
               <a:rPr lang="en-US" altLang="zh-CN" sz="2400" dirty="0">
@@ -3816,11 +4041,6 @@
         </p:txBody>
       </p:sp>
     </p:spTree>
-    <p:extLst>
-      <p:ext uri="{BB962C8B-B14F-4D97-AF65-F5344CB8AC3E}">
-        <p14:creationId xmlns:p14="http://schemas.microsoft.com/office/powerpoint/2010/main" val="3717397301"/>
-      </p:ext>
-    </p:extLst>
   </p:cSld>
   <p:clrMapOvr>
     <a:masterClrMapping/>
@@ -3941,6 +4161,11 @@
                 </a:rPr>
                 <a:t>系统管理</a:t>
               </a:r>
+              <a:endParaRPr lang="zh-CN" altLang="en-US" sz="2800" b="1" kern="0" dirty="0">
+                <a:latin typeface="微软雅黑" panose="020B0503020204020204" pitchFamily="34" charset="-122"/>
+                <a:ea typeface="微软雅黑" panose="020B0503020204020204" pitchFamily="34" charset="-122"/>
+                <a:cs typeface="微软雅黑" panose="020B0503020204020204" pitchFamily="34" charset="-122"/>
+              </a:endParaRPr>
             </a:p>
           </p:txBody>
         </p:sp>
@@ -4086,7 +4311,7 @@
           <p:nvPr/>
         </p:nvPicPr>
         <p:blipFill>
-          <a:blip r:embed="rId2"/>
+          <a:blip r:embed="rId1"/>
           <a:stretch>
             <a:fillRect/>
           </a:stretch>
@@ -4279,11 +4504,6 @@
         </p:txBody>
       </p:sp>
     </p:spTree>
-    <p:extLst>
-      <p:ext uri="{BB962C8B-B14F-4D97-AF65-F5344CB8AC3E}">
-        <p14:creationId xmlns:p14="http://schemas.microsoft.com/office/powerpoint/2010/main" val="1636997836"/>
-      </p:ext>
-    </p:extLst>
   </p:cSld>
   <p:clrMapOvr>
     <a:masterClrMapping/>
@@ -4404,6 +4624,11 @@
                 </a:rPr>
                 <a:t>系统管理</a:t>
               </a:r>
+              <a:endParaRPr lang="zh-CN" altLang="en-US" sz="2800" b="1" kern="0" dirty="0">
+                <a:latin typeface="微软雅黑" panose="020B0503020204020204" pitchFamily="34" charset="-122"/>
+                <a:ea typeface="微软雅黑" panose="020B0503020204020204" pitchFamily="34" charset="-122"/>
+                <a:cs typeface="微软雅黑" panose="020B0503020204020204" pitchFamily="34" charset="-122"/>
+              </a:endParaRPr>
             </a:p>
           </p:txBody>
         </p:sp>
@@ -4549,7 +4774,7 @@
           <p:nvPr/>
         </p:nvPicPr>
         <p:blipFill>
-          <a:blip r:embed="rId2"/>
+          <a:blip r:embed="rId1"/>
           <a:stretch>
             <a:fillRect/>
           </a:stretch>
@@ -4592,11 +4817,7 @@
             </a:r>
             <a:r>
               <a:rPr lang="zh-CN" altLang="zh-CN" sz="2400" b="1" dirty="0"/>
-              <a:t>变更</a:t>
-            </a:r>
-            <a:r>
-              <a:rPr lang="zh-CN" altLang="zh-CN" sz="2400" b="1" dirty="0"/>
-              <a:t>控制</a:t>
+              <a:t>变更控制</a:t>
             </a:r>
             <a:endParaRPr lang="en-US" altLang="zh-CN" sz="2400" b="1" dirty="0"/>
           </a:p>
@@ -4823,11 +5044,6 @@
         </p:txBody>
       </p:sp>
     </p:spTree>
-    <p:extLst>
-      <p:ext uri="{BB962C8B-B14F-4D97-AF65-F5344CB8AC3E}">
-        <p14:creationId xmlns:p14="http://schemas.microsoft.com/office/powerpoint/2010/main" val="46299766"/>
-      </p:ext>
-    </p:extLst>
   </p:cSld>
   <p:clrMapOvr>
     <a:masterClrMapping/>
@@ -4948,6 +5164,11 @@
                 </a:rPr>
                 <a:t>系统管理</a:t>
               </a:r>
+              <a:endParaRPr lang="zh-CN" altLang="en-US" sz="2800" b="1" kern="0" dirty="0">
+                <a:latin typeface="微软雅黑" panose="020B0503020204020204" pitchFamily="34" charset="-122"/>
+                <a:ea typeface="微软雅黑" panose="020B0503020204020204" pitchFamily="34" charset="-122"/>
+                <a:cs typeface="微软雅黑" panose="020B0503020204020204" pitchFamily="34" charset="-122"/>
+              </a:endParaRPr>
             </a:p>
           </p:txBody>
         </p:sp>
@@ -5093,7 +5314,7 @@
           <p:nvPr/>
         </p:nvPicPr>
         <p:blipFill>
-          <a:blip r:embed="rId2"/>
+          <a:blip r:embed="rId1"/>
           <a:stretch>
             <a:fillRect/>
           </a:stretch>
@@ -5211,11 +5432,6 @@
         </p:txBody>
       </p:sp>
     </p:spTree>
-    <p:extLst>
-      <p:ext uri="{BB962C8B-B14F-4D97-AF65-F5344CB8AC3E}">
-        <p14:creationId xmlns:p14="http://schemas.microsoft.com/office/powerpoint/2010/main" val="3081114275"/>
-      </p:ext>
-    </p:extLst>
   </p:cSld>
   <p:clrMapOvr>
     <a:masterClrMapping/>
@@ -5227,6 +5443,2434 @@
       </p:par>
     </p:tnLst>
   </p:timing>
+</p:sld>
+</file>
+
+<file path=ppt/slides/slide17.xml><?xml version="1.0" encoding="utf-8"?>
+<p:sld xmlns:a="http://schemas.openxmlformats.org/drawingml/2006/main" xmlns:r="http://schemas.openxmlformats.org/officeDocument/2006/relationships" xmlns:p="http://schemas.openxmlformats.org/presentationml/2006/main">
+  <p:cSld>
+    <p:spTree>
+      <p:nvGrpSpPr>
+        <p:cNvPr id="1" name=""/>
+        <p:cNvGrpSpPr/>
+        <p:nvPr/>
+      </p:nvGrpSpPr>
+      <p:grpSpPr/>
+      <p:sp>
+        <p:nvSpPr>
+          <p:cNvPr id="15" name="矩形 14"/>
+          <p:cNvSpPr/>
+          <p:nvPr/>
+        </p:nvSpPr>
+        <p:spPr>
+          <a:xfrm>
+            <a:off x="573088" y="161925"/>
+            <a:ext cx="1260475" cy="400050"/>
+          </a:xfrm>
+          <a:prstGeom prst="rect">
+            <a:avLst/>
+          </a:prstGeom>
+        </p:spPr>
+        <p:txBody>
+          <a:bodyPr wrap="square" anchor="ctr">
+            <a:spAutoFit/>
+          </a:bodyPr>
+          <a:lstStyle/>
+          <a:p>
+            <a:pPr lvl="0" fontAlgn="auto"/>
+            <a:r>
+              <a:rPr kumimoji="0" lang="zh-CN" altLang="en-US" sz="2000" b="1" i="0" u="none" strike="noStrike" kern="0" cap="none" spc="0" normalizeH="0" baseline="0" noProof="0" dirty="0" smtClean="0">
+                <a:ln>
+                  <a:noFill/>
+                </a:ln>
+                <a:effectLst/>
+                <a:uLnTx/>
+                <a:uFillTx/>
+                <a:latin typeface="微软雅黑" panose="020B0503020204020204" pitchFamily="34" charset="-122"/>
+                <a:ea typeface="微软雅黑" panose="020B0503020204020204" pitchFamily="34" charset="-122"/>
+                <a:cs typeface="微软雅黑" panose="020B0503020204020204" pitchFamily="34" charset="-122"/>
+              </a:rPr>
+              <a:t>参考文献</a:t>
+            </a:r>
+            <a:endParaRPr kumimoji="0" lang="zh-CN" altLang="en-US" sz="2000" b="1" i="0" u="none" strike="noStrike" kern="0" cap="none" spc="0" normalizeH="0" baseline="0" noProof="0" dirty="0" smtClean="0">
+              <a:ln>
+                <a:noFill/>
+              </a:ln>
+              <a:effectLst/>
+              <a:uLnTx/>
+              <a:uFillTx/>
+              <a:latin typeface="微软雅黑" panose="020B0503020204020204" pitchFamily="34" charset="-122"/>
+              <a:ea typeface="微软雅黑" panose="020B0503020204020204" pitchFamily="34" charset="-122"/>
+              <a:cs typeface="微软雅黑" panose="020B0503020204020204" pitchFamily="34" charset="-122"/>
+            </a:endParaRPr>
+          </a:p>
+        </p:txBody>
+      </p:sp>
+      <p:sp>
+        <p:nvSpPr>
+          <p:cNvPr id="30722" name="矩形 15"/>
+          <p:cNvSpPr/>
+          <p:nvPr/>
+        </p:nvSpPr>
+        <p:spPr>
+          <a:xfrm>
+            <a:off x="1735138" y="207963"/>
+            <a:ext cx="1177925" cy="307975"/>
+          </a:xfrm>
+          <a:prstGeom prst="rect">
+            <a:avLst/>
+          </a:prstGeom>
+          <a:noFill/>
+          <a:ln w="9525">
+            <a:noFill/>
+          </a:ln>
+        </p:spPr>
+        <p:txBody>
+          <a:bodyPr wrap="none" anchor="t">
+            <a:spAutoFit/>
+          </a:bodyPr>
+          <a:p>
+            <a:r>
+              <a:rPr lang="en-US" altLang="zh-CN" sz="1400" dirty="0">
+                <a:latin typeface="微软雅黑" panose="020B0503020204020204" pitchFamily="34" charset="-122"/>
+                <a:ea typeface="微软雅黑" panose="020B0503020204020204" pitchFamily="34" charset="-122"/>
+              </a:rPr>
+              <a:t>REFERENCE</a:t>
+            </a:r>
+            <a:endParaRPr lang="en-US" altLang="zh-CN" sz="1400" dirty="0">
+              <a:latin typeface="微软雅黑" panose="020B0503020204020204" pitchFamily="34" charset="-122"/>
+              <a:ea typeface="微软雅黑" panose="020B0503020204020204" pitchFamily="34" charset="-122"/>
+            </a:endParaRPr>
+          </a:p>
+        </p:txBody>
+      </p:sp>
+      <p:sp>
+        <p:nvSpPr>
+          <p:cNvPr id="13" name="矩形 12"/>
+          <p:cNvSpPr/>
+          <p:nvPr/>
+        </p:nvSpPr>
+        <p:spPr>
+          <a:xfrm>
+            <a:off x="169863" y="168275"/>
+            <a:ext cx="374650" cy="385763"/>
+          </a:xfrm>
+          <a:prstGeom prst="rect">
+            <a:avLst/>
+          </a:prstGeom>
+          <a:solidFill>
+            <a:schemeClr val="accent2"/>
+          </a:solidFill>
+          <a:ln>
+            <a:noFill/>
+          </a:ln>
+        </p:spPr>
+        <p:style>
+          <a:lnRef idx="2">
+            <a:schemeClr val="accent1">
+              <a:shade val="50000"/>
+            </a:schemeClr>
+          </a:lnRef>
+          <a:fillRef idx="1">
+            <a:schemeClr val="accent1"/>
+          </a:fillRef>
+          <a:effectRef idx="0">
+            <a:schemeClr val="accent1"/>
+          </a:effectRef>
+          <a:fontRef idx="minor">
+            <a:schemeClr val="lt1"/>
+          </a:fontRef>
+        </p:style>
+        <p:txBody>
+          <a:bodyPr rot="0" spcFirstLastPara="0" vertOverflow="overflow" horzOverflow="overflow" vert="horz" wrap="square" lIns="91440" tIns="45720" rIns="91440" bIns="45720" numCol="1" spcCol="0" rtlCol="0" fromWordArt="0" anchor="ctr" anchorCtr="0" forceAA="0" compatLnSpc="1">
+            <a:noAutofit/>
+          </a:bodyPr>
+          <a:lstStyle/>
+          <a:p>
+            <a:pPr algn="ctr" fontAlgn="auto"/>
+            <a:endParaRPr lang="zh-CN" altLang="en-US" strike="noStrike" noProof="1">
+              <a:solidFill>
+                <a:schemeClr val="tx1"/>
+              </a:solidFill>
+            </a:endParaRPr>
+          </a:p>
+        </p:txBody>
+      </p:sp>
+      <p:sp>
+        <p:nvSpPr>
+          <p:cNvPr id="14" name="矩形 13"/>
+          <p:cNvSpPr/>
+          <p:nvPr/>
+        </p:nvSpPr>
+        <p:spPr>
+          <a:xfrm>
+            <a:off x="-76200" y="161925"/>
+            <a:ext cx="866775" cy="400050"/>
+          </a:xfrm>
+          <a:prstGeom prst="rect">
+            <a:avLst/>
+          </a:prstGeom>
+        </p:spPr>
+        <p:txBody>
+          <a:bodyPr wrap="square" anchor="ctr">
+            <a:spAutoFit/>
+          </a:bodyPr>
+          <a:lstStyle/>
+          <a:p>
+            <a:pPr marL="0" marR="0" lvl="0" indent="0" algn="ctr" defTabSz="914400" eaLnBrk="1" fontAlgn="auto" latinLnBrk="0" hangingPunct="1">
+              <a:lnSpc>
+                <a:spcPct val="100000"/>
+              </a:lnSpc>
+              <a:spcBef>
+                <a:spcPts val="0"/>
+              </a:spcBef>
+              <a:spcAft>
+                <a:spcPts val="0"/>
+              </a:spcAft>
+              <a:buClrTx/>
+              <a:buSzTx/>
+              <a:buFontTx/>
+              <a:buNone/>
+              <a:defRPr/>
+            </a:pPr>
+            <a:r>
+              <a:rPr kumimoji="0" lang="en-US" altLang="zh-CN" sz="2000" b="0" i="0" u="none" strike="noStrike" kern="0" cap="none" spc="0" normalizeH="0" baseline="0" noProof="0" dirty="0" smtClean="0">
+                <a:ln>
+                  <a:noFill/>
+                </a:ln>
+                <a:solidFill>
+                  <a:schemeClr val="bg1"/>
+                </a:solidFill>
+                <a:effectLst/>
+                <a:uLnTx/>
+                <a:uFillTx/>
+                <a:latin typeface="微软雅黑" panose="020B0503020204020204" pitchFamily="34" charset="-122"/>
+                <a:ea typeface="微软雅黑" panose="020B0503020204020204" pitchFamily="34" charset="-122"/>
+                <a:cs typeface="微软雅黑" panose="020B0503020204020204" pitchFamily="34" charset="-122"/>
+              </a:rPr>
+              <a:t>06</a:t>
+            </a:r>
+            <a:endParaRPr kumimoji="0" lang="en-US" altLang="zh-CN" sz="2000" b="0" i="0" u="none" strike="noStrike" kern="0" cap="none" spc="0" normalizeH="0" baseline="0" noProof="0" dirty="0">
+              <a:ln>
+                <a:noFill/>
+              </a:ln>
+              <a:solidFill>
+                <a:schemeClr val="bg1"/>
+              </a:solidFill>
+              <a:effectLst/>
+              <a:uLnTx/>
+              <a:uFillTx/>
+              <a:latin typeface="微软雅黑" panose="020B0503020204020204" pitchFamily="34" charset="-122"/>
+              <a:ea typeface="微软雅黑" panose="020B0503020204020204" pitchFamily="34" charset="-122"/>
+              <a:cs typeface="微软雅黑" panose="020B0503020204020204" pitchFamily="34" charset="-122"/>
+            </a:endParaRPr>
+          </a:p>
+        </p:txBody>
+      </p:sp>
+      <p:cxnSp>
+        <p:nvCxnSpPr>
+          <p:cNvPr id="17" name="直接连接符 16"/>
+          <p:cNvCxnSpPr/>
+          <p:nvPr/>
+        </p:nvCxnSpPr>
+        <p:spPr>
+          <a:xfrm>
+            <a:off x="3060700" y="361950"/>
+            <a:ext cx="8953500" cy="0"/>
+          </a:xfrm>
+          <a:prstGeom prst="line">
+            <a:avLst/>
+          </a:prstGeom>
+          <a:ln>
+            <a:solidFill>
+              <a:schemeClr val="tx1"/>
+            </a:solidFill>
+          </a:ln>
+        </p:spPr>
+        <p:style>
+          <a:lnRef idx="1">
+            <a:schemeClr val="accent1"/>
+          </a:lnRef>
+          <a:fillRef idx="0">
+            <a:schemeClr val="accent1"/>
+          </a:fillRef>
+          <a:effectRef idx="0">
+            <a:schemeClr val="accent1"/>
+          </a:effectRef>
+          <a:fontRef idx="minor">
+            <a:schemeClr val="tx1"/>
+          </a:fontRef>
+        </p:style>
+      </p:cxnSp>
+      <p:cxnSp>
+        <p:nvCxnSpPr>
+          <p:cNvPr id="19" name="直接连接符 18"/>
+          <p:cNvCxnSpPr/>
+          <p:nvPr/>
+        </p:nvCxnSpPr>
+        <p:spPr>
+          <a:xfrm>
+            <a:off x="1774825" y="246063"/>
+            <a:ext cx="1588" cy="230188"/>
+          </a:xfrm>
+          <a:prstGeom prst="line">
+            <a:avLst/>
+          </a:prstGeom>
+          <a:ln w="12700" cap="rnd">
+            <a:solidFill>
+              <a:schemeClr val="tx1">
+                <a:alpha val="49000"/>
+              </a:schemeClr>
+            </a:solidFill>
+            <a:round/>
+            <a:tailEnd type="none" w="sm" len="sm"/>
+          </a:ln>
+        </p:spPr>
+        <p:style>
+          <a:lnRef idx="1">
+            <a:schemeClr val="accent1"/>
+          </a:lnRef>
+          <a:fillRef idx="0">
+            <a:schemeClr val="accent1"/>
+          </a:fillRef>
+          <a:effectRef idx="0">
+            <a:schemeClr val="accent1"/>
+          </a:effectRef>
+          <a:fontRef idx="minor">
+            <a:schemeClr val="tx1"/>
+          </a:fontRef>
+        </p:style>
+      </p:cxnSp>
+      <p:pic>
+        <p:nvPicPr>
+          <p:cNvPr id="30727" name="图片 2" descr="小组logo"/>
+          <p:cNvPicPr>
+            <a:picLocks noChangeAspect="1"/>
+          </p:cNvPicPr>
+          <p:nvPr/>
+        </p:nvPicPr>
+        <p:blipFill>
+          <a:blip r:embed="rId1"/>
+          <a:stretch>
+            <a:fillRect/>
+          </a:stretch>
+        </p:blipFill>
+        <p:spPr>
+          <a:xfrm>
+            <a:off x="10318750" y="-190500"/>
+            <a:ext cx="2105025" cy="2105025"/>
+          </a:xfrm>
+          <a:prstGeom prst="rect">
+            <a:avLst/>
+          </a:prstGeom>
+          <a:noFill/>
+          <a:ln w="9525">
+            <a:noFill/>
+          </a:ln>
+        </p:spPr>
+      </p:pic>
+      <p:pic>
+        <p:nvPicPr>
+          <p:cNvPr id="30728" name="Picture 2" descr="C:\Documents and Settings\Administrator\My Documents\Downloads\006.png"/>
+          <p:cNvPicPr>
+            <a:picLocks noChangeAspect="1"/>
+          </p:cNvPicPr>
+          <p:nvPr/>
+        </p:nvPicPr>
+        <p:blipFill>
+          <a:blip r:embed="rId2"/>
+          <a:stretch>
+            <a:fillRect/>
+          </a:stretch>
+        </p:blipFill>
+        <p:spPr>
+          <a:xfrm>
+            <a:off x="111125" y="933450"/>
+            <a:ext cx="492125" cy="492125"/>
+          </a:xfrm>
+          <a:prstGeom prst="rect">
+            <a:avLst/>
+          </a:prstGeom>
+          <a:noFill/>
+          <a:ln w="9525">
+            <a:noFill/>
+          </a:ln>
+        </p:spPr>
+      </p:pic>
+      <p:cxnSp>
+        <p:nvCxnSpPr>
+          <p:cNvPr id="4" name="直接连接符 3"/>
+          <p:cNvCxnSpPr/>
+          <p:nvPr/>
+        </p:nvCxnSpPr>
+        <p:spPr>
+          <a:xfrm>
+            <a:off x="1833563" y="996950"/>
+            <a:ext cx="0" cy="3633788"/>
+          </a:xfrm>
+          <a:prstGeom prst="line">
+            <a:avLst/>
+          </a:prstGeom>
+          <a:ln w="15875">
+            <a:solidFill>
+              <a:schemeClr val="tx1">
+                <a:lumMod val="85000"/>
+                <a:lumOff val="15000"/>
+              </a:schemeClr>
+            </a:solidFill>
+          </a:ln>
+        </p:spPr>
+        <p:style>
+          <a:lnRef idx="1">
+            <a:schemeClr val="accent1"/>
+          </a:lnRef>
+          <a:fillRef idx="0">
+            <a:schemeClr val="accent1"/>
+          </a:fillRef>
+          <a:effectRef idx="0">
+            <a:schemeClr val="accent1"/>
+          </a:effectRef>
+          <a:fontRef idx="minor">
+            <a:schemeClr val="tx1"/>
+          </a:fontRef>
+        </p:style>
+      </p:cxnSp>
+      <p:sp>
+        <p:nvSpPr>
+          <p:cNvPr id="30730" name="文本框 1"/>
+          <p:cNvSpPr txBox="1"/>
+          <p:nvPr/>
+        </p:nvSpPr>
+        <p:spPr>
+          <a:xfrm>
+            <a:off x="679450" y="996950"/>
+            <a:ext cx="1096963" cy="365125"/>
+          </a:xfrm>
+          <a:prstGeom prst="rect">
+            <a:avLst/>
+          </a:prstGeom>
+          <a:noFill/>
+          <a:ln w="9525">
+            <a:noFill/>
+          </a:ln>
+        </p:spPr>
+        <p:txBody>
+          <a:bodyPr wrap="none" anchor="t">
+            <a:spAutoFit/>
+          </a:bodyPr>
+          <a:p>
+            <a:r>
+              <a:rPr lang="zh-CN" altLang="en-US">
+                <a:latin typeface="Calibri" panose="020F0502020204030204" charset="0"/>
+                <a:ea typeface="宋体" panose="02010600030101010101" pitchFamily="2" charset="-122"/>
+              </a:rPr>
+              <a:t>绩效评定</a:t>
+            </a:r>
+            <a:endParaRPr lang="zh-CN" altLang="en-US">
+              <a:latin typeface="Calibri" panose="020F0502020204030204" charset="0"/>
+              <a:ea typeface="宋体" panose="02010600030101010101" pitchFamily="2" charset="-122"/>
+            </a:endParaRPr>
+          </a:p>
+        </p:txBody>
+      </p:sp>
+      <p:sp>
+        <p:nvSpPr>
+          <p:cNvPr id="30731" name="文本框 3"/>
+          <p:cNvSpPr txBox="1"/>
+          <p:nvPr/>
+        </p:nvSpPr>
+        <p:spPr>
+          <a:xfrm>
+            <a:off x="2870200" y="996950"/>
+            <a:ext cx="1096963" cy="368300"/>
+          </a:xfrm>
+          <a:prstGeom prst="rect">
+            <a:avLst/>
+          </a:prstGeom>
+          <a:noFill/>
+          <a:ln w="9525">
+            <a:noFill/>
+          </a:ln>
+        </p:spPr>
+        <p:txBody>
+          <a:bodyPr wrap="none" anchor="t">
+            <a:spAutoFit/>
+          </a:bodyPr>
+          <a:p>
+            <a:r>
+              <a:rPr lang="zh-CN" altLang="en-US">
+                <a:latin typeface="Calibri" panose="020F0502020204030204" charset="0"/>
+                <a:ea typeface="宋体" panose="02010600030101010101" pitchFamily="2" charset="-122"/>
+              </a:rPr>
+              <a:t>温中磊：</a:t>
+            </a:r>
+            <a:endParaRPr lang="zh-CN" altLang="en-US">
+              <a:latin typeface="Calibri" panose="020F0502020204030204" charset="0"/>
+              <a:ea typeface="宋体" panose="02010600030101010101" pitchFamily="2" charset="-122"/>
+            </a:endParaRPr>
+          </a:p>
+        </p:txBody>
+      </p:sp>
+      <p:cxnSp>
+        <p:nvCxnSpPr>
+          <p:cNvPr id="5" name="直接连接符 4"/>
+          <p:cNvCxnSpPr/>
+          <p:nvPr/>
+        </p:nvCxnSpPr>
+        <p:spPr>
+          <a:xfrm>
+            <a:off x="1833563" y="2714625"/>
+            <a:ext cx="0" cy="3633788"/>
+          </a:xfrm>
+          <a:prstGeom prst="line">
+            <a:avLst/>
+          </a:prstGeom>
+          <a:ln w="15875">
+            <a:solidFill>
+              <a:schemeClr val="tx1">
+                <a:lumMod val="85000"/>
+                <a:lumOff val="15000"/>
+              </a:schemeClr>
+            </a:solidFill>
+          </a:ln>
+        </p:spPr>
+        <p:style>
+          <a:lnRef idx="1">
+            <a:schemeClr val="accent1"/>
+          </a:lnRef>
+          <a:fillRef idx="0">
+            <a:schemeClr val="accent1"/>
+          </a:fillRef>
+          <a:effectRef idx="0">
+            <a:schemeClr val="accent1"/>
+          </a:effectRef>
+          <a:fontRef idx="minor">
+            <a:schemeClr val="tx1"/>
+          </a:fontRef>
+        </p:style>
+      </p:cxnSp>
+      <p:sp>
+        <p:nvSpPr>
+          <p:cNvPr id="30733" name="文本框 5"/>
+          <p:cNvSpPr txBox="1"/>
+          <p:nvPr/>
+        </p:nvSpPr>
+        <p:spPr>
+          <a:xfrm>
+            <a:off x="1957388" y="1531938"/>
+            <a:ext cx="2922587" cy="3414712"/>
+          </a:xfrm>
+          <a:prstGeom prst="rect">
+            <a:avLst/>
+          </a:prstGeom>
+          <a:noFill/>
+          <a:ln w="9525">
+            <a:noFill/>
+          </a:ln>
+        </p:spPr>
+        <p:txBody>
+          <a:bodyPr wrap="square" anchor="t">
+            <a:spAutoFit/>
+          </a:bodyPr>
+          <a:p>
+            <a:r>
+              <a:rPr lang="zh-CN" altLang="en-US">
+                <a:latin typeface="Calibri" panose="020F0502020204030204" charset="0"/>
+                <a:ea typeface="宋体" panose="02010600030101010101" pitchFamily="2" charset="-122"/>
+              </a:rPr>
+              <a:t>职责要求                   10</a:t>
+            </a:r>
+            <a:endParaRPr lang="zh-CN" altLang="en-US">
+              <a:latin typeface="Calibri" panose="020F0502020204030204" charset="0"/>
+              <a:ea typeface="宋体" panose="02010600030101010101" pitchFamily="2" charset="-122"/>
+            </a:endParaRPr>
+          </a:p>
+          <a:p>
+            <a:r>
+              <a:rPr lang="zh-CN" altLang="en-US">
+                <a:latin typeface="Calibri" panose="020F0502020204030204" charset="0"/>
+                <a:ea typeface="宋体" panose="02010600030101010101" pitchFamily="2" charset="-122"/>
+              </a:rPr>
+              <a:t>技术难度	 </a:t>
+            </a:r>
+            <a:r>
+              <a:rPr lang="en-US" altLang="zh-CN">
+                <a:latin typeface="Calibri" panose="020F0502020204030204" charset="0"/>
+                <a:ea typeface="宋体" panose="02010600030101010101" pitchFamily="2" charset="-122"/>
+              </a:rPr>
+              <a:t>8</a:t>
+            </a:r>
+            <a:r>
+              <a:rPr lang="zh-CN" altLang="en-US">
+                <a:latin typeface="Calibri" panose="020F0502020204030204" charset="0"/>
+                <a:ea typeface="宋体" panose="02010600030101010101" pitchFamily="2" charset="-122"/>
+              </a:rPr>
+              <a:t>   </a:t>
+            </a:r>
+            <a:endParaRPr lang="zh-CN" altLang="en-US">
+              <a:latin typeface="Calibri" panose="020F0502020204030204" charset="0"/>
+              <a:ea typeface="宋体" panose="02010600030101010101" pitchFamily="2" charset="-122"/>
+            </a:endParaRPr>
+          </a:p>
+          <a:p>
+            <a:r>
+              <a:rPr lang="zh-CN" altLang="en-US">
+                <a:latin typeface="Calibri" panose="020F0502020204030204" charset="0"/>
+                <a:ea typeface="宋体" panose="02010600030101010101" pitchFamily="2" charset="-122"/>
+              </a:rPr>
+              <a:t>工作的重要性	 10</a:t>
+            </a:r>
+            <a:endParaRPr lang="zh-CN" altLang="en-US">
+              <a:latin typeface="Calibri" panose="020F0502020204030204" charset="0"/>
+              <a:ea typeface="宋体" panose="02010600030101010101" pitchFamily="2" charset="-122"/>
+            </a:endParaRPr>
+          </a:p>
+          <a:p>
+            <a:r>
+              <a:rPr lang="zh-CN" altLang="en-US">
+                <a:latin typeface="Calibri" panose="020F0502020204030204" charset="0"/>
+                <a:ea typeface="宋体" panose="02010600030101010101" pitchFamily="2" charset="-122"/>
+              </a:rPr>
+              <a:t>工作强度</a:t>
+            </a:r>
+            <a:r>
+              <a:rPr lang="en-US" altLang="zh-CN">
+                <a:latin typeface="Calibri" panose="020F0502020204030204" charset="0"/>
+                <a:ea typeface="宋体" panose="02010600030101010101" pitchFamily="2" charset="-122"/>
+              </a:rPr>
+              <a:t>	</a:t>
+            </a:r>
+            <a:r>
+              <a:rPr lang="zh-CN" altLang="en-US">
+                <a:latin typeface="Calibri" panose="020F0502020204030204" charset="0"/>
+                <a:ea typeface="宋体" panose="02010600030101010101" pitchFamily="2" charset="-122"/>
+              </a:rPr>
+              <a:t> 10</a:t>
+            </a:r>
+            <a:endParaRPr lang="zh-CN" altLang="en-US">
+              <a:latin typeface="Calibri" panose="020F0502020204030204" charset="0"/>
+              <a:ea typeface="宋体" panose="02010600030101010101" pitchFamily="2" charset="-122"/>
+            </a:endParaRPr>
+          </a:p>
+          <a:p>
+            <a:r>
+              <a:rPr lang="zh-CN" altLang="en-US">
+                <a:latin typeface="Calibri" panose="020F0502020204030204" charset="0"/>
+                <a:ea typeface="宋体" panose="02010600030101010101" pitchFamily="2" charset="-122"/>
+              </a:rPr>
+              <a:t>实际完成情况：	 </a:t>
+            </a:r>
+            <a:endParaRPr lang="zh-CN" altLang="en-US">
+              <a:latin typeface="Calibri" panose="020F0502020204030204" charset="0"/>
+              <a:ea typeface="宋体" panose="02010600030101010101" pitchFamily="2" charset="-122"/>
+            </a:endParaRPr>
+          </a:p>
+          <a:p>
+            <a:r>
+              <a:rPr lang="en-US" altLang="zh-CN">
+                <a:latin typeface="Calibri" panose="020F0502020204030204" charset="0"/>
+                <a:ea typeface="宋体" panose="02010600030101010101" pitchFamily="2" charset="-122"/>
+              </a:rPr>
+              <a:t>所承担工作的完成速度8</a:t>
+            </a:r>
+            <a:endParaRPr lang="en-US" altLang="zh-CN">
+              <a:latin typeface="Calibri" panose="020F0502020204030204" charset="0"/>
+              <a:ea typeface="宋体" panose="02010600030101010101" pitchFamily="2" charset="-122"/>
+            </a:endParaRPr>
+          </a:p>
+          <a:p>
+            <a:r>
+              <a:rPr lang="en-US" altLang="zh-CN">
+                <a:latin typeface="Calibri" panose="020F0502020204030204" charset="0"/>
+                <a:ea typeface="宋体" panose="02010600030101010101" pitchFamily="2" charset="-122"/>
+              </a:rPr>
+              <a:t>所承担工作的完成质量8</a:t>
+            </a:r>
+            <a:endParaRPr lang="en-US" altLang="zh-CN">
+              <a:latin typeface="Calibri" panose="020F0502020204030204" charset="0"/>
+              <a:ea typeface="宋体" panose="02010600030101010101" pitchFamily="2" charset="-122"/>
+            </a:endParaRPr>
+          </a:p>
+          <a:p>
+            <a:r>
+              <a:rPr lang="en-US" altLang="zh-CN">
+                <a:latin typeface="Calibri" panose="020F0502020204030204" charset="0"/>
+                <a:ea typeface="宋体" panose="02010600030101010101" pitchFamily="2" charset="-122"/>
+              </a:rPr>
+              <a:t>工作沟通               7</a:t>
+            </a:r>
+            <a:endParaRPr lang="en-US" altLang="zh-CN">
+              <a:latin typeface="Calibri" panose="020F0502020204030204" charset="0"/>
+              <a:ea typeface="宋体" panose="02010600030101010101" pitchFamily="2" charset="-122"/>
+            </a:endParaRPr>
+          </a:p>
+          <a:p>
+            <a:r>
+              <a:rPr lang="en-US" altLang="zh-CN">
+                <a:latin typeface="Calibri" panose="020F0502020204030204" charset="0"/>
+                <a:ea typeface="宋体" panose="02010600030101010101" pitchFamily="2" charset="-122"/>
+              </a:rPr>
+              <a:t>文档提交的及时程</a:t>
+            </a:r>
+            <a:r>
+              <a:rPr lang="zh-CN" altLang="en-US">
+                <a:latin typeface="Calibri" panose="020F0502020204030204" charset="0"/>
+                <a:ea typeface="宋体" panose="02010600030101010101" pitchFamily="2" charset="-122"/>
+              </a:rPr>
+              <a:t>度</a:t>
+            </a:r>
+            <a:r>
+              <a:rPr lang="en-US" altLang="zh-CN">
+                <a:latin typeface="Calibri" panose="020F0502020204030204" charset="0"/>
+                <a:ea typeface="宋体" panose="02010600030101010101" pitchFamily="2" charset="-122"/>
+              </a:rPr>
+              <a:t> 9</a:t>
+            </a:r>
+            <a:endParaRPr lang="en-US" altLang="zh-CN">
+              <a:latin typeface="Calibri" panose="020F0502020204030204" charset="0"/>
+              <a:ea typeface="宋体" panose="02010600030101010101" pitchFamily="2" charset="-122"/>
+            </a:endParaRPr>
+          </a:p>
+          <a:p>
+            <a:r>
+              <a:rPr lang="en-US" altLang="zh-CN">
+                <a:latin typeface="Calibri" panose="020F0502020204030204" charset="0"/>
+                <a:ea typeface="宋体" panose="02010600030101010101" pitchFamily="2" charset="-122"/>
+              </a:rPr>
+              <a:t>文档的质量	         9</a:t>
+            </a:r>
+            <a:endParaRPr lang="en-US" altLang="zh-CN">
+              <a:latin typeface="Calibri" panose="020F0502020204030204" charset="0"/>
+              <a:ea typeface="宋体" panose="02010600030101010101" pitchFamily="2" charset="-122"/>
+            </a:endParaRPr>
+          </a:p>
+          <a:p>
+            <a:r>
+              <a:rPr lang="en-US" altLang="zh-CN">
+                <a:latin typeface="Calibri" panose="020F0502020204030204" charset="0"/>
+                <a:ea typeface="宋体" panose="02010600030101010101" pitchFamily="2" charset="-122"/>
+              </a:rPr>
+              <a:t>工作态度                 9	</a:t>
+            </a:r>
+            <a:endParaRPr lang="en-US" altLang="zh-CN">
+              <a:latin typeface="Calibri" panose="020F0502020204030204" charset="0"/>
+              <a:ea typeface="宋体" panose="02010600030101010101" pitchFamily="2" charset="-122"/>
+            </a:endParaRPr>
+          </a:p>
+        </p:txBody>
+      </p:sp>
+      <p:sp>
+        <p:nvSpPr>
+          <p:cNvPr id="30734" name="文本框 6"/>
+          <p:cNvSpPr txBox="1"/>
+          <p:nvPr/>
+        </p:nvSpPr>
+        <p:spPr>
+          <a:xfrm>
+            <a:off x="6751638" y="933450"/>
+            <a:ext cx="1096962" cy="368300"/>
+          </a:xfrm>
+          <a:prstGeom prst="rect">
+            <a:avLst/>
+          </a:prstGeom>
+          <a:noFill/>
+          <a:ln w="9525">
+            <a:noFill/>
+          </a:ln>
+        </p:spPr>
+        <p:txBody>
+          <a:bodyPr wrap="none" anchor="t">
+            <a:spAutoFit/>
+          </a:bodyPr>
+          <a:p>
+            <a:r>
+              <a:rPr lang="zh-CN" altLang="en-US">
+                <a:latin typeface="Calibri" panose="020F0502020204030204" charset="0"/>
+                <a:ea typeface="宋体" panose="02010600030101010101" pitchFamily="2" charset="-122"/>
+              </a:rPr>
+              <a:t>陈金润：</a:t>
+            </a:r>
+            <a:endParaRPr lang="zh-CN" altLang="en-US">
+              <a:latin typeface="Calibri" panose="020F0502020204030204" charset="0"/>
+              <a:ea typeface="宋体" panose="02010600030101010101" pitchFamily="2" charset="-122"/>
+            </a:endParaRPr>
+          </a:p>
+        </p:txBody>
+      </p:sp>
+      <p:sp>
+        <p:nvSpPr>
+          <p:cNvPr id="30735" name="文本框 7"/>
+          <p:cNvSpPr txBox="1"/>
+          <p:nvPr/>
+        </p:nvSpPr>
+        <p:spPr>
+          <a:xfrm>
+            <a:off x="5722938" y="1531938"/>
+            <a:ext cx="2927350" cy="3138487"/>
+          </a:xfrm>
+          <a:prstGeom prst="rect">
+            <a:avLst/>
+          </a:prstGeom>
+          <a:noFill/>
+          <a:ln w="9525">
+            <a:noFill/>
+          </a:ln>
+        </p:spPr>
+        <p:txBody>
+          <a:bodyPr wrap="none" anchor="t">
+            <a:spAutoFit/>
+          </a:bodyPr>
+          <a:p>
+            <a:r>
+              <a:rPr lang="zh-CN" altLang="en-US">
+                <a:latin typeface="Calibri" panose="020F0502020204030204" charset="0"/>
+                <a:ea typeface="宋体" panose="02010600030101010101" pitchFamily="2" charset="-122"/>
+                <a:sym typeface="宋体" panose="02010600030101010101" pitchFamily="2" charset="-122"/>
+              </a:rPr>
+              <a:t>职责要求                   10</a:t>
+            </a:r>
+            <a:endParaRPr lang="zh-CN" altLang="en-US">
+              <a:latin typeface="Calibri" panose="020F0502020204030204" charset="0"/>
+              <a:ea typeface="宋体" panose="02010600030101010101" pitchFamily="2" charset="-122"/>
+            </a:endParaRPr>
+          </a:p>
+          <a:p>
+            <a:r>
+              <a:rPr lang="zh-CN" altLang="en-US">
+                <a:latin typeface="Calibri" panose="020F0502020204030204" charset="0"/>
+                <a:ea typeface="宋体" panose="02010600030101010101" pitchFamily="2" charset="-122"/>
+                <a:sym typeface="宋体" panose="02010600030101010101" pitchFamily="2" charset="-122"/>
+              </a:rPr>
+              <a:t>技术难度	 </a:t>
+            </a:r>
+            <a:r>
+              <a:rPr lang="en-US" altLang="zh-CN">
+                <a:latin typeface="Calibri" panose="020F0502020204030204" charset="0"/>
+                <a:ea typeface="宋体" panose="02010600030101010101" pitchFamily="2" charset="-122"/>
+                <a:sym typeface="宋体" panose="02010600030101010101" pitchFamily="2" charset="-122"/>
+              </a:rPr>
+              <a:t>7</a:t>
+            </a:r>
+            <a:r>
+              <a:rPr lang="zh-CN" altLang="en-US">
+                <a:latin typeface="Calibri" panose="020F0502020204030204" charset="0"/>
+                <a:ea typeface="宋体" panose="02010600030101010101" pitchFamily="2" charset="-122"/>
+                <a:sym typeface="宋体" panose="02010600030101010101" pitchFamily="2" charset="-122"/>
+              </a:rPr>
+              <a:t>   </a:t>
+            </a:r>
+            <a:endParaRPr lang="zh-CN" altLang="en-US">
+              <a:latin typeface="Calibri" panose="020F0502020204030204" charset="0"/>
+              <a:ea typeface="宋体" panose="02010600030101010101" pitchFamily="2" charset="-122"/>
+            </a:endParaRPr>
+          </a:p>
+          <a:p>
+            <a:r>
+              <a:rPr lang="zh-CN" altLang="en-US">
+                <a:latin typeface="Calibri" panose="020F0502020204030204" charset="0"/>
+                <a:ea typeface="宋体" panose="02010600030101010101" pitchFamily="2" charset="-122"/>
+                <a:sym typeface="宋体" panose="02010600030101010101" pitchFamily="2" charset="-122"/>
+              </a:rPr>
+              <a:t>工作的重要性	 </a:t>
+            </a:r>
+            <a:r>
+              <a:rPr lang="en-US" altLang="zh-CN">
+                <a:latin typeface="Calibri" panose="020F0502020204030204" charset="0"/>
+                <a:ea typeface="宋体" panose="02010600030101010101" pitchFamily="2" charset="-122"/>
+                <a:sym typeface="宋体" panose="02010600030101010101" pitchFamily="2" charset="-122"/>
+              </a:rPr>
+              <a:t>7</a:t>
+            </a:r>
+            <a:endParaRPr lang="en-US" altLang="zh-CN">
+              <a:latin typeface="Calibri" panose="020F0502020204030204" charset="0"/>
+              <a:ea typeface="宋体" panose="02010600030101010101" pitchFamily="2" charset="-122"/>
+              <a:sym typeface="宋体" panose="02010600030101010101" pitchFamily="2" charset="-122"/>
+            </a:endParaRPr>
+          </a:p>
+          <a:p>
+            <a:r>
+              <a:rPr lang="zh-CN" altLang="en-US">
+                <a:latin typeface="Calibri" panose="020F0502020204030204" charset="0"/>
+                <a:ea typeface="宋体" panose="02010600030101010101" pitchFamily="2" charset="-122"/>
+                <a:sym typeface="宋体" panose="02010600030101010101" pitchFamily="2" charset="-122"/>
+              </a:rPr>
+              <a:t>工作强度</a:t>
+            </a:r>
+            <a:r>
+              <a:rPr lang="en-US" altLang="zh-CN">
+                <a:latin typeface="Calibri" panose="020F0502020204030204" charset="0"/>
+                <a:ea typeface="宋体" panose="02010600030101010101" pitchFamily="2" charset="-122"/>
+                <a:sym typeface="宋体" panose="02010600030101010101" pitchFamily="2" charset="-122"/>
+              </a:rPr>
+              <a:t>	</a:t>
+            </a:r>
+            <a:r>
+              <a:rPr lang="zh-CN" altLang="en-US">
+                <a:latin typeface="Calibri" panose="020F0502020204030204" charset="0"/>
+                <a:ea typeface="宋体" panose="02010600030101010101" pitchFamily="2" charset="-122"/>
+                <a:sym typeface="宋体" panose="02010600030101010101" pitchFamily="2" charset="-122"/>
+              </a:rPr>
+              <a:t> </a:t>
+            </a:r>
+            <a:r>
+              <a:rPr lang="en-US" altLang="zh-CN">
+                <a:latin typeface="Calibri" panose="020F0502020204030204" charset="0"/>
+                <a:ea typeface="宋体" panose="02010600030101010101" pitchFamily="2" charset="-122"/>
+                <a:sym typeface="宋体" panose="02010600030101010101" pitchFamily="2" charset="-122"/>
+              </a:rPr>
+              <a:t>8</a:t>
+            </a:r>
+            <a:endParaRPr lang="en-US" altLang="zh-CN">
+              <a:latin typeface="Calibri" panose="020F0502020204030204" charset="0"/>
+              <a:ea typeface="宋体" panose="02010600030101010101" pitchFamily="2" charset="-122"/>
+              <a:sym typeface="宋体" panose="02010600030101010101" pitchFamily="2" charset="-122"/>
+            </a:endParaRPr>
+          </a:p>
+          <a:p>
+            <a:r>
+              <a:rPr lang="zh-CN" altLang="en-US">
+                <a:latin typeface="Calibri" panose="020F0502020204030204" charset="0"/>
+                <a:ea typeface="宋体" panose="02010600030101010101" pitchFamily="2" charset="-122"/>
+                <a:sym typeface="宋体" panose="02010600030101010101" pitchFamily="2" charset="-122"/>
+              </a:rPr>
+              <a:t>实际完成情况：	 </a:t>
+            </a:r>
+            <a:endParaRPr lang="zh-CN" altLang="en-US">
+              <a:latin typeface="Calibri" panose="020F0502020204030204" charset="0"/>
+              <a:ea typeface="宋体" panose="02010600030101010101" pitchFamily="2" charset="-122"/>
+            </a:endParaRPr>
+          </a:p>
+          <a:p>
+            <a:r>
+              <a:rPr lang="en-US" altLang="zh-CN">
+                <a:latin typeface="Calibri" panose="020F0502020204030204" charset="0"/>
+                <a:ea typeface="宋体" panose="02010600030101010101" pitchFamily="2" charset="-122"/>
+                <a:sym typeface="宋体" panose="02010600030101010101" pitchFamily="2" charset="-122"/>
+              </a:rPr>
+              <a:t>所承担工作的完成速度10</a:t>
+            </a:r>
+            <a:endParaRPr lang="en-US" altLang="zh-CN">
+              <a:latin typeface="Calibri" panose="020F0502020204030204" charset="0"/>
+              <a:ea typeface="宋体" panose="02010600030101010101" pitchFamily="2" charset="-122"/>
+            </a:endParaRPr>
+          </a:p>
+          <a:p>
+            <a:r>
+              <a:rPr lang="en-US" altLang="zh-CN">
+                <a:latin typeface="Calibri" panose="020F0502020204030204" charset="0"/>
+                <a:ea typeface="宋体" panose="02010600030101010101" pitchFamily="2" charset="-122"/>
+                <a:sym typeface="宋体" panose="02010600030101010101" pitchFamily="2" charset="-122"/>
+              </a:rPr>
+              <a:t>所承担工作的完成质量7</a:t>
+            </a:r>
+            <a:endParaRPr lang="en-US" altLang="zh-CN">
+              <a:latin typeface="Calibri" panose="020F0502020204030204" charset="0"/>
+              <a:ea typeface="宋体" panose="02010600030101010101" pitchFamily="2" charset="-122"/>
+            </a:endParaRPr>
+          </a:p>
+          <a:p>
+            <a:r>
+              <a:rPr lang="en-US" altLang="zh-CN">
+                <a:latin typeface="Calibri" panose="020F0502020204030204" charset="0"/>
+                <a:ea typeface="宋体" panose="02010600030101010101" pitchFamily="2" charset="-122"/>
+                <a:sym typeface="宋体" panose="02010600030101010101" pitchFamily="2" charset="-122"/>
+              </a:rPr>
+              <a:t>工作沟通               7</a:t>
+            </a:r>
+            <a:endParaRPr lang="en-US" altLang="zh-CN">
+              <a:latin typeface="Calibri" panose="020F0502020204030204" charset="0"/>
+              <a:ea typeface="宋体" panose="02010600030101010101" pitchFamily="2" charset="-122"/>
+            </a:endParaRPr>
+          </a:p>
+          <a:p>
+            <a:r>
+              <a:rPr lang="en-US" altLang="zh-CN">
+                <a:latin typeface="Calibri" panose="020F0502020204030204" charset="0"/>
+                <a:ea typeface="宋体" panose="02010600030101010101" pitchFamily="2" charset="-122"/>
+                <a:sym typeface="宋体" panose="02010600030101010101" pitchFamily="2" charset="-122"/>
+              </a:rPr>
+              <a:t>文档提交的及时程</a:t>
+            </a:r>
+            <a:r>
+              <a:rPr lang="zh-CN" altLang="en-US">
+                <a:latin typeface="Calibri" panose="020F0502020204030204" charset="0"/>
+                <a:ea typeface="宋体" panose="02010600030101010101" pitchFamily="2" charset="-122"/>
+                <a:sym typeface="宋体" panose="02010600030101010101" pitchFamily="2" charset="-122"/>
+              </a:rPr>
+              <a:t>度</a:t>
+            </a:r>
+            <a:r>
+              <a:rPr lang="en-US" altLang="zh-CN">
+                <a:latin typeface="Calibri" panose="020F0502020204030204" charset="0"/>
+                <a:ea typeface="宋体" panose="02010600030101010101" pitchFamily="2" charset="-122"/>
+                <a:sym typeface="宋体" panose="02010600030101010101" pitchFamily="2" charset="-122"/>
+              </a:rPr>
+              <a:t> 10</a:t>
+            </a:r>
+            <a:endParaRPr lang="en-US" altLang="zh-CN">
+              <a:latin typeface="Calibri" panose="020F0502020204030204" charset="0"/>
+              <a:ea typeface="宋体" panose="02010600030101010101" pitchFamily="2" charset="-122"/>
+            </a:endParaRPr>
+          </a:p>
+          <a:p>
+            <a:r>
+              <a:rPr lang="en-US" altLang="zh-CN">
+                <a:latin typeface="Calibri" panose="020F0502020204030204" charset="0"/>
+                <a:ea typeface="宋体" panose="02010600030101010101" pitchFamily="2" charset="-122"/>
+                <a:sym typeface="宋体" panose="02010600030101010101" pitchFamily="2" charset="-122"/>
+              </a:rPr>
+              <a:t>文档的质量	         7</a:t>
+            </a:r>
+            <a:endParaRPr lang="en-US" altLang="zh-CN">
+              <a:latin typeface="Calibri" panose="020F0502020204030204" charset="0"/>
+              <a:ea typeface="宋体" panose="02010600030101010101" pitchFamily="2" charset="-122"/>
+            </a:endParaRPr>
+          </a:p>
+          <a:p>
+            <a:r>
+              <a:rPr lang="en-US" altLang="zh-CN">
+                <a:latin typeface="Calibri" panose="020F0502020204030204" charset="0"/>
+                <a:ea typeface="宋体" panose="02010600030101010101" pitchFamily="2" charset="-122"/>
+                <a:sym typeface="宋体" panose="02010600030101010101" pitchFamily="2" charset="-122"/>
+              </a:rPr>
+              <a:t>工作态度                 9	</a:t>
+            </a:r>
+            <a:endParaRPr lang="zh-CN" altLang="en-US">
+              <a:latin typeface="Calibri" panose="020F0502020204030204" charset="0"/>
+              <a:ea typeface="宋体" panose="02010600030101010101" pitchFamily="2" charset="-122"/>
+            </a:endParaRPr>
+          </a:p>
+        </p:txBody>
+      </p:sp>
+    </p:spTree>
+  </p:cSld>
+  <p:clrMapOvr>
+    <a:masterClrMapping/>
+  </p:clrMapOvr>
+</p:sld>
+</file>
+
+<file path=ppt/slides/slide18.xml><?xml version="1.0" encoding="utf-8"?>
+<p:sld xmlns:a="http://schemas.openxmlformats.org/drawingml/2006/main" xmlns:r="http://schemas.openxmlformats.org/officeDocument/2006/relationships" xmlns:p="http://schemas.openxmlformats.org/presentationml/2006/main">
+  <p:cSld>
+    <p:spTree>
+      <p:nvGrpSpPr>
+        <p:cNvPr id="1" name=""/>
+        <p:cNvGrpSpPr/>
+        <p:nvPr/>
+      </p:nvGrpSpPr>
+      <p:grpSpPr/>
+      <p:sp>
+        <p:nvSpPr>
+          <p:cNvPr id="15" name="矩形 14"/>
+          <p:cNvSpPr/>
+          <p:nvPr/>
+        </p:nvSpPr>
+        <p:spPr>
+          <a:xfrm>
+            <a:off x="573088" y="161925"/>
+            <a:ext cx="1260475" cy="400050"/>
+          </a:xfrm>
+          <a:prstGeom prst="rect">
+            <a:avLst/>
+          </a:prstGeom>
+        </p:spPr>
+        <p:txBody>
+          <a:bodyPr wrap="square" anchor="ctr">
+            <a:spAutoFit/>
+          </a:bodyPr>
+          <a:lstStyle/>
+          <a:p>
+            <a:pPr lvl="0" fontAlgn="auto"/>
+            <a:r>
+              <a:rPr kumimoji="0" lang="zh-CN" altLang="en-US" sz="2000" b="1" i="0" u="none" strike="noStrike" kern="0" cap="none" spc="0" normalizeH="0" baseline="0" noProof="0" dirty="0" smtClean="0">
+                <a:ln>
+                  <a:noFill/>
+                </a:ln>
+                <a:effectLst/>
+                <a:uLnTx/>
+                <a:uFillTx/>
+                <a:latin typeface="微软雅黑" panose="020B0503020204020204" pitchFamily="34" charset="-122"/>
+                <a:ea typeface="微软雅黑" panose="020B0503020204020204" pitchFamily="34" charset="-122"/>
+                <a:cs typeface="微软雅黑" panose="020B0503020204020204" pitchFamily="34" charset="-122"/>
+              </a:rPr>
+              <a:t>参考文献</a:t>
+            </a:r>
+            <a:endParaRPr kumimoji="0" lang="zh-CN" altLang="en-US" sz="2000" b="1" i="0" u="none" strike="noStrike" kern="0" cap="none" spc="0" normalizeH="0" baseline="0" noProof="0" dirty="0" smtClean="0">
+              <a:ln>
+                <a:noFill/>
+              </a:ln>
+              <a:effectLst/>
+              <a:uLnTx/>
+              <a:uFillTx/>
+              <a:latin typeface="微软雅黑" panose="020B0503020204020204" pitchFamily="34" charset="-122"/>
+              <a:ea typeface="微软雅黑" panose="020B0503020204020204" pitchFamily="34" charset="-122"/>
+              <a:cs typeface="微软雅黑" panose="020B0503020204020204" pitchFamily="34" charset="-122"/>
+            </a:endParaRPr>
+          </a:p>
+        </p:txBody>
+      </p:sp>
+      <p:sp>
+        <p:nvSpPr>
+          <p:cNvPr id="31746" name="矩形 15"/>
+          <p:cNvSpPr/>
+          <p:nvPr/>
+        </p:nvSpPr>
+        <p:spPr>
+          <a:xfrm>
+            <a:off x="1735138" y="207963"/>
+            <a:ext cx="1177925" cy="307975"/>
+          </a:xfrm>
+          <a:prstGeom prst="rect">
+            <a:avLst/>
+          </a:prstGeom>
+          <a:noFill/>
+          <a:ln w="9525">
+            <a:noFill/>
+          </a:ln>
+        </p:spPr>
+        <p:txBody>
+          <a:bodyPr wrap="none" anchor="t">
+            <a:spAutoFit/>
+          </a:bodyPr>
+          <a:p>
+            <a:r>
+              <a:rPr lang="en-US" altLang="zh-CN" sz="1400" dirty="0">
+                <a:latin typeface="微软雅黑" panose="020B0503020204020204" pitchFamily="34" charset="-122"/>
+                <a:ea typeface="微软雅黑" panose="020B0503020204020204" pitchFamily="34" charset="-122"/>
+              </a:rPr>
+              <a:t>REFERENCE</a:t>
+            </a:r>
+            <a:endParaRPr lang="en-US" altLang="zh-CN" sz="1400" dirty="0">
+              <a:latin typeface="微软雅黑" panose="020B0503020204020204" pitchFamily="34" charset="-122"/>
+              <a:ea typeface="微软雅黑" panose="020B0503020204020204" pitchFamily="34" charset="-122"/>
+            </a:endParaRPr>
+          </a:p>
+        </p:txBody>
+      </p:sp>
+      <p:sp>
+        <p:nvSpPr>
+          <p:cNvPr id="13" name="矩形 12"/>
+          <p:cNvSpPr/>
+          <p:nvPr/>
+        </p:nvSpPr>
+        <p:spPr>
+          <a:xfrm>
+            <a:off x="169863" y="168275"/>
+            <a:ext cx="374650" cy="385763"/>
+          </a:xfrm>
+          <a:prstGeom prst="rect">
+            <a:avLst/>
+          </a:prstGeom>
+          <a:solidFill>
+            <a:schemeClr val="accent2"/>
+          </a:solidFill>
+          <a:ln>
+            <a:noFill/>
+          </a:ln>
+        </p:spPr>
+        <p:style>
+          <a:lnRef idx="2">
+            <a:schemeClr val="accent1">
+              <a:shade val="50000"/>
+            </a:schemeClr>
+          </a:lnRef>
+          <a:fillRef idx="1">
+            <a:schemeClr val="accent1"/>
+          </a:fillRef>
+          <a:effectRef idx="0">
+            <a:schemeClr val="accent1"/>
+          </a:effectRef>
+          <a:fontRef idx="minor">
+            <a:schemeClr val="lt1"/>
+          </a:fontRef>
+        </p:style>
+        <p:txBody>
+          <a:bodyPr rot="0" spcFirstLastPara="0" vertOverflow="overflow" horzOverflow="overflow" vert="horz" wrap="square" lIns="91440" tIns="45720" rIns="91440" bIns="45720" numCol="1" spcCol="0" rtlCol="0" fromWordArt="0" anchor="ctr" anchorCtr="0" forceAA="0" compatLnSpc="1">
+            <a:noAutofit/>
+          </a:bodyPr>
+          <a:lstStyle/>
+          <a:p>
+            <a:pPr algn="ctr" fontAlgn="auto"/>
+            <a:endParaRPr lang="zh-CN" altLang="en-US" strike="noStrike" noProof="1">
+              <a:solidFill>
+                <a:schemeClr val="tx1"/>
+              </a:solidFill>
+            </a:endParaRPr>
+          </a:p>
+        </p:txBody>
+      </p:sp>
+      <p:sp>
+        <p:nvSpPr>
+          <p:cNvPr id="14" name="矩形 13"/>
+          <p:cNvSpPr/>
+          <p:nvPr/>
+        </p:nvSpPr>
+        <p:spPr>
+          <a:xfrm>
+            <a:off x="-76200" y="161925"/>
+            <a:ext cx="866775" cy="400050"/>
+          </a:xfrm>
+          <a:prstGeom prst="rect">
+            <a:avLst/>
+          </a:prstGeom>
+        </p:spPr>
+        <p:txBody>
+          <a:bodyPr wrap="square" anchor="ctr">
+            <a:spAutoFit/>
+          </a:bodyPr>
+          <a:lstStyle/>
+          <a:p>
+            <a:pPr marL="0" marR="0" lvl="0" indent="0" algn="ctr" defTabSz="914400" eaLnBrk="1" fontAlgn="auto" latinLnBrk="0" hangingPunct="1">
+              <a:lnSpc>
+                <a:spcPct val="100000"/>
+              </a:lnSpc>
+              <a:spcBef>
+                <a:spcPts val="0"/>
+              </a:spcBef>
+              <a:spcAft>
+                <a:spcPts val="0"/>
+              </a:spcAft>
+              <a:buClrTx/>
+              <a:buSzTx/>
+              <a:buFontTx/>
+              <a:buNone/>
+              <a:defRPr/>
+            </a:pPr>
+            <a:r>
+              <a:rPr kumimoji="0" lang="en-US" altLang="zh-CN" sz="2000" b="0" i="0" u="none" strike="noStrike" kern="0" cap="none" spc="0" normalizeH="0" baseline="0" noProof="0" dirty="0" smtClean="0">
+                <a:ln>
+                  <a:noFill/>
+                </a:ln>
+                <a:solidFill>
+                  <a:schemeClr val="bg1"/>
+                </a:solidFill>
+                <a:effectLst/>
+                <a:uLnTx/>
+                <a:uFillTx/>
+                <a:latin typeface="微软雅黑" panose="020B0503020204020204" pitchFamily="34" charset="-122"/>
+                <a:ea typeface="微软雅黑" panose="020B0503020204020204" pitchFamily="34" charset="-122"/>
+                <a:cs typeface="微软雅黑" panose="020B0503020204020204" pitchFamily="34" charset="-122"/>
+              </a:rPr>
+              <a:t>06</a:t>
+            </a:r>
+            <a:endParaRPr kumimoji="0" lang="en-US" altLang="zh-CN" sz="2000" b="0" i="0" u="none" strike="noStrike" kern="0" cap="none" spc="0" normalizeH="0" baseline="0" noProof="0" dirty="0">
+              <a:ln>
+                <a:noFill/>
+              </a:ln>
+              <a:solidFill>
+                <a:schemeClr val="bg1"/>
+              </a:solidFill>
+              <a:effectLst/>
+              <a:uLnTx/>
+              <a:uFillTx/>
+              <a:latin typeface="微软雅黑" panose="020B0503020204020204" pitchFamily="34" charset="-122"/>
+              <a:ea typeface="微软雅黑" panose="020B0503020204020204" pitchFamily="34" charset="-122"/>
+              <a:cs typeface="微软雅黑" panose="020B0503020204020204" pitchFamily="34" charset="-122"/>
+            </a:endParaRPr>
+          </a:p>
+        </p:txBody>
+      </p:sp>
+      <p:cxnSp>
+        <p:nvCxnSpPr>
+          <p:cNvPr id="17" name="直接连接符 16"/>
+          <p:cNvCxnSpPr/>
+          <p:nvPr/>
+        </p:nvCxnSpPr>
+        <p:spPr>
+          <a:xfrm>
+            <a:off x="3060700" y="361950"/>
+            <a:ext cx="8953500" cy="0"/>
+          </a:xfrm>
+          <a:prstGeom prst="line">
+            <a:avLst/>
+          </a:prstGeom>
+          <a:ln>
+            <a:solidFill>
+              <a:schemeClr val="tx1"/>
+            </a:solidFill>
+          </a:ln>
+        </p:spPr>
+        <p:style>
+          <a:lnRef idx="1">
+            <a:schemeClr val="accent1"/>
+          </a:lnRef>
+          <a:fillRef idx="0">
+            <a:schemeClr val="accent1"/>
+          </a:fillRef>
+          <a:effectRef idx="0">
+            <a:schemeClr val="accent1"/>
+          </a:effectRef>
+          <a:fontRef idx="minor">
+            <a:schemeClr val="tx1"/>
+          </a:fontRef>
+        </p:style>
+      </p:cxnSp>
+      <p:cxnSp>
+        <p:nvCxnSpPr>
+          <p:cNvPr id="19" name="直接连接符 18"/>
+          <p:cNvCxnSpPr/>
+          <p:nvPr/>
+        </p:nvCxnSpPr>
+        <p:spPr>
+          <a:xfrm>
+            <a:off x="1774825" y="246063"/>
+            <a:ext cx="1588" cy="230188"/>
+          </a:xfrm>
+          <a:prstGeom prst="line">
+            <a:avLst/>
+          </a:prstGeom>
+          <a:ln w="12700" cap="rnd">
+            <a:solidFill>
+              <a:schemeClr val="tx1">
+                <a:alpha val="49000"/>
+              </a:schemeClr>
+            </a:solidFill>
+            <a:round/>
+            <a:tailEnd type="none" w="sm" len="sm"/>
+          </a:ln>
+        </p:spPr>
+        <p:style>
+          <a:lnRef idx="1">
+            <a:schemeClr val="accent1"/>
+          </a:lnRef>
+          <a:fillRef idx="0">
+            <a:schemeClr val="accent1"/>
+          </a:fillRef>
+          <a:effectRef idx="0">
+            <a:schemeClr val="accent1"/>
+          </a:effectRef>
+          <a:fontRef idx="minor">
+            <a:schemeClr val="tx1"/>
+          </a:fontRef>
+        </p:style>
+      </p:cxnSp>
+      <p:pic>
+        <p:nvPicPr>
+          <p:cNvPr id="31751" name="图片 2" descr="小组logo"/>
+          <p:cNvPicPr>
+            <a:picLocks noChangeAspect="1"/>
+          </p:cNvPicPr>
+          <p:nvPr/>
+        </p:nvPicPr>
+        <p:blipFill>
+          <a:blip r:embed="rId1"/>
+          <a:stretch>
+            <a:fillRect/>
+          </a:stretch>
+        </p:blipFill>
+        <p:spPr>
+          <a:xfrm>
+            <a:off x="10318750" y="-190500"/>
+            <a:ext cx="2105025" cy="2105025"/>
+          </a:xfrm>
+          <a:prstGeom prst="rect">
+            <a:avLst/>
+          </a:prstGeom>
+          <a:noFill/>
+          <a:ln w="9525">
+            <a:noFill/>
+          </a:ln>
+        </p:spPr>
+      </p:pic>
+      <p:pic>
+        <p:nvPicPr>
+          <p:cNvPr id="31752" name="Picture 2" descr="C:\Documents and Settings\Administrator\My Documents\Downloads\006.png"/>
+          <p:cNvPicPr>
+            <a:picLocks noChangeAspect="1"/>
+          </p:cNvPicPr>
+          <p:nvPr/>
+        </p:nvPicPr>
+        <p:blipFill>
+          <a:blip r:embed="rId2"/>
+          <a:stretch>
+            <a:fillRect/>
+          </a:stretch>
+        </p:blipFill>
+        <p:spPr>
+          <a:xfrm>
+            <a:off x="111125" y="933450"/>
+            <a:ext cx="492125" cy="492125"/>
+          </a:xfrm>
+          <a:prstGeom prst="rect">
+            <a:avLst/>
+          </a:prstGeom>
+          <a:noFill/>
+          <a:ln w="9525">
+            <a:noFill/>
+          </a:ln>
+        </p:spPr>
+      </p:pic>
+      <p:cxnSp>
+        <p:nvCxnSpPr>
+          <p:cNvPr id="4" name="直接连接符 3"/>
+          <p:cNvCxnSpPr/>
+          <p:nvPr/>
+        </p:nvCxnSpPr>
+        <p:spPr>
+          <a:xfrm>
+            <a:off x="1833563" y="996950"/>
+            <a:ext cx="0" cy="3633788"/>
+          </a:xfrm>
+          <a:prstGeom prst="line">
+            <a:avLst/>
+          </a:prstGeom>
+          <a:ln w="15875">
+            <a:solidFill>
+              <a:schemeClr val="tx1">
+                <a:lumMod val="85000"/>
+                <a:lumOff val="15000"/>
+              </a:schemeClr>
+            </a:solidFill>
+          </a:ln>
+        </p:spPr>
+        <p:style>
+          <a:lnRef idx="1">
+            <a:schemeClr val="accent1"/>
+          </a:lnRef>
+          <a:fillRef idx="0">
+            <a:schemeClr val="accent1"/>
+          </a:fillRef>
+          <a:effectRef idx="0">
+            <a:schemeClr val="accent1"/>
+          </a:effectRef>
+          <a:fontRef idx="minor">
+            <a:schemeClr val="tx1"/>
+          </a:fontRef>
+        </p:style>
+      </p:cxnSp>
+      <p:sp>
+        <p:nvSpPr>
+          <p:cNvPr id="31754" name="文本框 1"/>
+          <p:cNvSpPr txBox="1"/>
+          <p:nvPr/>
+        </p:nvSpPr>
+        <p:spPr>
+          <a:xfrm>
+            <a:off x="679450" y="996950"/>
+            <a:ext cx="1096963" cy="365125"/>
+          </a:xfrm>
+          <a:prstGeom prst="rect">
+            <a:avLst/>
+          </a:prstGeom>
+          <a:noFill/>
+          <a:ln w="9525">
+            <a:noFill/>
+          </a:ln>
+        </p:spPr>
+        <p:txBody>
+          <a:bodyPr wrap="none" anchor="t">
+            <a:spAutoFit/>
+          </a:bodyPr>
+          <a:p>
+            <a:r>
+              <a:rPr lang="zh-CN" altLang="en-US">
+                <a:latin typeface="Calibri" panose="020F0502020204030204" charset="0"/>
+                <a:ea typeface="宋体" panose="02010600030101010101" pitchFamily="2" charset="-122"/>
+              </a:rPr>
+              <a:t>绩效评定</a:t>
+            </a:r>
+            <a:endParaRPr lang="zh-CN" altLang="en-US">
+              <a:latin typeface="Calibri" panose="020F0502020204030204" charset="0"/>
+              <a:ea typeface="宋体" panose="02010600030101010101" pitchFamily="2" charset="-122"/>
+            </a:endParaRPr>
+          </a:p>
+        </p:txBody>
+      </p:sp>
+      <p:sp>
+        <p:nvSpPr>
+          <p:cNvPr id="31755" name="文本框 3"/>
+          <p:cNvSpPr txBox="1"/>
+          <p:nvPr/>
+        </p:nvSpPr>
+        <p:spPr>
+          <a:xfrm>
+            <a:off x="2870200" y="996950"/>
+            <a:ext cx="1096963" cy="368300"/>
+          </a:xfrm>
+          <a:prstGeom prst="rect">
+            <a:avLst/>
+          </a:prstGeom>
+          <a:noFill/>
+          <a:ln w="9525">
+            <a:noFill/>
+          </a:ln>
+        </p:spPr>
+        <p:txBody>
+          <a:bodyPr wrap="none" anchor="t">
+            <a:spAutoFit/>
+          </a:bodyPr>
+          <a:p>
+            <a:r>
+              <a:rPr lang="zh-CN" altLang="en-US">
+                <a:latin typeface="Calibri" panose="020F0502020204030204" charset="0"/>
+                <a:ea typeface="宋体" panose="02010600030101010101" pitchFamily="2" charset="-122"/>
+              </a:rPr>
+              <a:t>吕政凯：</a:t>
+            </a:r>
+            <a:endParaRPr lang="zh-CN" altLang="en-US">
+              <a:latin typeface="Calibri" panose="020F0502020204030204" charset="0"/>
+              <a:ea typeface="宋体" panose="02010600030101010101" pitchFamily="2" charset="-122"/>
+            </a:endParaRPr>
+          </a:p>
+        </p:txBody>
+      </p:sp>
+      <p:cxnSp>
+        <p:nvCxnSpPr>
+          <p:cNvPr id="5" name="直接连接符 4"/>
+          <p:cNvCxnSpPr/>
+          <p:nvPr/>
+        </p:nvCxnSpPr>
+        <p:spPr>
+          <a:xfrm>
+            <a:off x="1833563" y="2714625"/>
+            <a:ext cx="0" cy="3633788"/>
+          </a:xfrm>
+          <a:prstGeom prst="line">
+            <a:avLst/>
+          </a:prstGeom>
+          <a:ln w="15875">
+            <a:solidFill>
+              <a:schemeClr val="tx1">
+                <a:lumMod val="85000"/>
+                <a:lumOff val="15000"/>
+              </a:schemeClr>
+            </a:solidFill>
+          </a:ln>
+        </p:spPr>
+        <p:style>
+          <a:lnRef idx="1">
+            <a:schemeClr val="accent1"/>
+          </a:lnRef>
+          <a:fillRef idx="0">
+            <a:schemeClr val="accent1"/>
+          </a:fillRef>
+          <a:effectRef idx="0">
+            <a:schemeClr val="accent1"/>
+          </a:effectRef>
+          <a:fontRef idx="minor">
+            <a:schemeClr val="tx1"/>
+          </a:fontRef>
+        </p:style>
+      </p:cxnSp>
+      <p:sp>
+        <p:nvSpPr>
+          <p:cNvPr id="31757" name="文本框 5"/>
+          <p:cNvSpPr txBox="1"/>
+          <p:nvPr/>
+        </p:nvSpPr>
+        <p:spPr>
+          <a:xfrm>
+            <a:off x="1957388" y="1531938"/>
+            <a:ext cx="2922587" cy="3414712"/>
+          </a:xfrm>
+          <a:prstGeom prst="rect">
+            <a:avLst/>
+          </a:prstGeom>
+          <a:noFill/>
+          <a:ln w="9525">
+            <a:noFill/>
+          </a:ln>
+        </p:spPr>
+        <p:txBody>
+          <a:bodyPr wrap="square" anchor="t">
+            <a:spAutoFit/>
+          </a:bodyPr>
+          <a:p>
+            <a:r>
+              <a:rPr lang="zh-CN" altLang="en-US">
+                <a:latin typeface="Calibri" panose="020F0502020204030204" charset="0"/>
+                <a:ea typeface="宋体" panose="02010600030101010101" pitchFamily="2" charset="-122"/>
+              </a:rPr>
+              <a:t>职责要求                   10</a:t>
+            </a:r>
+            <a:endParaRPr lang="zh-CN" altLang="en-US">
+              <a:latin typeface="Calibri" panose="020F0502020204030204" charset="0"/>
+              <a:ea typeface="宋体" panose="02010600030101010101" pitchFamily="2" charset="-122"/>
+            </a:endParaRPr>
+          </a:p>
+          <a:p>
+            <a:r>
+              <a:rPr lang="zh-CN" altLang="en-US">
+                <a:latin typeface="Calibri" panose="020F0502020204030204" charset="0"/>
+                <a:ea typeface="宋体" panose="02010600030101010101" pitchFamily="2" charset="-122"/>
+              </a:rPr>
+              <a:t>技术难度	 </a:t>
+            </a:r>
+            <a:r>
+              <a:rPr lang="en-US" altLang="zh-CN">
+                <a:latin typeface="Calibri" panose="020F0502020204030204" charset="0"/>
+                <a:ea typeface="宋体" panose="02010600030101010101" pitchFamily="2" charset="-122"/>
+              </a:rPr>
+              <a:t>8</a:t>
+            </a:r>
+            <a:r>
+              <a:rPr lang="zh-CN" altLang="en-US">
+                <a:latin typeface="Calibri" panose="020F0502020204030204" charset="0"/>
+                <a:ea typeface="宋体" panose="02010600030101010101" pitchFamily="2" charset="-122"/>
+              </a:rPr>
+              <a:t>   </a:t>
+            </a:r>
+            <a:endParaRPr lang="zh-CN" altLang="en-US">
+              <a:latin typeface="Calibri" panose="020F0502020204030204" charset="0"/>
+              <a:ea typeface="宋体" panose="02010600030101010101" pitchFamily="2" charset="-122"/>
+            </a:endParaRPr>
+          </a:p>
+          <a:p>
+            <a:r>
+              <a:rPr lang="zh-CN" altLang="en-US">
+                <a:latin typeface="Calibri" panose="020F0502020204030204" charset="0"/>
+                <a:ea typeface="宋体" panose="02010600030101010101" pitchFamily="2" charset="-122"/>
+              </a:rPr>
+              <a:t>工作的重要性	 </a:t>
+            </a:r>
+            <a:r>
+              <a:rPr lang="en-US" altLang="zh-CN">
+                <a:latin typeface="Calibri" panose="020F0502020204030204" charset="0"/>
+                <a:ea typeface="宋体" panose="02010600030101010101" pitchFamily="2" charset="-122"/>
+              </a:rPr>
+              <a:t>9</a:t>
+            </a:r>
+            <a:endParaRPr lang="en-US" altLang="zh-CN">
+              <a:latin typeface="Calibri" panose="020F0502020204030204" charset="0"/>
+              <a:ea typeface="宋体" panose="02010600030101010101" pitchFamily="2" charset="-122"/>
+            </a:endParaRPr>
+          </a:p>
+          <a:p>
+            <a:r>
+              <a:rPr lang="zh-CN" altLang="en-US">
+                <a:latin typeface="Calibri" panose="020F0502020204030204" charset="0"/>
+                <a:ea typeface="宋体" panose="02010600030101010101" pitchFamily="2" charset="-122"/>
+              </a:rPr>
+              <a:t>工作强度</a:t>
+            </a:r>
+            <a:r>
+              <a:rPr lang="en-US" altLang="zh-CN">
+                <a:latin typeface="Calibri" panose="020F0502020204030204" charset="0"/>
+                <a:ea typeface="宋体" panose="02010600030101010101" pitchFamily="2" charset="-122"/>
+              </a:rPr>
+              <a:t>	</a:t>
+            </a:r>
+            <a:r>
+              <a:rPr lang="zh-CN" altLang="en-US">
+                <a:latin typeface="Calibri" panose="020F0502020204030204" charset="0"/>
+                <a:ea typeface="宋体" panose="02010600030101010101" pitchFamily="2" charset="-122"/>
+              </a:rPr>
+              <a:t> </a:t>
+            </a:r>
+            <a:r>
+              <a:rPr lang="en-US" altLang="zh-CN">
+                <a:latin typeface="Calibri" panose="020F0502020204030204" charset="0"/>
+                <a:ea typeface="宋体" panose="02010600030101010101" pitchFamily="2" charset="-122"/>
+              </a:rPr>
+              <a:t>7</a:t>
+            </a:r>
+            <a:endParaRPr lang="en-US" altLang="zh-CN">
+              <a:latin typeface="Calibri" panose="020F0502020204030204" charset="0"/>
+              <a:ea typeface="宋体" panose="02010600030101010101" pitchFamily="2" charset="-122"/>
+            </a:endParaRPr>
+          </a:p>
+          <a:p>
+            <a:r>
+              <a:rPr lang="zh-CN" altLang="en-US">
+                <a:latin typeface="Calibri" panose="020F0502020204030204" charset="0"/>
+                <a:ea typeface="宋体" panose="02010600030101010101" pitchFamily="2" charset="-122"/>
+              </a:rPr>
+              <a:t>实际完成情况：	 </a:t>
+            </a:r>
+            <a:endParaRPr lang="zh-CN" altLang="en-US">
+              <a:latin typeface="Calibri" panose="020F0502020204030204" charset="0"/>
+              <a:ea typeface="宋体" panose="02010600030101010101" pitchFamily="2" charset="-122"/>
+            </a:endParaRPr>
+          </a:p>
+          <a:p>
+            <a:r>
+              <a:rPr lang="en-US" altLang="zh-CN">
+                <a:latin typeface="Calibri" panose="020F0502020204030204" charset="0"/>
+                <a:ea typeface="宋体" panose="02010600030101010101" pitchFamily="2" charset="-122"/>
+              </a:rPr>
+              <a:t>所承担工作的完成速度9</a:t>
+            </a:r>
+            <a:endParaRPr lang="en-US" altLang="zh-CN">
+              <a:latin typeface="Calibri" panose="020F0502020204030204" charset="0"/>
+              <a:ea typeface="宋体" panose="02010600030101010101" pitchFamily="2" charset="-122"/>
+            </a:endParaRPr>
+          </a:p>
+          <a:p>
+            <a:r>
+              <a:rPr lang="en-US" altLang="zh-CN">
+                <a:latin typeface="Calibri" panose="020F0502020204030204" charset="0"/>
+                <a:ea typeface="宋体" panose="02010600030101010101" pitchFamily="2" charset="-122"/>
+              </a:rPr>
+              <a:t>所承担工作的完成质量8</a:t>
+            </a:r>
+            <a:endParaRPr lang="en-US" altLang="zh-CN">
+              <a:latin typeface="Calibri" panose="020F0502020204030204" charset="0"/>
+              <a:ea typeface="宋体" panose="02010600030101010101" pitchFamily="2" charset="-122"/>
+            </a:endParaRPr>
+          </a:p>
+          <a:p>
+            <a:r>
+              <a:rPr lang="en-US" altLang="zh-CN">
+                <a:latin typeface="Calibri" panose="020F0502020204030204" charset="0"/>
+                <a:ea typeface="宋体" panose="02010600030101010101" pitchFamily="2" charset="-122"/>
+              </a:rPr>
+              <a:t>工作沟通               10</a:t>
+            </a:r>
+            <a:endParaRPr lang="en-US" altLang="zh-CN">
+              <a:latin typeface="Calibri" panose="020F0502020204030204" charset="0"/>
+              <a:ea typeface="宋体" panose="02010600030101010101" pitchFamily="2" charset="-122"/>
+            </a:endParaRPr>
+          </a:p>
+          <a:p>
+            <a:r>
+              <a:rPr lang="en-US" altLang="zh-CN">
+                <a:latin typeface="Calibri" panose="020F0502020204030204" charset="0"/>
+                <a:ea typeface="宋体" panose="02010600030101010101" pitchFamily="2" charset="-122"/>
+              </a:rPr>
+              <a:t>文档提交的及时程</a:t>
+            </a:r>
+            <a:r>
+              <a:rPr lang="zh-CN" altLang="en-US">
+                <a:latin typeface="Calibri" panose="020F0502020204030204" charset="0"/>
+                <a:ea typeface="宋体" panose="02010600030101010101" pitchFamily="2" charset="-122"/>
+              </a:rPr>
+              <a:t>度</a:t>
+            </a:r>
+            <a:r>
+              <a:rPr lang="en-US" altLang="zh-CN">
+                <a:latin typeface="Calibri" panose="020F0502020204030204" charset="0"/>
+                <a:ea typeface="宋体" panose="02010600030101010101" pitchFamily="2" charset="-122"/>
+              </a:rPr>
+              <a:t> 8</a:t>
+            </a:r>
+            <a:endParaRPr lang="en-US" altLang="zh-CN">
+              <a:latin typeface="Calibri" panose="020F0502020204030204" charset="0"/>
+              <a:ea typeface="宋体" panose="02010600030101010101" pitchFamily="2" charset="-122"/>
+            </a:endParaRPr>
+          </a:p>
+          <a:p>
+            <a:r>
+              <a:rPr lang="en-US" altLang="zh-CN">
+                <a:latin typeface="Calibri" panose="020F0502020204030204" charset="0"/>
+                <a:ea typeface="宋体" panose="02010600030101010101" pitchFamily="2" charset="-122"/>
+              </a:rPr>
+              <a:t>文档的质量	         8</a:t>
+            </a:r>
+            <a:endParaRPr lang="en-US" altLang="zh-CN">
+              <a:latin typeface="Calibri" panose="020F0502020204030204" charset="0"/>
+              <a:ea typeface="宋体" panose="02010600030101010101" pitchFamily="2" charset="-122"/>
+            </a:endParaRPr>
+          </a:p>
+          <a:p>
+            <a:r>
+              <a:rPr lang="en-US" altLang="zh-CN">
+                <a:latin typeface="Calibri" panose="020F0502020204030204" charset="0"/>
+                <a:ea typeface="宋体" panose="02010600030101010101" pitchFamily="2" charset="-122"/>
+              </a:rPr>
+              <a:t>工作态度                 9	</a:t>
+            </a:r>
+            <a:endParaRPr lang="en-US" altLang="zh-CN">
+              <a:latin typeface="Calibri" panose="020F0502020204030204" charset="0"/>
+              <a:ea typeface="宋体" panose="02010600030101010101" pitchFamily="2" charset="-122"/>
+            </a:endParaRPr>
+          </a:p>
+        </p:txBody>
+      </p:sp>
+      <p:sp>
+        <p:nvSpPr>
+          <p:cNvPr id="31758" name="文本框 6"/>
+          <p:cNvSpPr txBox="1"/>
+          <p:nvPr/>
+        </p:nvSpPr>
+        <p:spPr>
+          <a:xfrm>
+            <a:off x="6751638" y="933450"/>
+            <a:ext cx="1096962" cy="368300"/>
+          </a:xfrm>
+          <a:prstGeom prst="rect">
+            <a:avLst/>
+          </a:prstGeom>
+          <a:noFill/>
+          <a:ln w="9525">
+            <a:noFill/>
+          </a:ln>
+        </p:spPr>
+        <p:txBody>
+          <a:bodyPr wrap="none" anchor="t">
+            <a:spAutoFit/>
+          </a:bodyPr>
+          <a:p>
+            <a:r>
+              <a:rPr lang="zh-CN" altLang="en-US">
+                <a:latin typeface="Calibri" panose="020F0502020204030204" charset="0"/>
+                <a:ea typeface="宋体" panose="02010600030101010101" pitchFamily="2" charset="-122"/>
+              </a:rPr>
+              <a:t>楼静靓：</a:t>
+            </a:r>
+            <a:endParaRPr lang="zh-CN" altLang="en-US">
+              <a:latin typeface="Calibri" panose="020F0502020204030204" charset="0"/>
+              <a:ea typeface="宋体" panose="02010600030101010101" pitchFamily="2" charset="-122"/>
+            </a:endParaRPr>
+          </a:p>
+        </p:txBody>
+      </p:sp>
+      <p:sp>
+        <p:nvSpPr>
+          <p:cNvPr id="31759" name="文本框 7"/>
+          <p:cNvSpPr txBox="1"/>
+          <p:nvPr/>
+        </p:nvSpPr>
+        <p:spPr>
+          <a:xfrm>
+            <a:off x="5722938" y="1531938"/>
+            <a:ext cx="2927350" cy="3138487"/>
+          </a:xfrm>
+          <a:prstGeom prst="rect">
+            <a:avLst/>
+          </a:prstGeom>
+          <a:noFill/>
+          <a:ln w="9525">
+            <a:noFill/>
+          </a:ln>
+        </p:spPr>
+        <p:txBody>
+          <a:bodyPr wrap="none" anchor="t">
+            <a:spAutoFit/>
+          </a:bodyPr>
+          <a:p>
+            <a:r>
+              <a:rPr lang="zh-CN" altLang="en-US">
+                <a:latin typeface="Calibri" panose="020F0502020204030204" charset="0"/>
+                <a:ea typeface="宋体" panose="02010600030101010101" pitchFamily="2" charset="-122"/>
+                <a:sym typeface="宋体" panose="02010600030101010101" pitchFamily="2" charset="-122"/>
+              </a:rPr>
+              <a:t>职责要求                   10</a:t>
+            </a:r>
+            <a:endParaRPr lang="zh-CN" altLang="en-US">
+              <a:latin typeface="Calibri" panose="020F0502020204030204" charset="0"/>
+              <a:ea typeface="宋体" panose="02010600030101010101" pitchFamily="2" charset="-122"/>
+            </a:endParaRPr>
+          </a:p>
+          <a:p>
+            <a:r>
+              <a:rPr lang="zh-CN" altLang="en-US">
+                <a:latin typeface="Calibri" panose="020F0502020204030204" charset="0"/>
+                <a:ea typeface="宋体" panose="02010600030101010101" pitchFamily="2" charset="-122"/>
+                <a:sym typeface="宋体" panose="02010600030101010101" pitchFamily="2" charset="-122"/>
+              </a:rPr>
+              <a:t>技术难度	 </a:t>
+            </a:r>
+            <a:r>
+              <a:rPr lang="en-US" altLang="zh-CN">
+                <a:latin typeface="Calibri" panose="020F0502020204030204" charset="0"/>
+                <a:ea typeface="宋体" panose="02010600030101010101" pitchFamily="2" charset="-122"/>
+                <a:sym typeface="宋体" panose="02010600030101010101" pitchFamily="2" charset="-122"/>
+              </a:rPr>
+              <a:t>9</a:t>
+            </a:r>
+            <a:r>
+              <a:rPr lang="zh-CN" altLang="en-US">
+                <a:latin typeface="Calibri" panose="020F0502020204030204" charset="0"/>
+                <a:ea typeface="宋体" panose="02010600030101010101" pitchFamily="2" charset="-122"/>
+                <a:sym typeface="宋体" panose="02010600030101010101" pitchFamily="2" charset="-122"/>
+              </a:rPr>
+              <a:t>   </a:t>
+            </a:r>
+            <a:endParaRPr lang="zh-CN" altLang="en-US">
+              <a:latin typeface="Calibri" panose="020F0502020204030204" charset="0"/>
+              <a:ea typeface="宋体" panose="02010600030101010101" pitchFamily="2" charset="-122"/>
+            </a:endParaRPr>
+          </a:p>
+          <a:p>
+            <a:r>
+              <a:rPr lang="zh-CN" altLang="en-US">
+                <a:latin typeface="Calibri" panose="020F0502020204030204" charset="0"/>
+                <a:ea typeface="宋体" panose="02010600030101010101" pitchFamily="2" charset="-122"/>
+                <a:sym typeface="宋体" panose="02010600030101010101" pitchFamily="2" charset="-122"/>
+              </a:rPr>
+              <a:t>工作的重要性	 </a:t>
+            </a:r>
+            <a:r>
+              <a:rPr lang="en-US" altLang="zh-CN">
+                <a:latin typeface="Calibri" panose="020F0502020204030204" charset="0"/>
+                <a:ea typeface="宋体" panose="02010600030101010101" pitchFamily="2" charset="-122"/>
+                <a:sym typeface="宋体" panose="02010600030101010101" pitchFamily="2" charset="-122"/>
+              </a:rPr>
+              <a:t>9</a:t>
+            </a:r>
+            <a:endParaRPr lang="en-US" altLang="zh-CN">
+              <a:latin typeface="Calibri" panose="020F0502020204030204" charset="0"/>
+              <a:ea typeface="宋体" panose="02010600030101010101" pitchFamily="2" charset="-122"/>
+              <a:sym typeface="宋体" panose="02010600030101010101" pitchFamily="2" charset="-122"/>
+            </a:endParaRPr>
+          </a:p>
+          <a:p>
+            <a:r>
+              <a:rPr lang="zh-CN" altLang="en-US">
+                <a:latin typeface="Calibri" panose="020F0502020204030204" charset="0"/>
+                <a:ea typeface="宋体" panose="02010600030101010101" pitchFamily="2" charset="-122"/>
+                <a:sym typeface="宋体" panose="02010600030101010101" pitchFamily="2" charset="-122"/>
+              </a:rPr>
+              <a:t>工作强度</a:t>
+            </a:r>
+            <a:r>
+              <a:rPr lang="en-US" altLang="zh-CN">
+                <a:latin typeface="Calibri" panose="020F0502020204030204" charset="0"/>
+                <a:ea typeface="宋体" panose="02010600030101010101" pitchFamily="2" charset="-122"/>
+                <a:sym typeface="宋体" panose="02010600030101010101" pitchFamily="2" charset="-122"/>
+              </a:rPr>
+              <a:t>	</a:t>
+            </a:r>
+            <a:r>
+              <a:rPr lang="zh-CN" altLang="en-US">
+                <a:latin typeface="Calibri" panose="020F0502020204030204" charset="0"/>
+                <a:ea typeface="宋体" panose="02010600030101010101" pitchFamily="2" charset="-122"/>
+                <a:sym typeface="宋体" panose="02010600030101010101" pitchFamily="2" charset="-122"/>
+              </a:rPr>
+              <a:t> </a:t>
+            </a:r>
+            <a:r>
+              <a:rPr lang="en-US" altLang="zh-CN">
+                <a:latin typeface="Calibri" panose="020F0502020204030204" charset="0"/>
+                <a:ea typeface="宋体" panose="02010600030101010101" pitchFamily="2" charset="-122"/>
+                <a:sym typeface="宋体" panose="02010600030101010101" pitchFamily="2" charset="-122"/>
+              </a:rPr>
+              <a:t>8</a:t>
+            </a:r>
+            <a:endParaRPr lang="en-US" altLang="zh-CN">
+              <a:latin typeface="Calibri" panose="020F0502020204030204" charset="0"/>
+              <a:ea typeface="宋体" panose="02010600030101010101" pitchFamily="2" charset="-122"/>
+              <a:sym typeface="宋体" panose="02010600030101010101" pitchFamily="2" charset="-122"/>
+            </a:endParaRPr>
+          </a:p>
+          <a:p>
+            <a:r>
+              <a:rPr lang="zh-CN" altLang="en-US">
+                <a:latin typeface="Calibri" panose="020F0502020204030204" charset="0"/>
+                <a:ea typeface="宋体" panose="02010600030101010101" pitchFamily="2" charset="-122"/>
+                <a:sym typeface="宋体" panose="02010600030101010101" pitchFamily="2" charset="-122"/>
+              </a:rPr>
+              <a:t>实际完成情况：	 </a:t>
+            </a:r>
+            <a:endParaRPr lang="zh-CN" altLang="en-US">
+              <a:latin typeface="Calibri" panose="020F0502020204030204" charset="0"/>
+              <a:ea typeface="宋体" panose="02010600030101010101" pitchFamily="2" charset="-122"/>
+            </a:endParaRPr>
+          </a:p>
+          <a:p>
+            <a:r>
+              <a:rPr lang="en-US" altLang="zh-CN">
+                <a:latin typeface="Calibri" panose="020F0502020204030204" charset="0"/>
+                <a:ea typeface="宋体" panose="02010600030101010101" pitchFamily="2" charset="-122"/>
+                <a:sym typeface="宋体" panose="02010600030101010101" pitchFamily="2" charset="-122"/>
+              </a:rPr>
+              <a:t>所承担工作的完成速度9</a:t>
+            </a:r>
+            <a:endParaRPr lang="en-US" altLang="zh-CN">
+              <a:latin typeface="Calibri" panose="020F0502020204030204" charset="0"/>
+              <a:ea typeface="宋体" panose="02010600030101010101" pitchFamily="2" charset="-122"/>
+            </a:endParaRPr>
+          </a:p>
+          <a:p>
+            <a:r>
+              <a:rPr lang="en-US" altLang="zh-CN">
+                <a:latin typeface="Calibri" panose="020F0502020204030204" charset="0"/>
+                <a:ea typeface="宋体" panose="02010600030101010101" pitchFamily="2" charset="-122"/>
+                <a:sym typeface="宋体" panose="02010600030101010101" pitchFamily="2" charset="-122"/>
+              </a:rPr>
+              <a:t>所承担工作的完成质量8</a:t>
+            </a:r>
+            <a:endParaRPr lang="en-US" altLang="zh-CN">
+              <a:latin typeface="Calibri" panose="020F0502020204030204" charset="0"/>
+              <a:ea typeface="宋体" panose="02010600030101010101" pitchFamily="2" charset="-122"/>
+            </a:endParaRPr>
+          </a:p>
+          <a:p>
+            <a:r>
+              <a:rPr lang="en-US" altLang="zh-CN">
+                <a:latin typeface="Calibri" panose="020F0502020204030204" charset="0"/>
+                <a:ea typeface="宋体" panose="02010600030101010101" pitchFamily="2" charset="-122"/>
+                <a:sym typeface="宋体" panose="02010600030101010101" pitchFamily="2" charset="-122"/>
+              </a:rPr>
+              <a:t>工作沟通               9</a:t>
+            </a:r>
+            <a:endParaRPr lang="en-US" altLang="zh-CN">
+              <a:latin typeface="Calibri" panose="020F0502020204030204" charset="0"/>
+              <a:ea typeface="宋体" panose="02010600030101010101" pitchFamily="2" charset="-122"/>
+            </a:endParaRPr>
+          </a:p>
+          <a:p>
+            <a:r>
+              <a:rPr lang="en-US" altLang="zh-CN">
+                <a:latin typeface="Calibri" panose="020F0502020204030204" charset="0"/>
+                <a:ea typeface="宋体" panose="02010600030101010101" pitchFamily="2" charset="-122"/>
+                <a:sym typeface="宋体" panose="02010600030101010101" pitchFamily="2" charset="-122"/>
+              </a:rPr>
+              <a:t>文档提交的及时程</a:t>
+            </a:r>
+            <a:r>
+              <a:rPr lang="zh-CN" altLang="en-US">
+                <a:latin typeface="Calibri" panose="020F0502020204030204" charset="0"/>
+                <a:ea typeface="宋体" panose="02010600030101010101" pitchFamily="2" charset="-122"/>
+                <a:sym typeface="宋体" panose="02010600030101010101" pitchFamily="2" charset="-122"/>
+              </a:rPr>
+              <a:t>度</a:t>
+            </a:r>
+            <a:r>
+              <a:rPr lang="en-US" altLang="zh-CN">
+                <a:latin typeface="Calibri" panose="020F0502020204030204" charset="0"/>
+                <a:ea typeface="宋体" panose="02010600030101010101" pitchFamily="2" charset="-122"/>
+                <a:sym typeface="宋体" panose="02010600030101010101" pitchFamily="2" charset="-122"/>
+              </a:rPr>
+              <a:t> 8</a:t>
+            </a:r>
+            <a:endParaRPr lang="en-US" altLang="zh-CN">
+              <a:latin typeface="Calibri" panose="020F0502020204030204" charset="0"/>
+              <a:ea typeface="宋体" panose="02010600030101010101" pitchFamily="2" charset="-122"/>
+            </a:endParaRPr>
+          </a:p>
+          <a:p>
+            <a:r>
+              <a:rPr lang="en-US" altLang="zh-CN">
+                <a:latin typeface="Calibri" panose="020F0502020204030204" charset="0"/>
+                <a:ea typeface="宋体" panose="02010600030101010101" pitchFamily="2" charset="-122"/>
+                <a:sym typeface="宋体" panose="02010600030101010101" pitchFamily="2" charset="-122"/>
+              </a:rPr>
+              <a:t>文档的质量	         8</a:t>
+            </a:r>
+            <a:endParaRPr lang="en-US" altLang="zh-CN">
+              <a:latin typeface="Calibri" panose="020F0502020204030204" charset="0"/>
+              <a:ea typeface="宋体" panose="02010600030101010101" pitchFamily="2" charset="-122"/>
+            </a:endParaRPr>
+          </a:p>
+          <a:p>
+            <a:r>
+              <a:rPr lang="en-US" altLang="zh-CN">
+                <a:latin typeface="Calibri" panose="020F0502020204030204" charset="0"/>
+                <a:ea typeface="宋体" panose="02010600030101010101" pitchFamily="2" charset="-122"/>
+                <a:sym typeface="宋体" panose="02010600030101010101" pitchFamily="2" charset="-122"/>
+              </a:rPr>
+              <a:t>工作态度                 9	</a:t>
+            </a:r>
+            <a:endParaRPr lang="zh-CN" altLang="en-US">
+              <a:latin typeface="Calibri" panose="020F0502020204030204" charset="0"/>
+              <a:ea typeface="宋体" panose="02010600030101010101" pitchFamily="2" charset="-122"/>
+            </a:endParaRPr>
+          </a:p>
+        </p:txBody>
+      </p:sp>
+    </p:spTree>
+  </p:cSld>
+  <p:clrMapOvr>
+    <a:masterClrMapping/>
+  </p:clrMapOvr>
+</p:sld>
+</file>
+
+<file path=ppt/slides/slide19.xml><?xml version="1.0" encoding="utf-8"?>
+<p:sld xmlns:a="http://schemas.openxmlformats.org/drawingml/2006/main" xmlns:r="http://schemas.openxmlformats.org/officeDocument/2006/relationships" xmlns:p="http://schemas.openxmlformats.org/presentationml/2006/main">
+  <p:cSld>
+    <p:spTree>
+      <p:nvGrpSpPr>
+        <p:cNvPr id="1" name=""/>
+        <p:cNvGrpSpPr/>
+        <p:nvPr/>
+      </p:nvGrpSpPr>
+      <p:grpSpPr/>
+      <p:sp>
+        <p:nvSpPr>
+          <p:cNvPr id="32769" name="文本框 19"/>
+          <p:cNvSpPr txBox="1"/>
+          <p:nvPr/>
+        </p:nvSpPr>
+        <p:spPr>
+          <a:xfrm>
+            <a:off x="5257800" y="5559425"/>
+            <a:ext cx="1671638" cy="336550"/>
+          </a:xfrm>
+          <a:prstGeom prst="rect">
+            <a:avLst/>
+          </a:prstGeom>
+          <a:noFill/>
+          <a:ln w="9525">
+            <a:noFill/>
+          </a:ln>
+        </p:spPr>
+        <p:txBody>
+          <a:bodyPr wrap="none" anchor="t">
+            <a:spAutoFit/>
+          </a:bodyPr>
+          <a:p>
+            <a:pPr algn="ctr"/>
+            <a:r>
+              <a:rPr lang="zh-CN" altLang="en-US" sz="1600" dirty="0">
+                <a:solidFill>
+                  <a:schemeClr val="bg1"/>
+                </a:solidFill>
+                <a:latin typeface="微软雅黑" panose="020B0503020204020204" pitchFamily="34" charset="-122"/>
+                <a:ea typeface="微软雅黑" panose="020B0503020204020204" pitchFamily="34" charset="-122"/>
+              </a:rPr>
+              <a:t>报告人：</a:t>
+            </a:r>
+            <a:r>
+              <a:rPr lang="en-US" altLang="zh-CN" sz="1600" dirty="0">
+                <a:solidFill>
+                  <a:schemeClr val="bg1"/>
+                </a:solidFill>
+                <a:latin typeface="微软雅黑" panose="020B0503020204020204" pitchFamily="34" charset="-122"/>
+                <a:ea typeface="微软雅黑" panose="020B0503020204020204" pitchFamily="34" charset="-122"/>
+              </a:rPr>
+              <a:t>G2</a:t>
+            </a:r>
+            <a:r>
+              <a:rPr lang="zh-CN" altLang="en-US" sz="1600" dirty="0">
+                <a:solidFill>
+                  <a:schemeClr val="bg1"/>
+                </a:solidFill>
+                <a:latin typeface="微软雅黑" panose="020B0503020204020204" pitchFamily="34" charset="-122"/>
+                <a:ea typeface="微软雅黑" panose="020B0503020204020204" pitchFamily="34" charset="-122"/>
+              </a:rPr>
+              <a:t>小组</a:t>
+            </a:r>
+            <a:endParaRPr lang="zh-CN" altLang="en-US" sz="1600" dirty="0">
+              <a:solidFill>
+                <a:schemeClr val="bg1"/>
+              </a:solidFill>
+              <a:latin typeface="微软雅黑" panose="020B0503020204020204" pitchFamily="34" charset="-122"/>
+              <a:ea typeface="微软雅黑" panose="020B0503020204020204" pitchFamily="34" charset="-122"/>
+            </a:endParaRPr>
+          </a:p>
+        </p:txBody>
+      </p:sp>
+      <p:sp>
+        <p:nvSpPr>
+          <p:cNvPr id="32770" name="文本框 20"/>
+          <p:cNvSpPr txBox="1"/>
+          <p:nvPr/>
+        </p:nvSpPr>
+        <p:spPr>
+          <a:xfrm>
+            <a:off x="5087938" y="5894388"/>
+            <a:ext cx="2011362" cy="336550"/>
+          </a:xfrm>
+          <a:prstGeom prst="rect">
+            <a:avLst/>
+          </a:prstGeom>
+          <a:noFill/>
+          <a:ln w="9525">
+            <a:noFill/>
+          </a:ln>
+        </p:spPr>
+        <p:txBody>
+          <a:bodyPr wrap="none" anchor="t">
+            <a:spAutoFit/>
+          </a:bodyPr>
+          <a:p>
+            <a:pPr algn="ctr"/>
+            <a:r>
+              <a:rPr lang="zh-CN" altLang="en-US" sz="1600" dirty="0">
+                <a:solidFill>
+                  <a:schemeClr val="bg1"/>
+                </a:solidFill>
+                <a:latin typeface="微软雅黑" panose="020B0503020204020204" pitchFamily="34" charset="-122"/>
+                <a:ea typeface="微软雅黑" panose="020B0503020204020204" pitchFamily="34" charset="-122"/>
+              </a:rPr>
+              <a:t>指导老师：杨枨老师</a:t>
+            </a:r>
+            <a:endParaRPr lang="zh-CN" altLang="en-US" sz="1600" dirty="0">
+              <a:solidFill>
+                <a:schemeClr val="bg1"/>
+              </a:solidFill>
+              <a:latin typeface="微软雅黑" panose="020B0503020204020204" pitchFamily="34" charset="-122"/>
+              <a:ea typeface="微软雅黑" panose="020B0503020204020204" pitchFamily="34" charset="-122"/>
+            </a:endParaRPr>
+          </a:p>
+        </p:txBody>
+      </p:sp>
+      <p:grpSp>
+        <p:nvGrpSpPr>
+          <p:cNvPr id="32771" name="组合 7"/>
+          <p:cNvGrpSpPr/>
+          <p:nvPr/>
+        </p:nvGrpSpPr>
+        <p:grpSpPr>
+          <a:xfrm>
+            <a:off x="3825875" y="2709863"/>
+            <a:ext cx="4535488" cy="1381125"/>
+            <a:chOff x="3825885" y="2756938"/>
+            <a:chExt cx="4536000" cy="1380931"/>
+          </a:xfrm>
+        </p:grpSpPr>
+        <p:sp>
+          <p:nvSpPr>
+            <p:cNvPr id="32772" name="文本框 11"/>
+            <p:cNvSpPr txBox="1"/>
+            <p:nvPr/>
+          </p:nvSpPr>
+          <p:spPr>
+            <a:xfrm>
+              <a:off x="3944609" y="2904723"/>
+              <a:ext cx="4302780" cy="769441"/>
+            </a:xfrm>
+            <a:prstGeom prst="rect">
+              <a:avLst/>
+            </a:prstGeom>
+            <a:noFill/>
+            <a:ln w="9525">
+              <a:noFill/>
+            </a:ln>
+          </p:spPr>
+          <p:txBody>
+            <a:bodyPr wrap="none" anchor="t">
+              <a:spAutoFit/>
+            </a:bodyPr>
+            <a:p>
+              <a:pPr algn="ctr"/>
+              <a:r>
+                <a:rPr lang="zh-CN" altLang="en-US" sz="4400" b="1" dirty="0">
+                  <a:solidFill>
+                    <a:schemeClr val="bg1"/>
+                  </a:solidFill>
+                  <a:latin typeface="微软雅黑" panose="020B0503020204020204" pitchFamily="34" charset="-122"/>
+                  <a:ea typeface="微软雅黑" panose="020B0503020204020204" pitchFamily="34" charset="-122"/>
+                </a:rPr>
+                <a:t>介绍完毕 请指正</a:t>
+              </a:r>
+              <a:endParaRPr lang="zh-CN" altLang="en-US" sz="4400" b="1" dirty="0">
+                <a:solidFill>
+                  <a:schemeClr val="bg1"/>
+                </a:solidFill>
+                <a:latin typeface="微软雅黑" panose="020B0503020204020204" pitchFamily="34" charset="-122"/>
+                <a:ea typeface="微软雅黑" panose="020B0503020204020204" pitchFamily="34" charset="-122"/>
+              </a:endParaRPr>
+            </a:p>
+          </p:txBody>
+        </p:sp>
+        <p:sp>
+          <p:nvSpPr>
+            <p:cNvPr id="32773" name="文本框 12"/>
+            <p:cNvSpPr txBox="1"/>
+            <p:nvPr/>
+          </p:nvSpPr>
+          <p:spPr>
+            <a:xfrm>
+              <a:off x="4343371" y="3668506"/>
+              <a:ext cx="3505255" cy="276999"/>
+            </a:xfrm>
+            <a:prstGeom prst="rect">
+              <a:avLst/>
+            </a:prstGeom>
+            <a:noFill/>
+            <a:ln w="9525">
+              <a:noFill/>
+            </a:ln>
+          </p:spPr>
+          <p:txBody>
+            <a:bodyPr wrap="none" anchor="t">
+              <a:spAutoFit/>
+            </a:bodyPr>
+            <a:p>
+              <a:pPr algn="ctr"/>
+              <a:r>
+                <a:rPr lang="en-US" altLang="zh-CN" sz="1200" dirty="0">
+                  <a:solidFill>
+                    <a:schemeClr val="bg1"/>
+                  </a:solidFill>
+                  <a:latin typeface="微软雅黑" panose="020B0503020204020204" pitchFamily="34" charset="-122"/>
+                  <a:ea typeface="微软雅黑" panose="020B0503020204020204" pitchFamily="34" charset="-122"/>
+                </a:rPr>
+                <a:t>Introduction is completed, please correct me.</a:t>
+              </a:r>
+              <a:endParaRPr lang="zh-CN" altLang="en-US" sz="1200" dirty="0">
+                <a:solidFill>
+                  <a:schemeClr val="bg1"/>
+                </a:solidFill>
+                <a:latin typeface="微软雅黑" panose="020B0503020204020204" pitchFamily="34" charset="-122"/>
+                <a:ea typeface="微软雅黑" panose="020B0503020204020204" pitchFamily="34" charset="-122"/>
+              </a:endParaRPr>
+            </a:p>
+          </p:txBody>
+        </p:sp>
+        <p:cxnSp>
+          <p:nvCxnSpPr>
+            <p:cNvPr id="24" name="直接连接符 23"/>
+            <p:cNvCxnSpPr/>
+            <p:nvPr/>
+          </p:nvCxnSpPr>
+          <p:spPr>
+            <a:xfrm>
+              <a:off x="3825885" y="2756938"/>
+              <a:ext cx="4536000" cy="0"/>
+            </a:xfrm>
+            <a:prstGeom prst="line">
+              <a:avLst/>
+            </a:prstGeom>
+            <a:ln>
+              <a:solidFill>
+                <a:schemeClr val="bg1"/>
+              </a:solidFill>
+            </a:ln>
+          </p:spPr>
+          <p:style>
+            <a:lnRef idx="1">
+              <a:schemeClr val="accent1"/>
+            </a:lnRef>
+            <a:fillRef idx="0">
+              <a:schemeClr val="accent1"/>
+            </a:fillRef>
+            <a:effectRef idx="0">
+              <a:schemeClr val="accent1"/>
+            </a:effectRef>
+            <a:fontRef idx="minor">
+              <a:schemeClr val="tx1"/>
+            </a:fontRef>
+          </p:style>
+        </p:cxnSp>
+        <p:cxnSp>
+          <p:nvCxnSpPr>
+            <p:cNvPr id="25" name="直接连接符 24"/>
+            <p:cNvCxnSpPr/>
+            <p:nvPr/>
+          </p:nvCxnSpPr>
+          <p:spPr>
+            <a:xfrm>
+              <a:off x="3825885" y="4137869"/>
+              <a:ext cx="4536000" cy="0"/>
+            </a:xfrm>
+            <a:prstGeom prst="line">
+              <a:avLst/>
+            </a:prstGeom>
+            <a:ln>
+              <a:solidFill>
+                <a:schemeClr val="bg1"/>
+              </a:solidFill>
+            </a:ln>
+          </p:spPr>
+          <p:style>
+            <a:lnRef idx="1">
+              <a:schemeClr val="accent1"/>
+            </a:lnRef>
+            <a:fillRef idx="0">
+              <a:schemeClr val="accent1"/>
+            </a:fillRef>
+            <a:effectRef idx="0">
+              <a:schemeClr val="accent1"/>
+            </a:effectRef>
+            <a:fontRef idx="minor">
+              <a:schemeClr val="tx1"/>
+            </a:fontRef>
+          </p:style>
+        </p:cxnSp>
+      </p:grpSp>
+      <p:pic>
+        <p:nvPicPr>
+          <p:cNvPr id="32776" name="图片 13"/>
+          <p:cNvPicPr>
+            <a:picLocks noChangeAspect="1"/>
+          </p:cNvPicPr>
+          <p:nvPr/>
+        </p:nvPicPr>
+        <p:blipFill>
+          <a:blip r:embed="rId1"/>
+          <a:stretch>
+            <a:fillRect/>
+          </a:stretch>
+        </p:blipFill>
+        <p:spPr>
+          <a:xfrm>
+            <a:off x="5524500" y="1157288"/>
+            <a:ext cx="1138238" cy="1138237"/>
+          </a:xfrm>
+          <a:prstGeom prst="rect">
+            <a:avLst/>
+          </a:prstGeom>
+          <a:noFill/>
+          <a:ln w="9525">
+            <a:noFill/>
+          </a:ln>
+        </p:spPr>
+      </p:pic>
+      <p:sp>
+        <p:nvSpPr>
+          <p:cNvPr id="32777" name="矩形 2"/>
+          <p:cNvSpPr/>
+          <p:nvPr/>
+        </p:nvSpPr>
+        <p:spPr>
+          <a:xfrm>
+            <a:off x="4962525" y="2060575"/>
+            <a:ext cx="2262188" cy="369888"/>
+          </a:xfrm>
+          <a:prstGeom prst="rect">
+            <a:avLst/>
+          </a:prstGeom>
+          <a:solidFill>
+            <a:schemeClr val="accent2"/>
+          </a:solidFill>
+          <a:ln w="9525">
+            <a:noFill/>
+          </a:ln>
+        </p:spPr>
+        <p:txBody>
+          <a:bodyPr wrap="none" anchor="t">
+            <a:spAutoFit/>
+          </a:bodyPr>
+          <a:p>
+            <a:pPr algn="ctr"/>
+            <a:r>
+              <a:rPr lang="zh-CN" altLang="en-US" b="1" dirty="0">
+                <a:solidFill>
+                  <a:schemeClr val="bg1"/>
+                </a:solidFill>
+                <a:latin typeface="微软雅黑" panose="020B0503020204020204" pitchFamily="34" charset="-122"/>
+                <a:ea typeface="微软雅黑" panose="020B0503020204020204" pitchFamily="34" charset="-122"/>
+              </a:rPr>
+              <a:t>感谢老师们精心培养</a:t>
+            </a:r>
+            <a:endParaRPr lang="zh-CN" altLang="en-US" b="1" dirty="0">
+              <a:solidFill>
+                <a:schemeClr val="bg1"/>
+              </a:solidFill>
+              <a:latin typeface="微软雅黑" panose="020B0503020204020204" pitchFamily="34" charset="-122"/>
+              <a:ea typeface="微软雅黑" panose="020B0503020204020204" pitchFamily="34" charset="-122"/>
+            </a:endParaRPr>
+          </a:p>
+        </p:txBody>
+      </p:sp>
+      <p:pic>
+        <p:nvPicPr>
+          <p:cNvPr id="32778" name="图片 1" descr="小组logo"/>
+          <p:cNvPicPr>
+            <a:picLocks noChangeAspect="1"/>
+          </p:cNvPicPr>
+          <p:nvPr/>
+        </p:nvPicPr>
+        <p:blipFill>
+          <a:blip r:embed="rId2"/>
+          <a:stretch>
+            <a:fillRect/>
+          </a:stretch>
+        </p:blipFill>
+        <p:spPr>
+          <a:xfrm>
+            <a:off x="10318750" y="-190500"/>
+            <a:ext cx="2105025" cy="2105025"/>
+          </a:xfrm>
+          <a:prstGeom prst="rect">
+            <a:avLst/>
+          </a:prstGeom>
+          <a:noFill/>
+          <a:ln w="9525">
+            <a:noFill/>
+          </a:ln>
+        </p:spPr>
+      </p:pic>
+    </p:spTree>
+  </p:cSld>
+  <p:clrMapOvr>
+    <a:masterClrMapping/>
+  </p:clrMapOvr>
 </p:sld>
 </file>
 
@@ -7097,7 +9741,7 @@
           <p:nvPr/>
         </p:nvPicPr>
         <p:blipFill>
-          <a:blip r:embed="rId2"/>
+          <a:blip r:embed="rId1"/>
           <a:stretch>
             <a:fillRect/>
           </a:stretch>
@@ -7643,7 +10287,7 @@
           <p:nvPr/>
         </p:nvPicPr>
         <p:blipFill>
-          <a:blip r:embed="rId2"/>
+          <a:blip r:embed="rId1"/>
           <a:stretch>
             <a:fillRect/>
           </a:stretch>
@@ -7664,13 +10308,7 @@
           <p:cNvGraphicFramePr>
             <a:graphicFrameLocks noGrp="1"/>
           </p:cNvGraphicFramePr>
-          <p:nvPr>
-            <p:extLst>
-              <p:ext uri="{D42A27DB-BD31-4B8C-83A1-F6EECF244321}">
-                <p14:modId xmlns:p14="http://schemas.microsoft.com/office/powerpoint/2010/main" val="3474417428"/>
-              </p:ext>
-            </p:extLst>
-          </p:nvPr>
+          <p:nvPr/>
         </p:nvGraphicFramePr>
         <p:xfrm>
           <a:off x="443678" y="1913890"/>
@@ -7683,27 +10321,9 @@
                 <a:tableStyleId>{5C22544A-7EE6-4342-B048-85BDC9FD1C3A}</a:tableStyleId>
               </a:tblPr>
               <a:tblGrid>
-                <a:gridCol w="1801429">
-                  <a:extLst>
-                    <a:ext uri="{9D8B030D-6E8A-4147-A177-3AD203B41FA5}">
-                      <a16:colId xmlns:a16="http://schemas.microsoft.com/office/drawing/2014/main" val="2790636199"/>
-                    </a:ext>
-                  </a:extLst>
-                </a:gridCol>
-                <a:gridCol w="1802063">
-                  <a:extLst>
-                    <a:ext uri="{9D8B030D-6E8A-4147-A177-3AD203B41FA5}">
-                      <a16:colId xmlns:a16="http://schemas.microsoft.com/office/drawing/2014/main" val="452740535"/>
-                    </a:ext>
-                  </a:extLst>
-                </a:gridCol>
-                <a:gridCol w="1802063">
-                  <a:extLst>
-                    <a:ext uri="{9D8B030D-6E8A-4147-A177-3AD203B41FA5}">
-                      <a16:colId xmlns:a16="http://schemas.microsoft.com/office/drawing/2014/main" val="102523608"/>
-                    </a:ext>
-                  </a:extLst>
-                </a:gridCol>
+                <a:gridCol w="1801429"/>
+                <a:gridCol w="1802063"/>
+                <a:gridCol w="1802063"/>
               </a:tblGrid>
               <a:tr h="539794">
                 <a:tc>
@@ -7781,11 +10401,6 @@
                   </a:txBody>
                   <a:tcPr marL="68505" marR="68505" marT="0" marB="0"/>
                 </a:tc>
-                <a:extLst>
-                  <a:ext uri="{0D108BD9-81ED-4DB2-BD59-A6C34878D82A}">
-                    <a16:rowId xmlns:a16="http://schemas.microsoft.com/office/drawing/2014/main" val="4139980453"/>
-                  </a:ext>
-                </a:extLst>
               </a:tr>
               <a:tr h="539794">
                 <a:tc>
@@ -7863,11 +10478,6 @@
                   </a:txBody>
                   <a:tcPr marL="68505" marR="68505" marT="0" marB="0"/>
                 </a:tc>
-                <a:extLst>
-                  <a:ext uri="{0D108BD9-81ED-4DB2-BD59-A6C34878D82A}">
-                    <a16:rowId xmlns:a16="http://schemas.microsoft.com/office/drawing/2014/main" val="2355089123"/>
-                  </a:ext>
-                </a:extLst>
               </a:tr>
               <a:tr h="539794">
                 <a:tc>
@@ -7945,11 +10555,6 @@
                   </a:txBody>
                   <a:tcPr marL="68505" marR="68505" marT="0" marB="0"/>
                 </a:tc>
-                <a:extLst>
-                  <a:ext uri="{0D108BD9-81ED-4DB2-BD59-A6C34878D82A}">
-                    <a16:rowId xmlns:a16="http://schemas.microsoft.com/office/drawing/2014/main" val="1484916923"/>
-                  </a:ext>
-                </a:extLst>
               </a:tr>
               <a:tr h="730720">
                 <a:tc>
@@ -8039,11 +10644,6 @@
                   </a:txBody>
                   <a:tcPr marL="68505" marR="68505" marT="0" marB="0"/>
                 </a:tc>
-                <a:extLst>
-                  <a:ext uri="{0D108BD9-81ED-4DB2-BD59-A6C34878D82A}">
-                    <a16:rowId xmlns:a16="http://schemas.microsoft.com/office/drawing/2014/main" val="3645181449"/>
-                  </a:ext>
-                </a:extLst>
               </a:tr>
               <a:tr h="539794">
                 <a:tc>
@@ -8133,11 +10733,6 @@
                   </a:txBody>
                   <a:tcPr marL="68505" marR="68505" marT="0" marB="0"/>
                 </a:tc>
-                <a:extLst>
-                  <a:ext uri="{0D108BD9-81ED-4DB2-BD59-A6C34878D82A}">
-                    <a16:rowId xmlns:a16="http://schemas.microsoft.com/office/drawing/2014/main" val="2357991328"/>
-                  </a:ext>
-                </a:extLst>
               </a:tr>
               <a:tr h="548040">
                 <a:tc>
@@ -8215,11 +10810,6 @@
                   </a:txBody>
                   <a:tcPr marL="68505" marR="68505" marT="0" marB="0"/>
                 </a:tc>
-                <a:extLst>
-                  <a:ext uri="{0D108BD9-81ED-4DB2-BD59-A6C34878D82A}">
-                    <a16:rowId xmlns:a16="http://schemas.microsoft.com/office/drawing/2014/main" val="4252910934"/>
-                  </a:ext>
-                </a:extLst>
               </a:tr>
               <a:tr h="913400">
                 <a:tc>
@@ -8313,11 +10903,6 @@
                   </a:txBody>
                   <a:tcPr marL="68505" marR="68505" marT="0" marB="0"/>
                 </a:tc>
-                <a:extLst>
-                  <a:ext uri="{0D108BD9-81ED-4DB2-BD59-A6C34878D82A}">
-                    <a16:rowId xmlns:a16="http://schemas.microsoft.com/office/drawing/2014/main" val="125622412"/>
-                  </a:ext>
-                </a:extLst>
               </a:tr>
             </a:tbl>
           </a:graphicData>
@@ -8329,13 +10914,7 @@
           <p:cNvGraphicFramePr>
             <a:graphicFrameLocks noGrp="1"/>
           </p:cNvGraphicFramePr>
-          <p:nvPr>
-            <p:extLst>
-              <p:ext uri="{D42A27DB-BD31-4B8C-83A1-F6EECF244321}">
-                <p14:modId xmlns:p14="http://schemas.microsoft.com/office/powerpoint/2010/main" val="466505829"/>
-              </p:ext>
-            </p:extLst>
-          </p:nvPr>
+          <p:nvPr/>
         </p:nvGraphicFramePr>
         <p:xfrm>
           <a:off x="6268377" y="2439084"/>
@@ -8348,27 +10927,9 @@
                 <a:tableStyleId>{5C22544A-7EE6-4342-B048-85BDC9FD1C3A}</a:tableStyleId>
               </a:tblPr>
               <a:tblGrid>
-                <a:gridCol w="1803400">
-                  <a:extLst>
-                    <a:ext uri="{9D8B030D-6E8A-4147-A177-3AD203B41FA5}">
-                      <a16:colId xmlns:a16="http://schemas.microsoft.com/office/drawing/2014/main" val="3731382687"/>
-                    </a:ext>
-                  </a:extLst>
-                </a:gridCol>
-                <a:gridCol w="1804035">
-                  <a:extLst>
-                    <a:ext uri="{9D8B030D-6E8A-4147-A177-3AD203B41FA5}">
-                      <a16:colId xmlns:a16="http://schemas.microsoft.com/office/drawing/2014/main" val="2980156672"/>
-                    </a:ext>
-                  </a:extLst>
-                </a:gridCol>
-                <a:gridCol w="1804035">
-                  <a:extLst>
-                    <a:ext uri="{9D8B030D-6E8A-4147-A177-3AD203B41FA5}">
-                      <a16:colId xmlns:a16="http://schemas.microsoft.com/office/drawing/2014/main" val="1704535033"/>
-                    </a:ext>
-                  </a:extLst>
-                </a:gridCol>
+                <a:gridCol w="1803400"/>
+                <a:gridCol w="1804035"/>
+                <a:gridCol w="1804035"/>
               </a:tblGrid>
               <a:tr h="636470">
                 <a:tc>
@@ -8446,11 +11007,6 @@
                   </a:txBody>
                   <a:tcPr marL="68580" marR="68580" marT="0" marB="0"/>
                 </a:tc>
-                <a:extLst>
-                  <a:ext uri="{0D108BD9-81ED-4DB2-BD59-A6C34878D82A}">
-                    <a16:rowId xmlns:a16="http://schemas.microsoft.com/office/drawing/2014/main" val="2648906041"/>
-                  </a:ext>
-                </a:extLst>
               </a:tr>
               <a:tr h="636470">
                 <a:tc>
@@ -8528,11 +11084,6 @@
                   </a:txBody>
                   <a:tcPr marL="68580" marR="68580" marT="0" marB="0"/>
                 </a:tc>
-                <a:extLst>
-                  <a:ext uri="{0D108BD9-81ED-4DB2-BD59-A6C34878D82A}">
-                    <a16:rowId xmlns:a16="http://schemas.microsoft.com/office/drawing/2014/main" val="1163441246"/>
-                  </a:ext>
-                </a:extLst>
               </a:tr>
               <a:tr h="636470">
                 <a:tc>
@@ -8610,11 +11161,6 @@
                   </a:txBody>
                   <a:tcPr marL="68580" marR="68580" marT="0" marB="0"/>
                 </a:tc>
-                <a:extLst>
-                  <a:ext uri="{0D108BD9-81ED-4DB2-BD59-A6C34878D82A}">
-                    <a16:rowId xmlns:a16="http://schemas.microsoft.com/office/drawing/2014/main" val="3562024076"/>
-                  </a:ext>
-                </a:extLst>
               </a:tr>
               <a:tr h="646193">
                 <a:tc>
@@ -8692,11 +11238,6 @@
                   </a:txBody>
                   <a:tcPr marL="68580" marR="68580" marT="0" marB="0"/>
                 </a:tc>
-                <a:extLst>
-                  <a:ext uri="{0D108BD9-81ED-4DB2-BD59-A6C34878D82A}">
-                    <a16:rowId xmlns:a16="http://schemas.microsoft.com/office/drawing/2014/main" val="1781041777"/>
-                  </a:ext>
-                </a:extLst>
               </a:tr>
               <a:tr h="636470">
                 <a:tc>
@@ -8790,11 +11331,6 @@
                   </a:txBody>
                   <a:tcPr marL="68580" marR="68580" marT="0" marB="0"/>
                 </a:tc>
-                <a:extLst>
-                  <a:ext uri="{0D108BD9-81ED-4DB2-BD59-A6C34878D82A}">
-                    <a16:rowId xmlns:a16="http://schemas.microsoft.com/office/drawing/2014/main" val="725204669"/>
-                  </a:ext>
-                </a:extLst>
               </a:tr>
               <a:tr h="636470">
                 <a:tc>
@@ -8872,11 +11408,6 @@
                   </a:txBody>
                   <a:tcPr marL="68580" marR="68580" marT="0" marB="0"/>
                 </a:tc>
-                <a:extLst>
-                  <a:ext uri="{0D108BD9-81ED-4DB2-BD59-A6C34878D82A}">
-                    <a16:rowId xmlns:a16="http://schemas.microsoft.com/office/drawing/2014/main" val="3894889911"/>
-                  </a:ext>
-                </a:extLst>
               </a:tr>
             </a:tbl>
           </a:graphicData>
@@ -8888,13 +11419,7 @@
           <p:cNvGraphicFramePr>
             <a:graphicFrameLocks noGrp="1"/>
           </p:cNvGraphicFramePr>
-          <p:nvPr>
-            <p:extLst>
-              <p:ext uri="{D42A27DB-BD31-4B8C-83A1-F6EECF244321}">
-                <p14:modId xmlns:p14="http://schemas.microsoft.com/office/powerpoint/2010/main" val="2592313833"/>
-              </p:ext>
-            </p:extLst>
-          </p:nvPr>
+          <p:nvPr/>
         </p:nvGraphicFramePr>
         <p:xfrm>
           <a:off x="6268377" y="1898699"/>
@@ -8907,27 +11432,9 @@
                 <a:tableStyleId>{5C22544A-7EE6-4342-B048-85BDC9FD1C3A}</a:tableStyleId>
               </a:tblPr>
               <a:tblGrid>
-                <a:gridCol w="1803400">
-                  <a:extLst>
-                    <a:ext uri="{9D8B030D-6E8A-4147-A177-3AD203B41FA5}">
-                      <a16:colId xmlns:a16="http://schemas.microsoft.com/office/drawing/2014/main" val="2336812969"/>
-                    </a:ext>
-                  </a:extLst>
-                </a:gridCol>
-                <a:gridCol w="1804035">
-                  <a:extLst>
-                    <a:ext uri="{9D8B030D-6E8A-4147-A177-3AD203B41FA5}">
-                      <a16:colId xmlns:a16="http://schemas.microsoft.com/office/drawing/2014/main" val="1034693672"/>
-                    </a:ext>
-                  </a:extLst>
-                </a:gridCol>
-                <a:gridCol w="1804035">
-                  <a:extLst>
-                    <a:ext uri="{9D8B030D-6E8A-4147-A177-3AD203B41FA5}">
-                      <a16:colId xmlns:a16="http://schemas.microsoft.com/office/drawing/2014/main" val="688672481"/>
-                    </a:ext>
-                  </a:extLst>
-                </a:gridCol>
+                <a:gridCol w="1803400"/>
+                <a:gridCol w="1804035"/>
+                <a:gridCol w="1804035"/>
               </a:tblGrid>
               <a:tr h="540385">
                 <a:tc>
@@ -9005,11 +11512,6 @@
                   </a:txBody>
                   <a:tcPr marL="68580" marR="68580" marT="0" marB="0"/>
                 </a:tc>
-                <a:extLst>
-                  <a:ext uri="{0D108BD9-81ED-4DB2-BD59-A6C34878D82A}">
-                    <a16:rowId xmlns:a16="http://schemas.microsoft.com/office/drawing/2014/main" val="825635987"/>
-                  </a:ext>
-                </a:extLst>
               </a:tr>
             </a:tbl>
           </a:graphicData>
@@ -9128,6 +11630,11 @@
                 </a:rPr>
                 <a:t>范围管理计划</a:t>
               </a:r>
+              <a:endParaRPr lang="zh-CN" altLang="en-US" sz="2800" b="1" kern="0" dirty="0">
+                <a:latin typeface="微软雅黑" panose="020B0503020204020204" pitchFamily="34" charset="-122"/>
+                <a:ea typeface="微软雅黑" panose="020B0503020204020204" pitchFamily="34" charset="-122"/>
+                <a:cs typeface="微软雅黑" panose="020B0503020204020204" pitchFamily="34" charset="-122"/>
+              </a:endParaRPr>
             </a:p>
           </p:txBody>
         </p:sp>
@@ -9273,7 +11780,7 @@
           <p:nvPr/>
         </p:nvPicPr>
         <p:blipFill>
-          <a:blip r:embed="rId2"/>
+          <a:blip r:embed="rId1"/>
           <a:stretch>
             <a:fillRect/>
           </a:stretch>
@@ -9359,6 +11866,9 @@
               </a:rPr>
               <a:t>交流互动</a:t>
             </a:r>
+            <a:endParaRPr lang="zh-CN" altLang="zh-CN" kern="100" dirty="0">
+              <a:latin typeface="Times New Roman" panose="02020603050405020304" pitchFamily="18" charset="0"/>
+            </a:endParaRPr>
           </a:p>
         </p:txBody>
       </p:sp>
@@ -9368,17 +11878,11 @@
           <p:cNvGraphicFramePr>
             <a:graphicFrameLocks noGrp="1"/>
           </p:cNvGraphicFramePr>
-          <p:nvPr>
-            <p:extLst>
-              <p:ext uri="{D42A27DB-BD31-4B8C-83A1-F6EECF244321}">
-                <p14:modId xmlns:p14="http://schemas.microsoft.com/office/powerpoint/2010/main" val="2481533654"/>
-              </p:ext>
-            </p:extLst>
-          </p:nvPr>
+          <p:nvPr/>
         </p:nvGraphicFramePr>
         <p:xfrm>
-          <a:off x="118926" y="2037201"/>
-          <a:ext cx="6007554" cy="3809859"/>
+          <a:off x="185428" y="1705718"/>
+          <a:ext cx="6007554" cy="4565291"/>
         </p:xfrm>
         <a:graphic>
           <a:graphicData uri="http://schemas.openxmlformats.org/drawingml/2006/table">
@@ -9387,22 +11891,10 @@
                 <a:tableStyleId>{5C22544A-7EE6-4342-B048-85BDC9FD1C3A}</a:tableStyleId>
               </a:tblPr>
               <a:tblGrid>
-                <a:gridCol w="1522547">
-                  <a:extLst>
-                    <a:ext uri="{9D8B030D-6E8A-4147-A177-3AD203B41FA5}">
-                      <a16:colId xmlns:a16="http://schemas.microsoft.com/office/drawing/2014/main" val="3802510128"/>
-                    </a:ext>
-                  </a:extLst>
-                </a:gridCol>
-                <a:gridCol w="4485007">
-                  <a:extLst>
-                    <a:ext uri="{9D8B030D-6E8A-4147-A177-3AD203B41FA5}">
-                      <a16:colId xmlns:a16="http://schemas.microsoft.com/office/drawing/2014/main" val="1386192049"/>
-                    </a:ext>
-                  </a:extLst>
-                </a:gridCol>
+                <a:gridCol w="1651685"/>
+                <a:gridCol w="4355869"/>
               </a:tblGrid>
-              <a:tr h="275137">
+              <a:tr h="862915">
                 <a:tc>
                   <a:txBody>
                     <a:bodyPr/>
@@ -9416,13 +11908,32 @@
                           <a:spcPts val="0"/>
                         </a:spcAft>
                       </a:pPr>
-                      <a:r>
-                        <a:rPr lang="zh-CN" sz="800" kern="100">
-                          <a:effectLst/>
-                        </a:rPr>
-                        <a:t>开发阶段</a:t>
-                      </a:r>
-                      <a:endParaRPr lang="zh-CN" sz="800" kern="100">
+                      <a:endParaRPr lang="en-US" altLang="zh-CN" sz="1800" kern="100" dirty="0" smtClean="0">
+                        <a:effectLst/>
+                      </a:endParaRPr>
+                    </a:p>
+                    <a:p>
+                      <a:pPr indent="127000" algn="just">
+                        <a:lnSpc>
+                          <a:spcPts val="2000"/>
+                        </a:lnSpc>
+                        <a:spcAft>
+                          <a:spcPts val="0"/>
+                        </a:spcAft>
+                      </a:pPr>
+                      <a:r>
+                        <a:rPr lang="zh-CN" sz="1800" kern="100" dirty="0" smtClean="0">
+                          <a:effectLst/>
+                        </a:rPr>
+                        <a:t>开发</a:t>
+                      </a:r>
+                      <a:r>
+                        <a:rPr lang="zh-CN" sz="1800" kern="100" dirty="0">
+                          <a:effectLst/>
+                        </a:rPr>
+                        <a:t>阶段</a:t>
+                      </a:r>
+                      <a:endParaRPr lang="zh-CN" sz="1800" kern="100" dirty="0">
                         <a:effectLst/>
                         <a:latin typeface="Times New Roman" panose="02020603050405020304" pitchFamily="18" charset="0"/>
                         <a:ea typeface="宋体" panose="02010600030101010101" pitchFamily="2" charset="-122"/>
@@ -9445,13 +11956,32 @@
                           <a:spcPts val="0"/>
                         </a:spcAft>
                       </a:pPr>
-                      <a:r>
-                        <a:rPr lang="zh-CN" sz="800" kern="100" dirty="0">
-                          <a:effectLst/>
-                        </a:rPr>
-                        <a:t>具体内容</a:t>
-                      </a:r>
-                      <a:endParaRPr lang="zh-CN" sz="800" kern="100" dirty="0">
+                      <a:endParaRPr lang="en-US" altLang="zh-CN" sz="1000" kern="100" dirty="0" smtClean="0">
+                        <a:effectLst/>
+                      </a:endParaRPr>
+                    </a:p>
+                    <a:p>
+                      <a:pPr indent="127000" algn="just">
+                        <a:lnSpc>
+                          <a:spcPts val="2000"/>
+                        </a:lnSpc>
+                        <a:spcAft>
+                          <a:spcPts val="0"/>
+                        </a:spcAft>
+                      </a:pPr>
+                      <a:r>
+                        <a:rPr lang="zh-CN" sz="1800" kern="100" dirty="0" smtClean="0">
+                          <a:effectLst/>
+                        </a:rPr>
+                        <a:t>具体</a:t>
+                      </a:r>
+                      <a:r>
+                        <a:rPr lang="zh-CN" sz="1800" kern="100" dirty="0">
+                          <a:effectLst/>
+                        </a:rPr>
+                        <a:t>内容</a:t>
+                      </a:r>
+                      <a:endParaRPr lang="zh-CN" sz="1800" kern="100" dirty="0">
                         <a:effectLst/>
                         <a:latin typeface="Times New Roman" panose="02020603050405020304" pitchFamily="18" charset="0"/>
                         <a:ea typeface="宋体" panose="02010600030101010101" pitchFamily="2" charset="-122"/>
@@ -9461,19 +11991,14 @@
                   </a:txBody>
                   <a:tcPr marL="50832" marR="50832" marT="0" marB="0"/>
                 </a:tc>
-                <a:extLst>
-                  <a:ext uri="{0D108BD9-81ED-4DB2-BD59-A6C34878D82A}">
-                    <a16:rowId xmlns:a16="http://schemas.microsoft.com/office/drawing/2014/main" val="1457272860"/>
-                  </a:ext>
-                </a:extLst>
               </a:tr>
-              <a:tr h="505677">
+              <a:tr h="673331">
                 <a:tc>
                   <a:txBody>
                     <a:bodyPr/>
                     <a:lstStyle/>
                     <a:p>
-                      <a:pPr indent="127000" algn="just">
+                      <a:pPr marL="0" indent="127000" algn="just" defTabSz="913765" rtl="0" eaLnBrk="1" latinLnBrk="0" hangingPunct="1">
                         <a:lnSpc>
                           <a:spcPts val="2000"/>
                         </a:lnSpc>
@@ -9481,17 +12006,57 @@
                           <a:spcPts val="0"/>
                         </a:spcAft>
                       </a:pPr>
-                      <a:r>
-                        <a:rPr lang="zh-CN" sz="800" kern="100">
-                          <a:effectLst/>
-                        </a:rPr>
-                        <a:t>知识技能培训</a:t>
-                      </a:r>
-                      <a:endParaRPr lang="zh-CN" sz="800" kern="100">
+                      <a:endParaRPr lang="en-US" altLang="zh-CN" sz="1800" b="1" kern="100" dirty="0" smtClean="0">
+                        <a:solidFill>
+                          <a:schemeClr val="lt1"/>
+                        </a:solidFill>
                         <a:effectLst/>
-                        <a:latin typeface="Times New Roman" panose="02020603050405020304" pitchFamily="18" charset="0"/>
-                        <a:ea typeface="宋体" panose="02010600030101010101" pitchFamily="2" charset="-122"/>
-                        <a:cs typeface="宋体" panose="02010600030101010101" pitchFamily="2" charset="-122"/>
+                        <a:latin typeface="+mn-lt"/>
+                        <a:ea typeface="+mn-ea"/>
+                        <a:cs typeface="+mn-cs"/>
+                      </a:endParaRPr>
+                    </a:p>
+                    <a:p>
+                      <a:pPr marL="0" indent="127000" algn="just" defTabSz="913765" rtl="0" eaLnBrk="1" latinLnBrk="0" hangingPunct="1">
+                        <a:lnSpc>
+                          <a:spcPts val="2000"/>
+                        </a:lnSpc>
+                        <a:spcAft>
+                          <a:spcPts val="0"/>
+                        </a:spcAft>
+                      </a:pPr>
+                      <a:r>
+                        <a:rPr lang="zh-CN" sz="1800" b="1" kern="100" dirty="0" smtClean="0">
+                          <a:solidFill>
+                            <a:schemeClr val="lt1"/>
+                          </a:solidFill>
+                          <a:effectLst/>
+                          <a:latin typeface="+mn-lt"/>
+                          <a:ea typeface="+mn-ea"/>
+                          <a:cs typeface="+mn-cs"/>
+                        </a:rPr>
+                        <a:t>知识</a:t>
+                      </a:r>
+                      <a:r>
+                        <a:rPr lang="zh-CN" sz="1800" b="1" kern="100" dirty="0">
+                          <a:solidFill>
+                            <a:schemeClr val="lt1"/>
+                          </a:solidFill>
+                          <a:effectLst/>
+                          <a:latin typeface="+mn-lt"/>
+                          <a:ea typeface="+mn-ea"/>
+                          <a:cs typeface="+mn-cs"/>
+                        </a:rPr>
+                        <a:t>技能培训</a:t>
+                      </a:r>
+                      <a:endParaRPr lang="zh-CN" sz="1800" b="1" kern="100" dirty="0">
+                        <a:solidFill>
+                          <a:schemeClr val="lt1"/>
+                        </a:solidFill>
+                        <a:effectLst/>
+                        <a:latin typeface="+mn-lt"/>
+                        <a:ea typeface="+mn-ea"/>
+                        <a:cs typeface="+mn-cs"/>
                       </a:endParaRPr>
                     </a:p>
                   </a:txBody>
@@ -9511,12 +12076,12 @@
                         </a:spcAft>
                       </a:pPr>
                       <a:r>
-                        <a:rPr lang="zh-CN" sz="800" kern="100" dirty="0">
+                        <a:rPr lang="zh-CN" sz="1200" kern="100" dirty="0">
                           <a:effectLst/>
                         </a:rPr>
                         <a:t>培训小组内的开发人员</a:t>
                       </a:r>
-                      <a:endParaRPr lang="zh-CN" sz="800" kern="100" dirty="0">
+                      <a:endParaRPr lang="zh-CN" sz="1200" kern="100" dirty="0">
                         <a:effectLst/>
                         <a:latin typeface="Times New Roman" panose="02020603050405020304" pitchFamily="18" charset="0"/>
                         <a:ea typeface="宋体" panose="02010600030101010101" pitchFamily="2" charset="-122"/>
@@ -9526,11 +12091,6 @@
                   </a:txBody>
                   <a:tcPr marL="50832" marR="50832" marT="0" marB="0"/>
                 </a:tc>
-                <a:extLst>
-                  <a:ext uri="{0D108BD9-81ED-4DB2-BD59-A6C34878D82A}">
-                    <a16:rowId xmlns:a16="http://schemas.microsoft.com/office/drawing/2014/main" val="1367182197"/>
-                  </a:ext>
-                </a:extLst>
               </a:tr>
               <a:tr h="1261318">
                 <a:tc>
@@ -9538,7 +12098,7 @@
                     <a:bodyPr/>
                     <a:lstStyle/>
                     <a:p>
-                      <a:pPr indent="127000" algn="just">
+                      <a:pPr marL="0" indent="127000" algn="just" defTabSz="913765" rtl="0" eaLnBrk="1" latinLnBrk="0" hangingPunct="1">
                         <a:lnSpc>
                           <a:spcPts val="2000"/>
                         </a:lnSpc>
@@ -9546,17 +12106,76 @@
                           <a:spcPts val="0"/>
                         </a:spcAft>
                       </a:pPr>
-                      <a:r>
-                        <a:rPr lang="zh-CN" sz="800" kern="100">
-                          <a:effectLst/>
-                        </a:rPr>
-                        <a:t>需求获取</a:t>
-                      </a:r>
-                      <a:endParaRPr lang="zh-CN" sz="800" kern="100">
+                      <a:endParaRPr lang="en-US" altLang="zh-CN" sz="1800" b="1" kern="100" dirty="0" smtClean="0">
+                        <a:solidFill>
+                          <a:schemeClr val="lt1"/>
+                        </a:solidFill>
                         <a:effectLst/>
-                        <a:latin typeface="Times New Roman" panose="02020603050405020304" pitchFamily="18" charset="0"/>
-                        <a:ea typeface="宋体" panose="02010600030101010101" pitchFamily="2" charset="-122"/>
-                        <a:cs typeface="宋体" panose="02010600030101010101" pitchFamily="2" charset="-122"/>
+                        <a:latin typeface="+mn-lt"/>
+                        <a:ea typeface="+mn-ea"/>
+                        <a:cs typeface="+mn-cs"/>
+                      </a:endParaRPr>
+                    </a:p>
+                    <a:p>
+                      <a:pPr marL="0" indent="127000" algn="just" defTabSz="913765" rtl="0" eaLnBrk="1" latinLnBrk="0" hangingPunct="1">
+                        <a:lnSpc>
+                          <a:spcPts val="2000"/>
+                        </a:lnSpc>
+                        <a:spcAft>
+                          <a:spcPts val="0"/>
+                        </a:spcAft>
+                      </a:pPr>
+                      <a:endParaRPr lang="en-US" altLang="zh-CN" sz="1800" b="1" kern="100" dirty="0" smtClean="0">
+                        <a:solidFill>
+                          <a:schemeClr val="lt1"/>
+                        </a:solidFill>
+                        <a:effectLst/>
+                        <a:latin typeface="+mn-lt"/>
+                        <a:ea typeface="+mn-ea"/>
+                        <a:cs typeface="+mn-cs"/>
+                      </a:endParaRPr>
+                    </a:p>
+                    <a:p>
+                      <a:pPr marL="0" indent="127000" algn="just" defTabSz="913765" rtl="0" eaLnBrk="1" latinLnBrk="0" hangingPunct="1">
+                        <a:lnSpc>
+                          <a:spcPts val="2000"/>
+                        </a:lnSpc>
+                        <a:spcAft>
+                          <a:spcPts val="0"/>
+                        </a:spcAft>
+                      </a:pPr>
+                      <a:r>
+                        <a:rPr lang="zh-CN" sz="1800" b="1" kern="100" dirty="0" smtClean="0">
+                          <a:solidFill>
+                            <a:schemeClr val="lt1"/>
+                          </a:solidFill>
+                          <a:effectLst/>
+                          <a:latin typeface="+mn-lt"/>
+                          <a:ea typeface="+mn-ea"/>
+                          <a:cs typeface="+mn-cs"/>
+                        </a:rPr>
+                        <a:t>需求</a:t>
+                      </a:r>
+                      <a:r>
+                        <a:rPr lang="zh-CN" sz="1800" b="1" kern="100" dirty="0">
+                          <a:solidFill>
+                            <a:schemeClr val="lt1"/>
+                          </a:solidFill>
+                          <a:effectLst/>
+                          <a:latin typeface="+mn-lt"/>
+                          <a:ea typeface="+mn-ea"/>
+                          <a:cs typeface="+mn-cs"/>
+                        </a:rPr>
+                        <a:t>获取</a:t>
+                      </a:r>
+                      <a:endParaRPr lang="zh-CN" sz="1800" b="1" kern="100" dirty="0">
+                        <a:solidFill>
+                          <a:schemeClr val="lt1"/>
+                        </a:solidFill>
+                        <a:effectLst/>
+                        <a:latin typeface="+mn-lt"/>
+                        <a:ea typeface="+mn-ea"/>
+                        <a:cs typeface="+mn-cs"/>
                       </a:endParaRPr>
                     </a:p>
                   </a:txBody>
@@ -9576,362 +12195,354 @@
                         </a:spcAft>
                       </a:pPr>
                       <a:r>
-                        <a:rPr lang="en-US" altLang="zh-CN" sz="800" kern="100" dirty="0" smtClean="0">
-                          <a:effectLst/>
-                        </a:rPr>
-                        <a:t>1</a:t>
-                      </a:r>
-                      <a:r>
-                        <a:rPr lang="zh-CN" sz="800" kern="100" dirty="0" smtClean="0">
+                        <a:rPr lang="en-US" altLang="zh-CN" sz="1200" kern="100" dirty="0" smtClean="0">
+                          <a:effectLst/>
+                        </a:rPr>
+                        <a:t>1.</a:t>
+                      </a:r>
+                      <a:r>
+                        <a:rPr lang="zh-CN" sz="1200" kern="100" dirty="0" smtClean="0">
                           <a:effectLst/>
                         </a:rPr>
                         <a:t>定义</a:t>
                       </a:r>
                       <a:r>
-                        <a:rPr lang="zh-CN" sz="800" kern="100" dirty="0">
+                        <a:rPr lang="zh-CN" sz="1200" kern="100" dirty="0">
                           <a:effectLst/>
                         </a:rPr>
                         <a:t>愿景和</a:t>
                       </a:r>
                       <a:r>
-                        <a:rPr lang="zh-CN" sz="800" kern="100" dirty="0" smtClean="0">
+                        <a:rPr lang="zh-CN" sz="1200" kern="100" dirty="0" smtClean="0">
                           <a:effectLst/>
                         </a:rPr>
                         <a:t>范围</a:t>
                       </a:r>
                       <a:r>
-                        <a:rPr lang="en-US" altLang="zh-CN" sz="800" kern="100" dirty="0" smtClean="0">
-                          <a:effectLst/>
-                        </a:rPr>
-                        <a:t>    2</a:t>
-                      </a:r>
-                      <a:r>
-                        <a:rPr lang="zh-CN" sz="800" kern="100" dirty="0" smtClean="0">
+                        <a:rPr lang="en-US" altLang="zh-CN" sz="1200" kern="100" dirty="0" smtClean="0">
+                          <a:effectLst/>
+                        </a:rPr>
+                        <a:t>    2.</a:t>
+                      </a:r>
+                      <a:r>
+                        <a:rPr lang="zh-CN" sz="1200" kern="100" dirty="0" smtClean="0">
                           <a:effectLst/>
                         </a:rPr>
                         <a:t>识别</a:t>
                       </a:r>
                       <a:r>
-                        <a:rPr lang="zh-CN" sz="800" kern="100" dirty="0">
+                        <a:rPr lang="zh-CN" sz="1200" kern="100" dirty="0">
                           <a:effectLst/>
                         </a:rPr>
                         <a:t>用户</a:t>
                       </a:r>
                       <a:r>
-                        <a:rPr lang="zh-CN" sz="800" kern="100" dirty="0" smtClean="0">
+                        <a:rPr lang="zh-CN" sz="1200" kern="100" dirty="0" smtClean="0">
                           <a:effectLst/>
                         </a:rPr>
                         <a:t>群</a:t>
                       </a:r>
                       <a:r>
-                        <a:rPr lang="en-US" altLang="zh-CN" sz="800" kern="100" baseline="0" dirty="0" smtClean="0">
+                        <a:rPr lang="en-US" altLang="zh-CN" sz="1200" kern="100" baseline="0" dirty="0" smtClean="0">
                           <a:effectLst/>
                         </a:rPr>
                         <a:t>    </a:t>
                       </a:r>
                       <a:r>
-                        <a:rPr lang="en-US" altLang="zh-CN" sz="800" kern="100" dirty="0" smtClean="0">
-                          <a:effectLst/>
-                        </a:rPr>
-                        <a:t>3</a:t>
-                      </a:r>
-                      <a:r>
-                        <a:rPr lang="zh-CN" sz="800" kern="100" dirty="0" smtClean="0">
+                        <a:rPr lang="en-US" altLang="zh-CN" sz="1200" kern="100" dirty="0" smtClean="0">
+                          <a:effectLst/>
+                        </a:rPr>
+                        <a:t>3.</a:t>
+                      </a:r>
+                      <a:r>
+                        <a:rPr lang="zh-CN" sz="1200" kern="100" dirty="0" smtClean="0">
                           <a:effectLst/>
                         </a:rPr>
                         <a:t>选择</a:t>
                       </a:r>
                       <a:r>
-                        <a:rPr lang="zh-CN" sz="800" kern="100" dirty="0">
+                        <a:rPr lang="zh-CN" sz="1200" kern="100" dirty="0">
                           <a:effectLst/>
                         </a:rPr>
                         <a:t>产品</a:t>
                       </a:r>
                       <a:r>
-                        <a:rPr lang="zh-CN" sz="800" kern="100" dirty="0" smtClean="0">
+                        <a:rPr lang="zh-CN" sz="1200" kern="100" dirty="0" smtClean="0">
                           <a:effectLst/>
                         </a:rPr>
                         <a:t>代言人</a:t>
                       </a:r>
                       <a:r>
-                        <a:rPr lang="en-US" altLang="zh-CN" sz="800" kern="100" baseline="0" dirty="0" smtClean="0">
+                        <a:rPr lang="en-US" altLang="zh-CN" sz="1200" kern="100" baseline="0" dirty="0" smtClean="0">
                           <a:effectLst/>
                         </a:rPr>
                         <a:t>    </a:t>
                       </a:r>
                       <a:r>
-                        <a:rPr lang="en-US" altLang="zh-CN" sz="800" kern="100" dirty="0" smtClean="0">
-                          <a:effectLst/>
-                        </a:rPr>
-                        <a:t>4</a:t>
-                      </a:r>
-                      <a:r>
-                        <a:rPr lang="zh-CN" sz="800" kern="100" dirty="0" smtClean="0">
+                        <a:rPr lang="en-US" altLang="zh-CN" sz="1200" kern="100" dirty="0" smtClean="0">
+                          <a:effectLst/>
+                        </a:rPr>
+                        <a:t>4.</a:t>
+                      </a:r>
+                      <a:r>
+                        <a:rPr lang="zh-CN" sz="1200" kern="100" dirty="0" smtClean="0">
                           <a:effectLst/>
                         </a:rPr>
                         <a:t>组织</a:t>
                       </a:r>
                       <a:r>
-                        <a:rPr lang="zh-CN" sz="800" kern="100" dirty="0">
+                        <a:rPr lang="zh-CN" sz="1200" kern="100" dirty="0">
                           <a:effectLst/>
                         </a:rPr>
                         <a:t>焦点</a:t>
                       </a:r>
                       <a:r>
-                        <a:rPr lang="zh-CN" sz="800" kern="100" dirty="0" smtClean="0">
+                        <a:rPr lang="zh-CN" sz="1200" kern="100" dirty="0" smtClean="0">
                           <a:effectLst/>
                         </a:rPr>
                         <a:t>小组</a:t>
                       </a:r>
                       <a:r>
-                        <a:rPr lang="en-US" altLang="zh-CN" sz="800" kern="100" baseline="0" dirty="0" smtClean="0">
+                        <a:rPr lang="en-US" altLang="zh-CN" sz="1200" kern="100" baseline="0" dirty="0" smtClean="0">
                           <a:effectLst/>
                         </a:rPr>
                         <a:t>    </a:t>
                       </a:r>
                       <a:r>
-                        <a:rPr lang="en-US" altLang="zh-CN" sz="800" kern="100" dirty="0" smtClean="0">
-                          <a:effectLst/>
-                        </a:rPr>
-                        <a:t>5</a:t>
-                      </a:r>
-                      <a:r>
-                        <a:rPr lang="zh-CN" sz="800" kern="100" dirty="0" smtClean="0">
+                        <a:rPr lang="en-US" altLang="zh-CN" sz="1200" kern="100" dirty="0" smtClean="0">
+                          <a:effectLst/>
+                        </a:rPr>
+                        <a:t>5.</a:t>
+                      </a:r>
+                      <a:r>
+                        <a:rPr lang="zh-CN" sz="1200" kern="100" dirty="0" smtClean="0">
+                          <a:effectLst/>
+                        </a:rPr>
+                        <a:t>识别用户需求</a:t>
+                      </a:r>
+                      <a:r>
+                        <a:rPr lang="en-US" altLang="zh-CN" sz="1200" kern="100" baseline="0" dirty="0" smtClean="0">
+                          <a:effectLst/>
+                        </a:rPr>
+                        <a:t>   </a:t>
+                      </a:r>
+                      <a:r>
+                        <a:rPr lang="en-US" altLang="zh-CN" sz="1200" kern="100" dirty="0" smtClean="0">
+                          <a:effectLst/>
+                        </a:rPr>
+                        <a:t>6.</a:t>
+                      </a:r>
+                      <a:r>
+                        <a:rPr lang="zh-CN" sz="1200" kern="100" dirty="0" smtClean="0">
                           <a:effectLst/>
                         </a:rPr>
                         <a:t>识别</a:t>
                       </a:r>
                       <a:r>
-                        <a:rPr lang="zh-CN" sz="800" kern="100" dirty="0">
-                          <a:effectLst/>
-                        </a:rPr>
-                        <a:t>用户需求</a:t>
-                      </a:r>
-                    </a:p>
-                    <a:p>
-                      <a:pPr indent="127000" algn="just">
-                        <a:lnSpc>
-                          <a:spcPts val="2000"/>
-                        </a:lnSpc>
-                        <a:spcAft>
-                          <a:spcPts val="0"/>
-                        </a:spcAft>
-                      </a:pPr>
-                      <a:r>
-                        <a:rPr lang="en-US" altLang="zh-CN" sz="800" kern="100" dirty="0" smtClean="0">
-                          <a:effectLst/>
-                        </a:rPr>
-                        <a:t>6</a:t>
-                      </a:r>
-                      <a:r>
-                        <a:rPr lang="zh-CN" sz="800" kern="100" dirty="0" smtClean="0">
-                          <a:effectLst/>
-                        </a:rPr>
-                        <a:t>识别</a:t>
-                      </a:r>
-                      <a:r>
-                        <a:rPr lang="zh-CN" sz="800" kern="100" dirty="0">
+                        <a:rPr lang="zh-CN" sz="1200" kern="100" dirty="0">
                           <a:effectLst/>
                         </a:rPr>
                         <a:t>系统事件和</a:t>
                       </a:r>
                       <a:r>
-                        <a:rPr lang="zh-CN" sz="800" kern="100" dirty="0" smtClean="0">
+                        <a:rPr lang="zh-CN" sz="1200" kern="100" dirty="0" smtClean="0">
                           <a:effectLst/>
                         </a:rPr>
                         <a:t>响应</a:t>
                       </a:r>
                       <a:r>
-                        <a:rPr lang="en-US" altLang="zh-CN" sz="800" kern="100" baseline="0" dirty="0" smtClean="0">
+                        <a:rPr lang="en-US" altLang="zh-CN" sz="1200" kern="100" baseline="0" dirty="0" smtClean="0">
                           <a:effectLst/>
                         </a:rPr>
                         <a:t>    </a:t>
                       </a:r>
                       <a:r>
-                        <a:rPr lang="en-US" altLang="zh-CN" sz="800" kern="100" dirty="0" smtClean="0">
-                          <a:effectLst/>
-                        </a:rPr>
-                        <a:t>7</a:t>
-                      </a:r>
-                      <a:r>
-                        <a:rPr lang="zh-CN" sz="800" kern="100" dirty="0" smtClean="0">
+                        <a:rPr lang="en-US" altLang="zh-CN" sz="1200" kern="100" dirty="0" smtClean="0">
+                          <a:effectLst/>
+                        </a:rPr>
+                        <a:t>7.</a:t>
+                      </a:r>
+                      <a:r>
+                        <a:rPr lang="zh-CN" sz="1200" kern="100" dirty="0" smtClean="0">
                           <a:effectLst/>
                         </a:rPr>
                         <a:t>需求</a:t>
                       </a:r>
                       <a:r>
-                        <a:rPr lang="zh-CN" sz="800" kern="100" dirty="0">
+                        <a:rPr lang="zh-CN" sz="1200" kern="100" dirty="0">
                           <a:effectLst/>
                         </a:rPr>
                         <a:t>获取</a:t>
                       </a:r>
                       <a:r>
-                        <a:rPr lang="zh-CN" sz="800" kern="100" dirty="0" smtClean="0">
+                        <a:rPr lang="zh-CN" sz="1200" kern="100" dirty="0" smtClean="0">
                           <a:effectLst/>
                         </a:rPr>
                         <a:t>访谈</a:t>
                       </a:r>
                       <a:r>
-                        <a:rPr lang="en-US" altLang="zh-CN" sz="800" kern="100" baseline="0" dirty="0" smtClean="0">
+                        <a:rPr lang="en-US" altLang="zh-CN" sz="1200" kern="100" baseline="0" dirty="0" smtClean="0">
                           <a:effectLst/>
                         </a:rPr>
                         <a:t>    </a:t>
                       </a:r>
                       <a:r>
-                        <a:rPr lang="en-US" altLang="zh-CN" sz="800" kern="100" dirty="0" smtClean="0">
-                          <a:effectLst/>
-                        </a:rPr>
-                        <a:t>8</a:t>
-                      </a:r>
-                      <a:r>
-                        <a:rPr lang="zh-CN" sz="800" kern="100" dirty="0" smtClean="0">
+                        <a:rPr lang="en-US" altLang="zh-CN" sz="1200" kern="100" dirty="0" smtClean="0">
+                          <a:effectLst/>
+                        </a:rPr>
+                        <a:t>8.</a:t>
+                      </a:r>
+                      <a:r>
+                        <a:rPr lang="zh-CN" sz="1200" kern="100" dirty="0" smtClean="0">
                           <a:effectLst/>
                         </a:rPr>
                         <a:t>举行</a:t>
                       </a:r>
                       <a:r>
-                        <a:rPr lang="zh-CN" sz="800" kern="100" dirty="0">
-                          <a:effectLst/>
-                        </a:rPr>
-                        <a:t>引导式需求获取讨论会</a:t>
-                      </a:r>
-                    </a:p>
-                    <a:p>
-                      <a:pPr indent="127000" algn="just">
-                        <a:lnSpc>
-                          <a:spcPts val="2000"/>
-                        </a:lnSpc>
-                        <a:spcAft>
-                          <a:spcPts val="0"/>
-                        </a:spcAft>
-                      </a:pPr>
-                      <a:r>
-                        <a:rPr lang="en-US" altLang="zh-CN" sz="800" kern="100" dirty="0" smtClean="0">
-                          <a:effectLst/>
-                        </a:rPr>
-                        <a:t>9</a:t>
-                      </a:r>
-                      <a:r>
-                        <a:rPr lang="zh-CN" sz="800" kern="100" dirty="0" smtClean="0">
+                        <a:rPr lang="zh-CN" sz="1200" kern="100" dirty="0">
+                          <a:effectLst/>
+                        </a:rPr>
+                        <a:t>引导式需求获取</a:t>
+                      </a:r>
+                      <a:r>
+                        <a:rPr lang="zh-CN" sz="1200" kern="100" dirty="0" smtClean="0">
+                          <a:effectLst/>
+                        </a:rPr>
+                        <a:t>讨论会</a:t>
+                      </a:r>
+                      <a:r>
+                        <a:rPr lang="en-US" altLang="zh-CN" sz="1200" kern="100" baseline="0" dirty="0" smtClean="0">
+                          <a:effectLst/>
+                        </a:rPr>
+                        <a:t>  </a:t>
+                      </a:r>
+                      <a:r>
+                        <a:rPr lang="en-US" altLang="zh-CN" sz="1200" kern="100" dirty="0" smtClean="0">
+                          <a:effectLst/>
+                        </a:rPr>
+                        <a:t>9.</a:t>
+                      </a:r>
+                      <a:r>
+                        <a:rPr lang="zh-CN" sz="1200" kern="100" dirty="0" smtClean="0">
                           <a:effectLst/>
                         </a:rPr>
                         <a:t>观察</a:t>
                       </a:r>
                       <a:r>
-                        <a:rPr lang="zh-CN" sz="800" kern="100" dirty="0">
+                        <a:rPr lang="zh-CN" sz="1200" kern="100" dirty="0">
                           <a:effectLst/>
                         </a:rPr>
                         <a:t>用户如何完成</a:t>
                       </a:r>
                       <a:r>
-                        <a:rPr lang="zh-CN" sz="800" kern="100" dirty="0" smtClean="0">
+                        <a:rPr lang="zh-CN" sz="1200" kern="100" dirty="0" smtClean="0">
                           <a:effectLst/>
                         </a:rPr>
                         <a:t>工作</a:t>
                       </a:r>
                       <a:r>
-                        <a:rPr lang="en-US" altLang="zh-CN" sz="800" kern="100" baseline="0" dirty="0" smtClean="0">
+                        <a:rPr lang="en-US" altLang="zh-CN" sz="1200" kern="100" baseline="0" dirty="0" smtClean="0">
                           <a:effectLst/>
                         </a:rPr>
                         <a:t>    </a:t>
                       </a:r>
                       <a:r>
-                        <a:rPr lang="en-US" altLang="zh-CN" sz="800" kern="100" dirty="0" smtClean="0">
-                          <a:effectLst/>
-                        </a:rPr>
-                        <a:t>10</a:t>
-                      </a:r>
-                      <a:r>
-                        <a:rPr lang="zh-CN" sz="800" kern="100" dirty="0" smtClean="0">
+                        <a:rPr lang="en-US" altLang="zh-CN" sz="1200" kern="100" dirty="0" smtClean="0">
+                          <a:effectLst/>
+                        </a:rPr>
+                        <a:t>10.</a:t>
+                      </a:r>
+                      <a:r>
+                        <a:rPr lang="zh-CN" sz="1200" kern="100" dirty="0" smtClean="0">
                           <a:effectLst/>
                         </a:rPr>
                         <a:t>分发</a:t>
                       </a:r>
                       <a:r>
-                        <a:rPr lang="zh-CN" sz="800" kern="100" dirty="0">
+                        <a:rPr lang="zh-CN" sz="1200" kern="100" dirty="0">
                           <a:effectLst/>
                         </a:rPr>
                         <a:t>调查</a:t>
                       </a:r>
                       <a:r>
-                        <a:rPr lang="zh-CN" sz="800" kern="100" dirty="0" smtClean="0">
+                        <a:rPr lang="zh-CN" sz="1200" kern="100" dirty="0" smtClean="0">
                           <a:effectLst/>
                         </a:rPr>
                         <a:t>问卷</a:t>
                       </a:r>
                       <a:r>
-                        <a:rPr lang="en-US" altLang="zh-CN" sz="800" kern="100" baseline="0" dirty="0" smtClean="0">
+                        <a:rPr lang="en-US" altLang="zh-CN" sz="1200" kern="100" baseline="0" dirty="0" smtClean="0">
                           <a:effectLst/>
                         </a:rPr>
                         <a:t>    </a:t>
                       </a:r>
                       <a:r>
-                        <a:rPr lang="en-US" altLang="zh-CN" sz="800" kern="100" dirty="0" smtClean="0">
-                          <a:effectLst/>
-                        </a:rPr>
-                        <a:t>11</a:t>
-                      </a:r>
-                      <a:r>
-                        <a:rPr lang="zh-CN" sz="800" kern="100" dirty="0" smtClean="0">
+                        <a:rPr lang="en-US" altLang="zh-CN" sz="1200" kern="100" dirty="0" smtClean="0">
+                          <a:effectLst/>
+                        </a:rPr>
+                        <a:t>11.</a:t>
+                      </a:r>
+                      <a:r>
+                        <a:rPr lang="zh-CN" sz="1200" kern="100" dirty="0" smtClean="0">
                           <a:effectLst/>
                         </a:rPr>
                         <a:t>分析文档</a:t>
                       </a:r>
                       <a:r>
-                        <a:rPr lang="en-US" altLang="zh-CN" sz="800" kern="100" baseline="0" dirty="0" smtClean="0">
+                        <a:rPr lang="en-US" altLang="zh-CN" sz="1200" kern="100" baseline="0" dirty="0" smtClean="0">
                           <a:effectLst/>
                         </a:rPr>
                         <a:t>    </a:t>
                       </a:r>
                       <a:r>
-                        <a:rPr lang="en-US" altLang="zh-CN" sz="800" kern="100" dirty="0" smtClean="0">
-                          <a:effectLst/>
-                        </a:rPr>
-                        <a:t>12</a:t>
-                      </a:r>
-                      <a:r>
-                        <a:rPr lang="zh-CN" sz="800" kern="100" dirty="0" smtClean="0">
+                        <a:rPr lang="en-US" altLang="zh-CN" sz="1200" kern="100" dirty="0" smtClean="0">
+                          <a:effectLst/>
+                        </a:rPr>
+                        <a:t>12.</a:t>
+                      </a:r>
+                      <a:r>
+                        <a:rPr lang="zh-CN" sz="1200" kern="100" dirty="0" smtClean="0">
                           <a:effectLst/>
                         </a:rPr>
                         <a:t>检查</a:t>
                       </a:r>
                       <a:r>
-                        <a:rPr lang="zh-CN" sz="800" kern="100" dirty="0">
+                        <a:rPr lang="zh-CN" sz="1200" kern="100" dirty="0">
                           <a:effectLst/>
                         </a:rPr>
                         <a:t>问题</a:t>
                       </a:r>
                       <a:r>
-                        <a:rPr lang="zh-CN" sz="800" kern="100" dirty="0" smtClean="0">
+                        <a:rPr lang="zh-CN" sz="1200" kern="100" dirty="0" smtClean="0">
                           <a:effectLst/>
                         </a:rPr>
                         <a:t>报告</a:t>
                       </a:r>
                       <a:r>
-                        <a:rPr lang="en-US" altLang="zh-CN" sz="800" kern="100" baseline="0" dirty="0" smtClean="0">
+                        <a:rPr lang="en-US" altLang="zh-CN" sz="1200" kern="100" baseline="0" dirty="0" smtClean="0">
                           <a:effectLst/>
                         </a:rPr>
                         <a:t>    </a:t>
                       </a:r>
                       <a:r>
-                        <a:rPr lang="en-US" altLang="zh-CN" sz="800" kern="100" dirty="0" smtClean="0">
-                          <a:effectLst/>
-                        </a:rPr>
-                        <a:t>13</a:t>
-                      </a:r>
-                      <a:r>
-                        <a:rPr lang="zh-CN" sz="800" kern="100" dirty="0" smtClean="0">
+                        <a:rPr lang="en-US" altLang="zh-CN" sz="1200" kern="100" dirty="0" smtClean="0">
+                          <a:effectLst/>
+                        </a:rPr>
+                        <a:t>13.</a:t>
+                      </a:r>
+                      <a:r>
+                        <a:rPr lang="zh-CN" sz="1200" kern="100" dirty="0" smtClean="0">
                           <a:effectLst/>
                         </a:rPr>
                         <a:t>重用</a:t>
                       </a:r>
                       <a:r>
-                        <a:rPr lang="zh-CN" sz="800" kern="100" dirty="0">
+                        <a:rPr lang="zh-CN" sz="1200" kern="100" dirty="0">
                           <a:effectLst/>
                         </a:rPr>
                         <a:t>已有的需求</a:t>
                       </a:r>
-                      <a:endParaRPr lang="zh-CN" sz="800" kern="100" dirty="0">
+                      <a:endParaRPr lang="zh-CN" sz="1200" kern="100" dirty="0">
                         <a:effectLst/>
                         <a:latin typeface="Times New Roman" panose="02020603050405020304" pitchFamily="18" charset="0"/>
                         <a:ea typeface="宋体" panose="02010600030101010101" pitchFamily="2" charset="-122"/>
@@ -9941,11 +12552,6 @@
                   </a:txBody>
                   <a:tcPr marL="50832" marR="50832" marT="0" marB="0"/>
                 </a:tc>
-                <a:extLst>
-                  <a:ext uri="{0D108BD9-81ED-4DB2-BD59-A6C34878D82A}">
-                    <a16:rowId xmlns:a16="http://schemas.microsoft.com/office/drawing/2014/main" val="3867663064"/>
-                  </a:ext>
-                </a:extLst>
               </a:tr>
               <a:tr h="1767727">
                 <a:tc>
@@ -9953,7 +12559,7 @@
                     <a:bodyPr/>
                     <a:lstStyle/>
                     <a:p>
-                      <a:pPr indent="127000" algn="just">
+                      <a:pPr marL="0" indent="127000" algn="just" defTabSz="913765" rtl="0" eaLnBrk="1" latinLnBrk="0" hangingPunct="1">
                         <a:lnSpc>
                           <a:spcPts val="2000"/>
                         </a:lnSpc>
@@ -9961,17 +12567,83 @@
                           <a:spcPts val="0"/>
                         </a:spcAft>
                       </a:pPr>
-                      <a:r>
-                        <a:rPr lang="zh-CN" sz="800" kern="100" dirty="0">
-                          <a:effectLst/>
+                      <a:endParaRPr lang="en-US" altLang="zh-CN" sz="1800" b="1" kern="100" dirty="0" smtClean="0">
+                        <a:solidFill>
+                          <a:schemeClr val="lt1"/>
+                        </a:solidFill>
+                        <a:effectLst/>
+                        <a:latin typeface="+mn-lt"/>
+                        <a:ea typeface="+mn-ea"/>
+                        <a:cs typeface="+mn-cs"/>
+                      </a:endParaRPr>
+                    </a:p>
+                    <a:p>
+                      <a:pPr marL="0" indent="127000" algn="just" defTabSz="913765" rtl="0" eaLnBrk="1" latinLnBrk="0" hangingPunct="1">
+                        <a:lnSpc>
+                          <a:spcPts val="2000"/>
+                        </a:lnSpc>
+                        <a:spcAft>
+                          <a:spcPts val="0"/>
+                        </a:spcAft>
+                      </a:pPr>
+                      <a:endParaRPr lang="en-US" altLang="zh-CN" sz="1800" b="1" kern="100" dirty="0" smtClean="0">
+                        <a:solidFill>
+                          <a:schemeClr val="lt1"/>
+                        </a:solidFill>
+                        <a:effectLst/>
+                        <a:latin typeface="+mn-lt"/>
+                        <a:ea typeface="+mn-ea"/>
+                        <a:cs typeface="+mn-cs"/>
+                      </a:endParaRPr>
+                    </a:p>
+                    <a:p>
+                      <a:pPr marL="0" indent="127000" algn="just" defTabSz="913765" rtl="0" eaLnBrk="1" latinLnBrk="0" hangingPunct="1">
+                        <a:lnSpc>
+                          <a:spcPts val="2000"/>
+                        </a:lnSpc>
+                        <a:spcAft>
+                          <a:spcPts val="0"/>
+                        </a:spcAft>
+                      </a:pPr>
+                      <a:endParaRPr lang="en-US" altLang="zh-CN" sz="1800" b="1" kern="100" dirty="0" smtClean="0">
+                        <a:solidFill>
+                          <a:schemeClr val="lt1"/>
+                        </a:solidFill>
+                        <a:effectLst/>
+                        <a:latin typeface="+mn-lt"/>
+                        <a:ea typeface="+mn-ea"/>
+                        <a:cs typeface="+mn-cs"/>
+                      </a:endParaRPr>
+                    </a:p>
+                    <a:p>
+                      <a:pPr marL="0" indent="127000" algn="just" defTabSz="913765" rtl="0" eaLnBrk="1" latinLnBrk="0" hangingPunct="1">
+                        <a:lnSpc>
+                          <a:spcPts val="2000"/>
+                        </a:lnSpc>
+                        <a:spcAft>
+                          <a:spcPts val="0"/>
+                        </a:spcAft>
+                      </a:pPr>
+                      <a:r>
+                        <a:rPr lang="zh-CN" sz="1800" b="1" kern="100" dirty="0" smtClean="0">
+                          <a:solidFill>
+                            <a:schemeClr val="lt1"/>
+                          </a:solidFill>
+                          <a:effectLst/>
+                          <a:latin typeface="+mn-lt"/>
+                          <a:ea typeface="+mn-ea"/>
+                          <a:cs typeface="+mn-cs"/>
                         </a:rPr>
                         <a:t>需求分析</a:t>
                       </a:r>
-                      <a:endParaRPr lang="zh-CN" sz="800" kern="100" dirty="0">
+                      <a:endParaRPr lang="zh-CN" sz="1800" b="1" kern="100" dirty="0">
+                        <a:solidFill>
+                          <a:schemeClr val="lt1"/>
+                        </a:solidFill>
                         <a:effectLst/>
-                        <a:latin typeface="Times New Roman" panose="02020603050405020304" pitchFamily="18" charset="0"/>
-                        <a:ea typeface="宋体" panose="02010600030101010101" pitchFamily="2" charset="-122"/>
-                        <a:cs typeface="宋体" panose="02010600030101010101" pitchFamily="2" charset="-122"/>
+                        <a:latin typeface="+mn-lt"/>
+                        <a:ea typeface="+mn-ea"/>
+                        <a:cs typeface="+mn-cs"/>
                       </a:endParaRPr>
                     </a:p>
                   </a:txBody>
@@ -9991,89 +12663,146 @@
                         </a:spcAft>
                       </a:pPr>
                       <a:r>
-                        <a:rPr lang="en-US" altLang="zh-CN" sz="800" kern="100" dirty="0" smtClean="0">
-                          <a:effectLst/>
+                        <a:rPr lang="en-US" altLang="zh-CN" sz="1200" kern="100" dirty="0" smtClean="0">
+                          <a:solidFill>
+                            <a:schemeClr val="dk1"/>
+                          </a:solidFill>
+                          <a:effectLst/>
+                          <a:latin typeface="+mn-lt"/>
+                          <a:ea typeface="+mn-ea"/>
+                          <a:cs typeface="+mn-cs"/>
                         </a:rPr>
                         <a:t>1</a:t>
                       </a:r>
                       <a:r>
-                        <a:rPr lang="zh-CN" sz="800" kern="100" dirty="0" smtClean="0">
-                          <a:effectLst/>
+                        <a:rPr lang="zh-CN" sz="1200" kern="100" dirty="0" smtClean="0">
+                          <a:solidFill>
+                            <a:schemeClr val="dk1"/>
+                          </a:solidFill>
+                          <a:effectLst/>
+                          <a:latin typeface="+mn-lt"/>
+                          <a:ea typeface="+mn-ea"/>
+                          <a:cs typeface="+mn-cs"/>
                         </a:rPr>
                         <a:t>应用</a:t>
                       </a:r>
                       <a:r>
-                        <a:rPr lang="zh-CN" sz="800" kern="100" dirty="0">
-                          <a:effectLst/>
+                        <a:rPr lang="zh-CN" sz="1200" kern="100" dirty="0">
+                          <a:solidFill>
+                            <a:schemeClr val="dk1"/>
+                          </a:solidFill>
+                          <a:effectLst/>
+                          <a:latin typeface="+mn-lt"/>
+                          <a:ea typeface="+mn-ea"/>
+                          <a:cs typeface="+mn-cs"/>
                         </a:rPr>
                         <a:t>环境</a:t>
                       </a:r>
                       <a:r>
-                        <a:rPr lang="zh-CN" sz="800" kern="100" dirty="0" smtClean="0">
-                          <a:effectLst/>
+                        <a:rPr lang="zh-CN" sz="1200" kern="100" dirty="0" smtClean="0">
+                          <a:solidFill>
+                            <a:schemeClr val="dk1"/>
+                          </a:solidFill>
+                          <a:effectLst/>
+                          <a:latin typeface="+mn-lt"/>
+                          <a:ea typeface="+mn-ea"/>
+                          <a:cs typeface="+mn-cs"/>
                         </a:rPr>
                         <a:t>建模</a:t>
                       </a:r>
                       <a:r>
-                        <a:rPr lang="en-US" altLang="zh-CN" sz="800" kern="100" baseline="0" dirty="0" smtClean="0">
-                          <a:effectLst/>
-                        </a:rPr>
-                        <a:t>    </a:t>
-                      </a:r>
-                      <a:r>
-                        <a:rPr lang="en-US" altLang="zh-CN" sz="800" kern="100" dirty="0" smtClean="0">
-                          <a:effectLst/>
-                        </a:rPr>
-                        <a:t>2</a:t>
-                      </a:r>
-                      <a:r>
-                        <a:rPr lang="zh-CN" sz="800" kern="100" dirty="0" smtClean="0">
-                          <a:effectLst/>
+                        <a:rPr lang="en-US" altLang="zh-CN" sz="1200" kern="100" dirty="0" smtClean="0">
+                          <a:solidFill>
+                            <a:schemeClr val="dk1"/>
+                          </a:solidFill>
+                          <a:effectLst/>
+                          <a:latin typeface="+mn-lt"/>
+                          <a:ea typeface="+mn-ea"/>
+                          <a:cs typeface="+mn-cs"/>
+                        </a:rPr>
+                        <a:t>    2</a:t>
+                      </a:r>
+                      <a:r>
+                        <a:rPr lang="zh-CN" sz="1200" kern="100" dirty="0" smtClean="0">
+                          <a:solidFill>
+                            <a:schemeClr val="dk1"/>
+                          </a:solidFill>
+                          <a:effectLst/>
+                          <a:latin typeface="+mn-lt"/>
+                          <a:ea typeface="+mn-ea"/>
+                          <a:cs typeface="+mn-cs"/>
                         </a:rPr>
                         <a:t>创建原型</a:t>
                       </a:r>
                       <a:r>
-                        <a:rPr lang="en-US" altLang="zh-CN" sz="800" kern="100" baseline="0" dirty="0" smtClean="0">
-                          <a:effectLst/>
-                        </a:rPr>
-                        <a:t>   </a:t>
-                      </a:r>
-                      <a:r>
-                        <a:rPr lang="en-US" altLang="zh-CN" sz="800" kern="100" dirty="0" smtClean="0">
-                          <a:effectLst/>
-                        </a:rPr>
-                        <a:t>3</a:t>
-                      </a:r>
-                      <a:r>
-                        <a:rPr lang="zh-CN" sz="800" kern="100" dirty="0" smtClean="0">
-                          <a:effectLst/>
+                        <a:rPr lang="en-US" altLang="zh-CN" sz="1200" kern="100" dirty="0" smtClean="0">
+                          <a:solidFill>
+                            <a:schemeClr val="dk1"/>
+                          </a:solidFill>
+                          <a:effectLst/>
+                          <a:latin typeface="+mn-lt"/>
+                          <a:ea typeface="+mn-ea"/>
+                          <a:cs typeface="+mn-cs"/>
+                        </a:rPr>
+                        <a:t>   3</a:t>
+                      </a:r>
+                      <a:r>
+                        <a:rPr lang="zh-CN" sz="1200" kern="100" dirty="0" smtClean="0">
+                          <a:solidFill>
+                            <a:schemeClr val="dk1"/>
+                          </a:solidFill>
+                          <a:effectLst/>
+                          <a:latin typeface="+mn-lt"/>
+                          <a:ea typeface="+mn-ea"/>
+                          <a:cs typeface="+mn-cs"/>
                         </a:rPr>
                         <a:t>分析可实现性</a:t>
                       </a:r>
                       <a:r>
-                        <a:rPr lang="en-US" altLang="zh-CN" sz="800" kern="100" baseline="0" dirty="0" smtClean="0">
-                          <a:effectLst/>
-                        </a:rPr>
-                        <a:t>    </a:t>
-                      </a:r>
-                      <a:r>
-                        <a:rPr lang="en-US" altLang="zh-CN" sz="800" kern="100" dirty="0" smtClean="0">
-                          <a:effectLst/>
-                        </a:rPr>
-                        <a:t>4</a:t>
-                      </a:r>
-                      <a:r>
-                        <a:rPr lang="zh-CN" sz="800" kern="100" dirty="0" smtClean="0">
-                          <a:effectLst/>
+                        <a:rPr lang="en-US" altLang="zh-CN" sz="1200" kern="100" dirty="0" smtClean="0">
+                          <a:solidFill>
+                            <a:schemeClr val="dk1"/>
+                          </a:solidFill>
+                          <a:effectLst/>
+                          <a:latin typeface="+mn-lt"/>
+                          <a:ea typeface="+mn-ea"/>
+                          <a:cs typeface="+mn-cs"/>
+                        </a:rPr>
+                        <a:t>    4</a:t>
+                      </a:r>
+                      <a:r>
+                        <a:rPr lang="zh-CN" sz="1200" kern="100" dirty="0" smtClean="0">
+                          <a:solidFill>
+                            <a:schemeClr val="dk1"/>
+                          </a:solidFill>
+                          <a:effectLst/>
+                          <a:latin typeface="+mn-lt"/>
+                          <a:ea typeface="+mn-ea"/>
+                          <a:cs typeface="+mn-cs"/>
                         </a:rPr>
                         <a:t>排列</a:t>
                       </a:r>
                       <a:r>
-                        <a:rPr lang="zh-CN" sz="800" kern="100" dirty="0">
-                          <a:effectLst/>
+                        <a:rPr lang="zh-CN" sz="1200" kern="100" dirty="0">
+                          <a:solidFill>
+                            <a:schemeClr val="dk1"/>
+                          </a:solidFill>
+                          <a:effectLst/>
+                          <a:latin typeface="+mn-lt"/>
+                          <a:ea typeface="+mn-ea"/>
+                          <a:cs typeface="+mn-cs"/>
                         </a:rPr>
                         <a:t>需求优先级</a:t>
                       </a:r>
+                      <a:endParaRPr lang="zh-CN" sz="1200" kern="100" dirty="0">
+                        <a:solidFill>
+                          <a:schemeClr val="dk1"/>
+                        </a:solidFill>
+                        <a:effectLst/>
+                        <a:latin typeface="+mn-lt"/>
+                        <a:ea typeface="+mn-ea"/>
+                        <a:cs typeface="+mn-cs"/>
+                      </a:endParaRPr>
                     </a:p>
                     <a:p>
                       <a:pPr indent="127000" algn="just">
@@ -10085,92 +12814,126 @@
                         </a:spcAft>
                       </a:pPr>
                       <a:r>
-                        <a:rPr lang="en-US" altLang="zh-CN" sz="800" kern="100" dirty="0" smtClean="0">
-                          <a:effectLst/>
+                        <a:rPr lang="en-US" altLang="zh-CN" sz="1200" kern="100" dirty="0" smtClean="0">
+                          <a:solidFill>
+                            <a:schemeClr val="dk1"/>
+                          </a:solidFill>
+                          <a:effectLst/>
+                          <a:latin typeface="+mn-lt"/>
+                          <a:ea typeface="+mn-ea"/>
+                          <a:cs typeface="+mn-cs"/>
                         </a:rPr>
                         <a:t>5</a:t>
                       </a:r>
                       <a:r>
-                        <a:rPr lang="zh-CN" sz="800" kern="100" dirty="0" smtClean="0">
-                          <a:effectLst/>
+                        <a:rPr lang="zh-CN" sz="1200" kern="100" dirty="0" smtClean="0">
+                          <a:solidFill>
+                            <a:schemeClr val="dk1"/>
+                          </a:solidFill>
+                          <a:effectLst/>
+                          <a:latin typeface="+mn-lt"/>
+                          <a:ea typeface="+mn-ea"/>
+                          <a:cs typeface="+mn-cs"/>
                         </a:rPr>
                         <a:t>创建数据字典</a:t>
                       </a:r>
                       <a:r>
-                        <a:rPr lang="en-US" altLang="zh-CN" sz="800" kern="100" baseline="0" dirty="0" smtClean="0">
-                          <a:effectLst/>
-                        </a:rPr>
-                        <a:t>    </a:t>
-                      </a:r>
-                      <a:r>
-                        <a:rPr lang="en-US" altLang="zh-CN" sz="800" kern="100" dirty="0" smtClean="0">
-                          <a:effectLst/>
-                        </a:rPr>
-                        <a:t>6</a:t>
-                      </a:r>
-                      <a:r>
-                        <a:rPr lang="zh-CN" sz="800" kern="100" dirty="0" smtClean="0">
-                          <a:effectLst/>
+                        <a:rPr lang="en-US" altLang="zh-CN" sz="1200" kern="100" dirty="0" smtClean="0">
+                          <a:solidFill>
+                            <a:schemeClr val="dk1"/>
+                          </a:solidFill>
+                          <a:effectLst/>
+                          <a:latin typeface="+mn-lt"/>
+                          <a:ea typeface="+mn-ea"/>
+                          <a:cs typeface="+mn-cs"/>
+                        </a:rPr>
+                        <a:t>    6</a:t>
+                      </a:r>
+                      <a:r>
+                        <a:rPr lang="zh-CN" sz="1200" kern="100" dirty="0" smtClean="0">
+                          <a:solidFill>
+                            <a:schemeClr val="dk1"/>
+                          </a:solidFill>
+                          <a:effectLst/>
+                          <a:latin typeface="+mn-lt"/>
+                          <a:ea typeface="+mn-ea"/>
+                          <a:cs typeface="+mn-cs"/>
                         </a:rPr>
                         <a:t>需求建模</a:t>
                       </a:r>
                       <a:r>
-                        <a:rPr lang="en-US" altLang="zh-CN" sz="800" kern="100" baseline="0" dirty="0" smtClean="0">
-                          <a:effectLst/>
-                        </a:rPr>
-                        <a:t>    </a:t>
-                      </a:r>
-                      <a:r>
-                        <a:rPr lang="en-US" altLang="zh-CN" sz="800" kern="100" dirty="0" smtClean="0">
-                          <a:effectLst/>
-                        </a:rPr>
-                        <a:t>7</a:t>
-                      </a:r>
-                      <a:r>
-                        <a:rPr lang="zh-CN" sz="800" kern="100" dirty="0" smtClean="0">
-                          <a:effectLst/>
+                        <a:rPr lang="en-US" altLang="zh-CN" sz="1200" kern="100" dirty="0" smtClean="0">
+                          <a:solidFill>
+                            <a:schemeClr val="dk1"/>
+                          </a:solidFill>
+                          <a:effectLst/>
+                          <a:latin typeface="+mn-lt"/>
+                          <a:ea typeface="+mn-ea"/>
+                          <a:cs typeface="+mn-cs"/>
+                        </a:rPr>
+                        <a:t>    7</a:t>
+                      </a:r>
+                      <a:r>
+                        <a:rPr lang="zh-CN" sz="1200" kern="100" dirty="0" smtClean="0">
+                          <a:solidFill>
+                            <a:schemeClr val="dk1"/>
+                          </a:solidFill>
+                          <a:effectLst/>
+                          <a:latin typeface="+mn-lt"/>
+                          <a:ea typeface="+mn-ea"/>
+                          <a:cs typeface="+mn-cs"/>
                         </a:rPr>
                         <a:t>分析接口</a:t>
                       </a:r>
                       <a:r>
-                        <a:rPr lang="en-US" altLang="zh-CN" sz="800" kern="100" baseline="0" dirty="0" smtClean="0">
-                          <a:effectLst/>
-                        </a:rPr>
-                        <a:t>    </a:t>
-                      </a:r>
-                      <a:r>
-                        <a:rPr lang="en-US" altLang="zh-CN" sz="800" kern="100" dirty="0" smtClean="0">
-                          <a:effectLst/>
-                        </a:rPr>
-                        <a:t>8</a:t>
-                      </a:r>
-                      <a:r>
-                        <a:rPr lang="zh-CN" sz="800" kern="100" dirty="0" smtClean="0">
-                          <a:effectLst/>
+                        <a:rPr lang="en-US" altLang="zh-CN" sz="1200" kern="100" dirty="0" smtClean="0">
+                          <a:solidFill>
+                            <a:schemeClr val="dk1"/>
+                          </a:solidFill>
+                          <a:effectLst/>
+                          <a:latin typeface="+mn-lt"/>
+                          <a:ea typeface="+mn-ea"/>
+                          <a:cs typeface="+mn-cs"/>
+                        </a:rPr>
+                        <a:t>    8</a:t>
+                      </a:r>
+                      <a:r>
+                        <a:rPr lang="zh-CN" sz="1200" kern="100" dirty="0" smtClean="0">
+                          <a:solidFill>
+                            <a:schemeClr val="dk1"/>
+                          </a:solidFill>
+                          <a:effectLst/>
+                          <a:latin typeface="+mn-lt"/>
+                          <a:ea typeface="+mn-ea"/>
+                          <a:cs typeface="+mn-cs"/>
                         </a:rPr>
                         <a:t>将</a:t>
                       </a:r>
                       <a:r>
-                        <a:rPr lang="zh-CN" sz="800" kern="100" dirty="0">
-                          <a:effectLst/>
+                        <a:rPr lang="zh-CN" sz="1200" kern="100" dirty="0">
+                          <a:solidFill>
+                            <a:schemeClr val="dk1"/>
+                          </a:solidFill>
+                          <a:effectLst/>
+                          <a:latin typeface="+mn-lt"/>
+                          <a:ea typeface="+mn-ea"/>
+                          <a:cs typeface="+mn-cs"/>
                         </a:rPr>
                         <a:t>需求分配到子系统</a:t>
                       </a:r>
-                      <a:endParaRPr lang="zh-CN" sz="800" kern="100" dirty="0">
+                      <a:endParaRPr lang="zh-CN" sz="1200" kern="100" dirty="0">
+                        <a:solidFill>
+                          <a:schemeClr val="dk1"/>
+                        </a:solidFill>
                         <a:effectLst/>
-                        <a:latin typeface="Times New Roman" panose="02020603050405020304" pitchFamily="18" charset="0"/>
-                        <a:ea typeface="宋体" panose="02010600030101010101" pitchFamily="2" charset="-122"/>
-                        <a:cs typeface="宋体" panose="02010600030101010101" pitchFamily="2" charset="-122"/>
+                        <a:latin typeface="+mn-lt"/>
+                        <a:ea typeface="+mn-ea"/>
+                        <a:cs typeface="+mn-cs"/>
                       </a:endParaRPr>
                     </a:p>
                   </a:txBody>
                   <a:tcPr marL="50832" marR="50832" marT="0" marB="0"/>
                 </a:tc>
-                <a:extLst>
-                  <a:ext uri="{0D108BD9-81ED-4DB2-BD59-A6C34878D82A}">
-                    <a16:rowId xmlns:a16="http://schemas.microsoft.com/office/drawing/2014/main" val="1319050038"/>
-                  </a:ext>
-                </a:extLst>
               </a:tr>
             </a:tbl>
           </a:graphicData>
@@ -10182,17 +12945,11 @@
           <p:cNvGraphicFramePr>
             <a:graphicFrameLocks noGrp="1"/>
           </p:cNvGraphicFramePr>
-          <p:nvPr>
-            <p:extLst>
-              <p:ext uri="{D42A27DB-BD31-4B8C-83A1-F6EECF244321}">
-                <p14:modId xmlns:p14="http://schemas.microsoft.com/office/powerpoint/2010/main" val="1010048037"/>
-              </p:ext>
-            </p:extLst>
-          </p:nvPr>
+          <p:nvPr/>
         </p:nvGraphicFramePr>
         <p:xfrm>
           <a:off x="6482038" y="1705718"/>
-          <a:ext cx="5550227" cy="4932506"/>
+          <a:ext cx="5550227" cy="4932061"/>
         </p:xfrm>
         <a:graphic>
           <a:graphicData uri="http://schemas.openxmlformats.org/drawingml/2006/table">
@@ -10201,22 +12958,250 @@
                 <a:tableStyleId>{5C22544A-7EE6-4342-B048-85BDC9FD1C3A}</a:tableStyleId>
               </a:tblPr>
               <a:tblGrid>
-                <a:gridCol w="1406646">
-                  <a:extLst>
-                    <a:ext uri="{9D8B030D-6E8A-4147-A177-3AD203B41FA5}">
-                      <a16:colId xmlns:a16="http://schemas.microsoft.com/office/drawing/2014/main" val="486732839"/>
-                    </a:ext>
-                  </a:extLst>
-                </a:gridCol>
-                <a:gridCol w="4143581">
-                  <a:extLst>
-                    <a:ext uri="{9D8B030D-6E8A-4147-A177-3AD203B41FA5}">
-                      <a16:colId xmlns:a16="http://schemas.microsoft.com/office/drawing/2014/main" val="4045753729"/>
-                    </a:ext>
-                  </a:extLst>
-                </a:gridCol>
+                <a:gridCol w="1406646"/>
+                <a:gridCol w="4143581"/>
               </a:tblGrid>
               <a:tr h="1438801">
+                <a:tc>
+                  <a:txBody>
+                    <a:bodyPr/>
+                    <a:lstStyle/>
+                    <a:p>
+                      <a:pPr marL="0" indent="127000" algn="just" defTabSz="913765" rtl="0" eaLnBrk="1" latinLnBrk="0" hangingPunct="1">
+                        <a:lnSpc>
+                          <a:spcPts val="2000"/>
+                        </a:lnSpc>
+                        <a:spcAft>
+                          <a:spcPts val="0"/>
+                        </a:spcAft>
+                      </a:pPr>
+                      <a:endParaRPr lang="en-US" altLang="zh-CN" sz="1800" b="1" kern="100" dirty="0" smtClean="0">
+                        <a:solidFill>
+                          <a:schemeClr val="lt1"/>
+                        </a:solidFill>
+                        <a:effectLst/>
+                        <a:latin typeface="+mn-lt"/>
+                        <a:ea typeface="+mn-ea"/>
+                        <a:cs typeface="+mn-cs"/>
+                      </a:endParaRPr>
+                    </a:p>
+                    <a:p>
+                      <a:pPr marL="0" indent="127000" algn="just" defTabSz="913765" rtl="0" eaLnBrk="1" latinLnBrk="0" hangingPunct="1">
+                        <a:lnSpc>
+                          <a:spcPts val="2000"/>
+                        </a:lnSpc>
+                        <a:spcAft>
+                          <a:spcPts val="0"/>
+                        </a:spcAft>
+                      </a:pPr>
+                      <a:endParaRPr lang="en-US" altLang="zh-CN" sz="1800" b="1" kern="100" dirty="0" smtClean="0">
+                        <a:solidFill>
+                          <a:schemeClr val="lt1"/>
+                        </a:solidFill>
+                        <a:effectLst/>
+                        <a:latin typeface="+mn-lt"/>
+                        <a:ea typeface="+mn-ea"/>
+                        <a:cs typeface="+mn-cs"/>
+                      </a:endParaRPr>
+                    </a:p>
+                    <a:p>
+                      <a:pPr marL="0" indent="127000" algn="just" defTabSz="913765" rtl="0" eaLnBrk="1" latinLnBrk="0" hangingPunct="1">
+                        <a:lnSpc>
+                          <a:spcPts val="2000"/>
+                        </a:lnSpc>
+                        <a:spcAft>
+                          <a:spcPts val="0"/>
+                        </a:spcAft>
+                      </a:pPr>
+                      <a:r>
+                        <a:rPr lang="zh-CN" sz="1800" b="1" kern="100" dirty="0" smtClean="0">
+                          <a:solidFill>
+                            <a:schemeClr val="lt1"/>
+                          </a:solidFill>
+                          <a:effectLst/>
+                          <a:latin typeface="+mn-lt"/>
+                          <a:ea typeface="+mn-ea"/>
+                          <a:cs typeface="+mn-cs"/>
+                        </a:rPr>
+                        <a:t>规格说明</a:t>
+                      </a:r>
+                      <a:endParaRPr lang="zh-CN" sz="1800" b="1" kern="100" dirty="0">
+                        <a:solidFill>
+                          <a:schemeClr val="lt1"/>
+                        </a:solidFill>
+                        <a:effectLst/>
+                        <a:latin typeface="+mn-lt"/>
+                        <a:ea typeface="+mn-ea"/>
+                        <a:cs typeface="+mn-cs"/>
+                      </a:endParaRPr>
+                    </a:p>
+                  </a:txBody>
+                  <a:tcPr marL="45187" marR="45187" marT="0" marB="0"/>
+                </a:tc>
+                <a:tc>
+                  <a:txBody>
+                    <a:bodyPr/>
+                    <a:lstStyle/>
+                    <a:p>
+                      <a:pPr marL="0" indent="127000" algn="just" defTabSz="913765" rtl="0" eaLnBrk="1" latinLnBrk="0" hangingPunct="1">
+                        <a:lnSpc>
+                          <a:spcPts val="2000"/>
+                        </a:lnSpc>
+                        <a:spcAft>
+                          <a:spcPts val="0"/>
+                        </a:spcAft>
+                      </a:pPr>
+                      <a:r>
+                        <a:rPr lang="zh-CN" sz="1200" kern="100" dirty="0">
+                          <a:solidFill>
+                            <a:schemeClr val="bg1"/>
+                          </a:solidFill>
+                          <a:effectLst/>
+                          <a:latin typeface="+mn-lt"/>
+                          <a:ea typeface="+mn-ea"/>
+                          <a:cs typeface="+mn-cs"/>
+                        </a:rPr>
+                        <a:t>采用需求文档模板</a:t>
+                      </a:r>
+                      <a:endParaRPr lang="zh-CN" sz="1200" kern="100" dirty="0">
+                        <a:solidFill>
+                          <a:schemeClr val="bg1"/>
+                        </a:solidFill>
+                        <a:effectLst/>
+                        <a:latin typeface="+mn-lt"/>
+                        <a:ea typeface="+mn-ea"/>
+                        <a:cs typeface="+mn-cs"/>
+                      </a:endParaRPr>
+                    </a:p>
+                    <a:p>
+                      <a:pPr marL="0" indent="127000" algn="just" defTabSz="913765" rtl="0" eaLnBrk="1" latinLnBrk="0" hangingPunct="1">
+                        <a:lnSpc>
+                          <a:spcPts val="2000"/>
+                        </a:lnSpc>
+                        <a:spcAft>
+                          <a:spcPts val="0"/>
+                        </a:spcAft>
+                      </a:pPr>
+                      <a:r>
+                        <a:rPr lang="zh-CN" sz="1200" kern="100" dirty="0">
+                          <a:solidFill>
+                            <a:schemeClr val="bg1"/>
+                          </a:solidFill>
+                          <a:effectLst/>
+                          <a:latin typeface="+mn-lt"/>
+                          <a:ea typeface="+mn-ea"/>
+                          <a:cs typeface="+mn-cs"/>
+                        </a:rPr>
+                        <a:t>识别需求源头</a:t>
+                      </a:r>
+                      <a:endParaRPr lang="zh-CN" sz="1200" kern="100" dirty="0">
+                        <a:solidFill>
+                          <a:schemeClr val="bg1"/>
+                        </a:solidFill>
+                        <a:effectLst/>
+                        <a:latin typeface="+mn-lt"/>
+                        <a:ea typeface="+mn-ea"/>
+                        <a:cs typeface="+mn-cs"/>
+                      </a:endParaRPr>
+                    </a:p>
+                    <a:p>
+                      <a:pPr marL="0" indent="127000" algn="just" defTabSz="913765" rtl="0" eaLnBrk="1" latinLnBrk="0" hangingPunct="1">
+                        <a:lnSpc>
+                          <a:spcPts val="2000"/>
+                        </a:lnSpc>
+                        <a:spcAft>
+                          <a:spcPts val="0"/>
+                        </a:spcAft>
+                      </a:pPr>
+                      <a:r>
+                        <a:rPr lang="zh-CN" sz="1200" kern="100" dirty="0">
+                          <a:solidFill>
+                            <a:schemeClr val="bg1"/>
+                          </a:solidFill>
+                          <a:effectLst/>
+                          <a:latin typeface="+mn-lt"/>
+                          <a:ea typeface="+mn-ea"/>
+                          <a:cs typeface="+mn-cs"/>
+                        </a:rPr>
+                        <a:t>为每个需求分配唯一标识</a:t>
+                      </a:r>
+                      <a:endParaRPr lang="zh-CN" sz="1200" kern="100" dirty="0">
+                        <a:solidFill>
+                          <a:schemeClr val="bg1"/>
+                        </a:solidFill>
+                        <a:effectLst/>
+                        <a:latin typeface="+mn-lt"/>
+                        <a:ea typeface="+mn-ea"/>
+                        <a:cs typeface="+mn-cs"/>
+                      </a:endParaRPr>
+                    </a:p>
+                    <a:p>
+                      <a:pPr marL="0" indent="127000" algn="just" defTabSz="913765" rtl="0" eaLnBrk="1" latinLnBrk="0" hangingPunct="1">
+                        <a:lnSpc>
+                          <a:spcPts val="2000"/>
+                        </a:lnSpc>
+                        <a:spcAft>
+                          <a:spcPts val="0"/>
+                        </a:spcAft>
+                      </a:pPr>
+                      <a:r>
+                        <a:rPr lang="zh-CN" sz="1200" kern="100" dirty="0">
+                          <a:solidFill>
+                            <a:schemeClr val="bg1"/>
+                          </a:solidFill>
+                          <a:effectLst/>
+                          <a:latin typeface="+mn-lt"/>
+                          <a:ea typeface="+mn-ea"/>
+                          <a:cs typeface="+mn-cs"/>
+                        </a:rPr>
+                        <a:t>记录业务规则</a:t>
+                      </a:r>
+                      <a:endParaRPr lang="zh-CN" sz="1200" kern="100" dirty="0">
+                        <a:solidFill>
+                          <a:schemeClr val="bg1"/>
+                        </a:solidFill>
+                        <a:effectLst/>
+                        <a:latin typeface="+mn-lt"/>
+                        <a:ea typeface="+mn-ea"/>
+                        <a:cs typeface="+mn-cs"/>
+                      </a:endParaRPr>
+                    </a:p>
+                    <a:p>
+                      <a:pPr marL="0" indent="127000" algn="just" defTabSz="913765" rtl="0" eaLnBrk="1" latinLnBrk="0" hangingPunct="1">
+                        <a:lnSpc>
+                          <a:spcPts val="2000"/>
+                        </a:lnSpc>
+                        <a:spcAft>
+                          <a:spcPts val="0"/>
+                        </a:spcAft>
+                      </a:pPr>
+                      <a:r>
+                        <a:rPr lang="zh-CN" sz="1200" kern="100" dirty="0">
+                          <a:solidFill>
+                            <a:schemeClr val="bg1"/>
+                          </a:solidFill>
+                          <a:effectLst/>
+                          <a:latin typeface="+mn-lt"/>
+                          <a:ea typeface="+mn-ea"/>
+                          <a:cs typeface="+mn-cs"/>
+                        </a:rPr>
+                        <a:t>描述非功能性需求</a:t>
+                      </a:r>
+                      <a:endParaRPr lang="zh-CN" sz="1200" kern="100" dirty="0">
+                        <a:solidFill>
+                          <a:schemeClr val="bg1"/>
+                        </a:solidFill>
+                        <a:effectLst/>
+                        <a:latin typeface="+mn-lt"/>
+                        <a:ea typeface="+mn-ea"/>
+                        <a:cs typeface="+mn-cs"/>
+                      </a:endParaRPr>
+                    </a:p>
+                  </a:txBody>
+                  <a:tcPr marL="45187" marR="45187" marT="0" marB="0"/>
+                </a:tc>
+              </a:tr>
+              <a:tr h="629459">
                 <a:tc>
                   <a:txBody>
                     <a:bodyPr/>
@@ -10230,13 +13215,26 @@
                           <a:spcPts val="0"/>
                         </a:spcAft>
                       </a:pPr>
-                      <a:r>
-                        <a:rPr lang="zh-CN" sz="800" kern="100">
-                          <a:effectLst/>
-                        </a:rPr>
-                        <a:t>规格说明</a:t>
-                      </a:r>
-                      <a:endParaRPr lang="zh-CN" sz="800" kern="100">
+                      <a:endParaRPr lang="en-US" altLang="zh-CN" sz="1800" kern="100" dirty="0" smtClean="0">
+                        <a:effectLst/>
+                      </a:endParaRPr>
+                    </a:p>
+                    <a:p>
+                      <a:pPr indent="127000" algn="just">
+                        <a:lnSpc>
+                          <a:spcPts val="2000"/>
+                        </a:lnSpc>
+                        <a:spcAft>
+                          <a:spcPts val="0"/>
+                        </a:spcAft>
+                      </a:pPr>
+                      <a:r>
+                        <a:rPr lang="zh-CN" sz="1800" kern="100" dirty="0" smtClean="0">
+                          <a:effectLst/>
+                        </a:rPr>
+                        <a:t>需求验证</a:t>
+                      </a:r>
+                      <a:endParaRPr lang="zh-CN" sz="1800" kern="100" dirty="0">
                         <a:effectLst/>
                         <a:latin typeface="Times New Roman" panose="02020603050405020304" pitchFamily="18" charset="0"/>
                         <a:ea typeface="宋体" panose="02010600030101010101" pitchFamily="2" charset="-122"/>
@@ -10260,11 +13258,74 @@
                         </a:spcAft>
                       </a:pPr>
                       <a:r>
-                        <a:rPr lang="zh-CN" sz="800" kern="100">
-                          <a:effectLst/>
-                        </a:rPr>
-                        <a:t>采用需求文档模板</a:t>
-                      </a:r>
+                        <a:rPr lang="zh-CN" sz="1200" kern="100" dirty="0">
+                          <a:solidFill>
+                            <a:schemeClr val="dk1"/>
+                          </a:solidFill>
+                          <a:effectLst/>
+                          <a:latin typeface="+mn-lt"/>
+                          <a:ea typeface="+mn-ea"/>
+                          <a:cs typeface="+mn-cs"/>
+                        </a:rPr>
+                        <a:t>评审</a:t>
+                      </a:r>
+                      <a:r>
+                        <a:rPr lang="zh-CN" sz="1200" kern="100" dirty="0" smtClean="0">
+                          <a:solidFill>
+                            <a:schemeClr val="dk1"/>
+                          </a:solidFill>
+                          <a:effectLst/>
+                          <a:latin typeface="+mn-lt"/>
+                          <a:ea typeface="+mn-ea"/>
+                          <a:cs typeface="+mn-cs"/>
+                        </a:rPr>
+                        <a:t>需求</a:t>
+                      </a:r>
+                      <a:r>
+                        <a:rPr lang="en-US" altLang="zh-CN" sz="1200" kern="100" baseline="0" dirty="0" smtClean="0">
+                          <a:solidFill>
+                            <a:schemeClr val="dk1"/>
+                          </a:solidFill>
+                          <a:effectLst/>
+                          <a:latin typeface="+mn-lt"/>
+                          <a:ea typeface="+mn-ea"/>
+                          <a:cs typeface="+mn-cs"/>
+                        </a:rPr>
+                        <a:t>                        </a:t>
+                      </a:r>
+                      <a:r>
+                        <a:rPr lang="zh-CN" sz="1200" kern="100" dirty="0" smtClean="0">
+                          <a:solidFill>
+                            <a:schemeClr val="dk1"/>
+                          </a:solidFill>
+                          <a:effectLst/>
+                          <a:latin typeface="+mn-lt"/>
+                          <a:ea typeface="+mn-ea"/>
+                          <a:cs typeface="+mn-cs"/>
+                        </a:rPr>
+                        <a:t>测试</a:t>
+                      </a:r>
+                      <a:r>
+                        <a:rPr lang="zh-CN" sz="1200" kern="100" dirty="0">
+                          <a:solidFill>
+                            <a:schemeClr val="dk1"/>
+                          </a:solidFill>
+                          <a:effectLst/>
+                          <a:latin typeface="+mn-lt"/>
+                          <a:ea typeface="+mn-ea"/>
+                          <a:cs typeface="+mn-cs"/>
+                        </a:rPr>
+                        <a:t>需求</a:t>
+                      </a:r>
+                      <a:endParaRPr lang="zh-CN" sz="1200" kern="100" dirty="0">
+                        <a:solidFill>
+                          <a:schemeClr val="dk1"/>
+                        </a:solidFill>
+                        <a:effectLst/>
+                        <a:latin typeface="+mn-lt"/>
+                        <a:ea typeface="+mn-ea"/>
+                        <a:cs typeface="+mn-cs"/>
+                      </a:endParaRPr>
                     </a:p>
                     <a:p>
                       <a:pPr indent="127000" algn="just">
@@ -10276,76 +13337,80 @@
                         </a:spcAft>
                       </a:pPr>
                       <a:r>
-                        <a:rPr lang="zh-CN" sz="800" kern="100">
-                          <a:effectLst/>
-                        </a:rPr>
-                        <a:t>识别需求源头</a:t>
-                      </a:r>
-                    </a:p>
-                    <a:p>
-                      <a:pPr indent="127000" algn="just">
-                        <a:lnSpc>
-                          <a:spcPts val="2000"/>
-                        </a:lnSpc>
-                        <a:spcAft>
-                          <a:spcPts val="0"/>
-                        </a:spcAft>
-                      </a:pPr>
-                      <a:r>
-                        <a:rPr lang="zh-CN" sz="800" kern="100">
-                          <a:effectLst/>
-                        </a:rPr>
-                        <a:t>为每个需求分配唯一标识</a:t>
-                      </a:r>
-                    </a:p>
-                    <a:p>
-                      <a:pPr indent="127000" algn="just">
-                        <a:lnSpc>
-                          <a:spcPts val="2000"/>
-                        </a:lnSpc>
-                        <a:spcAft>
-                          <a:spcPts val="0"/>
-                        </a:spcAft>
-                      </a:pPr>
-                      <a:r>
-                        <a:rPr lang="zh-CN" sz="800" kern="100">
-                          <a:effectLst/>
-                        </a:rPr>
-                        <a:t>记录业务规则</a:t>
-                      </a:r>
-                    </a:p>
-                    <a:p>
-                      <a:pPr indent="127000" algn="just">
-                        <a:lnSpc>
-                          <a:spcPts val="2000"/>
-                        </a:lnSpc>
-                        <a:spcAft>
-                          <a:spcPts val="0"/>
-                        </a:spcAft>
-                      </a:pPr>
-                      <a:r>
-                        <a:rPr lang="zh-CN" sz="800" kern="100">
-                          <a:effectLst/>
-                        </a:rPr>
-                        <a:t>描述非功能性需求</a:t>
-                      </a:r>
-                      <a:endParaRPr lang="zh-CN" sz="800" kern="100">
+                        <a:rPr lang="zh-CN" sz="1200" kern="100" dirty="0">
+                          <a:solidFill>
+                            <a:schemeClr val="dk1"/>
+                          </a:solidFill>
+                          <a:effectLst/>
+                          <a:latin typeface="+mn-lt"/>
+                          <a:ea typeface="+mn-ea"/>
+                          <a:cs typeface="+mn-cs"/>
+                        </a:rPr>
+                        <a:t>定义验收</a:t>
+                      </a:r>
+                      <a:r>
+                        <a:rPr lang="zh-CN" sz="1200" kern="100" dirty="0" smtClean="0">
+                          <a:solidFill>
+                            <a:schemeClr val="dk1"/>
+                          </a:solidFill>
+                          <a:effectLst/>
+                          <a:latin typeface="+mn-lt"/>
+                          <a:ea typeface="+mn-ea"/>
+                          <a:cs typeface="+mn-cs"/>
+                        </a:rPr>
+                        <a:t>条件</a:t>
+                      </a:r>
+                      <a:r>
+                        <a:rPr lang="en-US" altLang="zh-CN" sz="1200" kern="100" baseline="0" dirty="0" smtClean="0">
+                          <a:solidFill>
+                            <a:schemeClr val="dk1"/>
+                          </a:solidFill>
+                          <a:effectLst/>
+                          <a:latin typeface="+mn-lt"/>
+                          <a:ea typeface="+mn-ea"/>
+                          <a:cs typeface="+mn-cs"/>
+                        </a:rPr>
+                        <a:t>               </a:t>
+                      </a:r>
+                      <a:r>
+                        <a:rPr lang="zh-CN" sz="1200" kern="100" dirty="0" smtClean="0">
+                          <a:solidFill>
+                            <a:schemeClr val="dk1"/>
+                          </a:solidFill>
+                          <a:effectLst/>
+                          <a:latin typeface="+mn-lt"/>
+                          <a:ea typeface="+mn-ea"/>
+                          <a:cs typeface="+mn-cs"/>
+                        </a:rPr>
+                        <a:t>模拟</a:t>
+                      </a:r>
+                      <a:r>
+                        <a:rPr lang="zh-CN" sz="1200" kern="100" dirty="0">
+                          <a:solidFill>
+                            <a:schemeClr val="dk1"/>
+                          </a:solidFill>
+                          <a:effectLst/>
+                          <a:latin typeface="+mn-lt"/>
+                          <a:ea typeface="+mn-ea"/>
+                          <a:cs typeface="+mn-cs"/>
+                        </a:rPr>
+                        <a:t>需求</a:t>
+                      </a:r>
+                      <a:endParaRPr lang="zh-CN" sz="1200" kern="100" dirty="0">
+                        <a:solidFill>
+                          <a:schemeClr val="dk1"/>
+                        </a:solidFill>
                         <a:effectLst/>
-                        <a:latin typeface="Times New Roman" panose="02020603050405020304" pitchFamily="18" charset="0"/>
-                        <a:ea typeface="宋体" panose="02010600030101010101" pitchFamily="2" charset="-122"/>
-                        <a:cs typeface="宋体" panose="02010600030101010101" pitchFamily="2" charset="-122"/>
+                        <a:latin typeface="+mn-lt"/>
+                        <a:ea typeface="+mn-ea"/>
+                        <a:cs typeface="+mn-cs"/>
                       </a:endParaRPr>
                     </a:p>
                   </a:txBody>
                   <a:tcPr marL="45187" marR="45187" marT="0" marB="0"/>
                 </a:tc>
-                <a:extLst>
-                  <a:ext uri="{0D108BD9-81ED-4DB2-BD59-A6C34878D82A}">
-                    <a16:rowId xmlns:a16="http://schemas.microsoft.com/office/drawing/2014/main" val="2829146935"/>
-                  </a:ext>
-                </a:extLst>
               </a:tr>
-              <a:tr h="1067382">
+              <a:tr h="806297">
                 <a:tc>
                   <a:txBody>
                     <a:bodyPr/>
@@ -10359,13 +13424,32 @@
                           <a:spcPts val="0"/>
                         </a:spcAft>
                       </a:pPr>
-                      <a:r>
-                        <a:rPr lang="zh-CN" sz="800" kern="100">
-                          <a:effectLst/>
-                        </a:rPr>
-                        <a:t>需求验证</a:t>
-                      </a:r>
-                      <a:endParaRPr lang="zh-CN" sz="800" kern="100">
+                      <a:endParaRPr lang="en-US" altLang="zh-CN" sz="800" kern="100" dirty="0" smtClean="0">
+                        <a:effectLst/>
+                      </a:endParaRPr>
+                    </a:p>
+                    <a:p>
+                      <a:pPr indent="127000" algn="just">
+                        <a:lnSpc>
+                          <a:spcPts val="2000"/>
+                        </a:lnSpc>
+                        <a:spcAft>
+                          <a:spcPts val="0"/>
+                        </a:spcAft>
+                      </a:pPr>
+                      <a:r>
+                        <a:rPr lang="zh-CN" sz="1800" kern="100" dirty="0" smtClean="0">
+                          <a:effectLst/>
+                        </a:rPr>
+                        <a:t>需求</a:t>
+                      </a:r>
+                      <a:r>
+                        <a:rPr lang="zh-CN" sz="1800" kern="100" dirty="0">
+                          <a:effectLst/>
+                        </a:rPr>
+                        <a:t>管理</a:t>
+                      </a:r>
+                      <a:endParaRPr lang="zh-CN" sz="1800" kern="100" dirty="0">
                         <a:effectLst/>
                         <a:latin typeface="Times New Roman" panose="02020603050405020304" pitchFamily="18" charset="0"/>
                         <a:ea typeface="宋体" panose="02010600030101010101" pitchFamily="2" charset="-122"/>
@@ -10389,11 +13473,146 @@
                         </a:spcAft>
                       </a:pPr>
                       <a:r>
-                        <a:rPr lang="zh-CN" sz="800" kern="100">
-                          <a:effectLst/>
-                        </a:rPr>
-                        <a:t>评审需求</a:t>
-                      </a:r>
+                        <a:rPr lang="en-US" altLang="zh-CN" sz="1200" kern="100" dirty="0" smtClean="0">
+                          <a:solidFill>
+                            <a:schemeClr val="dk1"/>
+                          </a:solidFill>
+                          <a:effectLst/>
+                          <a:latin typeface="+mn-lt"/>
+                          <a:ea typeface="+mn-ea"/>
+                          <a:cs typeface="+mn-cs"/>
+                        </a:rPr>
+                        <a:t>1</a:t>
+                      </a:r>
+                      <a:r>
+                        <a:rPr lang="zh-CN" sz="1200" kern="100" dirty="0" smtClean="0">
+                          <a:solidFill>
+                            <a:schemeClr val="dk1"/>
+                          </a:solidFill>
+                          <a:effectLst/>
+                          <a:latin typeface="+mn-lt"/>
+                          <a:ea typeface="+mn-ea"/>
+                          <a:cs typeface="+mn-cs"/>
+                        </a:rPr>
+                        <a:t>定义</a:t>
+                      </a:r>
+                      <a:r>
+                        <a:rPr lang="zh-CN" sz="1200" kern="100" dirty="0">
+                          <a:solidFill>
+                            <a:schemeClr val="dk1"/>
+                          </a:solidFill>
+                          <a:effectLst/>
+                          <a:latin typeface="+mn-lt"/>
+                          <a:ea typeface="+mn-ea"/>
+                          <a:cs typeface="+mn-cs"/>
+                        </a:rPr>
+                        <a:t>需求变更控制</a:t>
+                      </a:r>
+                      <a:r>
+                        <a:rPr lang="zh-CN" sz="1200" kern="100" dirty="0" smtClean="0">
+                          <a:solidFill>
+                            <a:schemeClr val="dk1"/>
+                          </a:solidFill>
+                          <a:effectLst/>
+                          <a:latin typeface="+mn-lt"/>
+                          <a:ea typeface="+mn-ea"/>
+                          <a:cs typeface="+mn-cs"/>
+                        </a:rPr>
+                        <a:t>流程</a:t>
+                      </a:r>
+                      <a:r>
+                        <a:rPr lang="en-US" altLang="zh-CN" sz="1200" kern="100" dirty="0" smtClean="0">
+                          <a:solidFill>
+                            <a:schemeClr val="dk1"/>
+                          </a:solidFill>
+                          <a:effectLst/>
+                          <a:latin typeface="+mn-lt"/>
+                          <a:ea typeface="+mn-ea"/>
+                          <a:cs typeface="+mn-cs"/>
+                        </a:rPr>
+                        <a:t>    2</a:t>
+                      </a:r>
+                      <a:r>
+                        <a:rPr lang="zh-CN" sz="1200" kern="100" dirty="0" smtClean="0">
+                          <a:solidFill>
+                            <a:schemeClr val="dk1"/>
+                          </a:solidFill>
+                          <a:effectLst/>
+                          <a:latin typeface="+mn-lt"/>
+                          <a:ea typeface="+mn-ea"/>
+                          <a:cs typeface="+mn-cs"/>
+                        </a:rPr>
+                        <a:t>分析</a:t>
+                      </a:r>
+                      <a:r>
+                        <a:rPr lang="zh-CN" sz="1200" kern="100" dirty="0">
+                          <a:solidFill>
+                            <a:schemeClr val="dk1"/>
+                          </a:solidFill>
+                          <a:effectLst/>
+                          <a:latin typeface="+mn-lt"/>
+                          <a:ea typeface="+mn-ea"/>
+                          <a:cs typeface="+mn-cs"/>
+                        </a:rPr>
+                        <a:t>变更</a:t>
+                      </a:r>
+                      <a:r>
+                        <a:rPr lang="zh-CN" sz="1200" kern="100" dirty="0" smtClean="0">
+                          <a:solidFill>
+                            <a:schemeClr val="dk1"/>
+                          </a:solidFill>
+                          <a:effectLst/>
+                          <a:latin typeface="+mn-lt"/>
+                          <a:ea typeface="+mn-ea"/>
+                          <a:cs typeface="+mn-cs"/>
+                        </a:rPr>
+                        <a:t>影响</a:t>
+                      </a:r>
+                      <a:r>
+                        <a:rPr lang="en-US" altLang="zh-CN" sz="1200" kern="100" dirty="0" smtClean="0">
+                          <a:solidFill>
+                            <a:schemeClr val="dk1"/>
+                          </a:solidFill>
+                          <a:effectLst/>
+                          <a:latin typeface="+mn-lt"/>
+                          <a:ea typeface="+mn-ea"/>
+                          <a:cs typeface="+mn-cs"/>
+                        </a:rPr>
+                        <a:t>    3</a:t>
+                      </a:r>
+                      <a:r>
+                        <a:rPr lang="zh-CN" sz="1200" kern="100" dirty="0" smtClean="0">
+                          <a:solidFill>
+                            <a:schemeClr val="dk1"/>
+                          </a:solidFill>
+                          <a:effectLst/>
+                          <a:latin typeface="+mn-lt"/>
+                          <a:ea typeface="+mn-ea"/>
+                          <a:cs typeface="+mn-cs"/>
+                        </a:rPr>
+                        <a:t>建立</a:t>
+                      </a:r>
+                      <a:r>
+                        <a:rPr lang="zh-CN" sz="1200" kern="100" dirty="0">
+                          <a:solidFill>
+                            <a:schemeClr val="dk1"/>
+                          </a:solidFill>
+                          <a:effectLst/>
+                          <a:latin typeface="+mn-lt"/>
+                          <a:ea typeface="+mn-ea"/>
+                          <a:cs typeface="+mn-cs"/>
+                        </a:rPr>
+                        <a:t>基线，管理需求版本</a:t>
+                      </a:r>
+                      <a:endParaRPr lang="zh-CN" sz="1200" kern="100" dirty="0">
+                        <a:solidFill>
+                          <a:schemeClr val="dk1"/>
+                        </a:solidFill>
+                        <a:effectLst/>
+                        <a:latin typeface="+mn-lt"/>
+                        <a:ea typeface="+mn-ea"/>
+                        <a:cs typeface="+mn-cs"/>
+                      </a:endParaRPr>
                     </a:p>
                     <a:p>
                       <a:pPr indent="127000" algn="just">
@@ -10405,11 +13624,98 @@
                         </a:spcAft>
                       </a:pPr>
                       <a:r>
-                        <a:rPr lang="zh-CN" sz="800" kern="100">
-                          <a:effectLst/>
-                        </a:rPr>
-                        <a:t>测试需求</a:t>
-                      </a:r>
+                        <a:rPr lang="en-US" altLang="zh-CN" sz="1200" kern="100" dirty="0" smtClean="0">
+                          <a:solidFill>
+                            <a:schemeClr val="dk1"/>
+                          </a:solidFill>
+                          <a:effectLst/>
+                          <a:latin typeface="+mn-lt"/>
+                          <a:ea typeface="+mn-ea"/>
+                          <a:cs typeface="+mn-cs"/>
+                        </a:rPr>
+                        <a:t>4</a:t>
+                      </a:r>
+                      <a:r>
+                        <a:rPr lang="zh-CN" sz="1200" kern="100" dirty="0" smtClean="0">
+                          <a:solidFill>
+                            <a:schemeClr val="dk1"/>
+                          </a:solidFill>
+                          <a:effectLst/>
+                          <a:latin typeface="+mn-lt"/>
+                          <a:ea typeface="+mn-ea"/>
+                          <a:cs typeface="+mn-cs"/>
+                        </a:rPr>
+                        <a:t>维护</a:t>
+                      </a:r>
+                      <a:r>
+                        <a:rPr lang="zh-CN" sz="1200" kern="100" dirty="0">
+                          <a:solidFill>
+                            <a:schemeClr val="dk1"/>
+                          </a:solidFill>
+                          <a:effectLst/>
+                          <a:latin typeface="+mn-lt"/>
+                          <a:ea typeface="+mn-ea"/>
+                          <a:cs typeface="+mn-cs"/>
+                        </a:rPr>
+                        <a:t>需求变更的</a:t>
+                      </a:r>
+                      <a:r>
+                        <a:rPr lang="zh-CN" sz="1200" kern="100" dirty="0" smtClean="0">
+                          <a:solidFill>
+                            <a:schemeClr val="dk1"/>
+                          </a:solidFill>
+                          <a:effectLst/>
+                          <a:latin typeface="+mn-lt"/>
+                          <a:ea typeface="+mn-ea"/>
+                          <a:cs typeface="+mn-cs"/>
+                        </a:rPr>
+                        <a:t>历史记录</a:t>
+                      </a:r>
+                      <a:r>
+                        <a:rPr lang="en-US" altLang="zh-CN" sz="1200" kern="100" dirty="0" smtClean="0">
+                          <a:solidFill>
+                            <a:schemeClr val="dk1"/>
+                          </a:solidFill>
+                          <a:effectLst/>
+                          <a:latin typeface="+mn-lt"/>
+                          <a:ea typeface="+mn-ea"/>
+                          <a:cs typeface="+mn-cs"/>
+                        </a:rPr>
+                        <a:t>   5</a:t>
+                      </a:r>
+                      <a:r>
+                        <a:rPr lang="zh-CN" sz="1200" kern="100" dirty="0" smtClean="0">
+                          <a:solidFill>
+                            <a:schemeClr val="dk1"/>
+                          </a:solidFill>
+                          <a:effectLst/>
+                          <a:latin typeface="+mn-lt"/>
+                          <a:ea typeface="+mn-ea"/>
+                          <a:cs typeface="+mn-cs"/>
+                        </a:rPr>
+                        <a:t>跟踪</a:t>
+                      </a:r>
+                      <a:r>
+                        <a:rPr lang="zh-CN" sz="1200" kern="100" dirty="0">
+                          <a:solidFill>
+                            <a:schemeClr val="dk1"/>
+                          </a:solidFill>
+                          <a:effectLst/>
+                          <a:latin typeface="+mn-lt"/>
+                          <a:ea typeface="+mn-ea"/>
+                          <a:cs typeface="+mn-cs"/>
+                        </a:rPr>
+                        <a:t>每项需求的状态</a:t>
+                      </a:r>
+                      <a:endParaRPr lang="zh-CN" sz="1200" kern="100" dirty="0">
+                        <a:solidFill>
+                          <a:schemeClr val="dk1"/>
+                        </a:solidFill>
+                        <a:effectLst/>
+                        <a:latin typeface="+mn-lt"/>
+                        <a:ea typeface="+mn-ea"/>
+                        <a:cs typeface="+mn-cs"/>
+                      </a:endParaRPr>
                     </a:p>
                     <a:p>
                       <a:pPr indent="127000" algn="just">
@@ -10421,325 +13727,150 @@
                         </a:spcAft>
                       </a:pPr>
                       <a:r>
-                        <a:rPr lang="zh-CN" sz="800" kern="100">
-                          <a:effectLst/>
-                        </a:rPr>
-                        <a:t>定义验收条件</a:t>
-                      </a:r>
-                    </a:p>
-                    <a:p>
-                      <a:pPr indent="127000" algn="just">
-                        <a:lnSpc>
-                          <a:spcPts val="2000"/>
-                        </a:lnSpc>
-                        <a:spcAft>
-                          <a:spcPts val="0"/>
-                        </a:spcAft>
-                      </a:pPr>
-                      <a:r>
-                        <a:rPr lang="zh-CN" sz="800" kern="100">
-                          <a:effectLst/>
-                        </a:rPr>
-                        <a:t>模拟需求</a:t>
-                      </a:r>
-                      <a:endParaRPr lang="zh-CN" sz="800" kern="100">
+                        <a:rPr lang="en-US" altLang="zh-CN" sz="1200" kern="100" dirty="0" smtClean="0">
+                          <a:solidFill>
+                            <a:schemeClr val="dk1"/>
+                          </a:solidFill>
+                          <a:effectLst/>
+                          <a:latin typeface="+mn-lt"/>
+                          <a:ea typeface="+mn-ea"/>
+                          <a:cs typeface="+mn-cs"/>
+                        </a:rPr>
+                        <a:t>6</a:t>
+                      </a:r>
+                      <a:r>
+                        <a:rPr lang="zh-CN" sz="1200" kern="100" dirty="0" smtClean="0">
+                          <a:solidFill>
+                            <a:schemeClr val="dk1"/>
+                          </a:solidFill>
+                          <a:effectLst/>
+                          <a:latin typeface="+mn-lt"/>
+                          <a:ea typeface="+mn-ea"/>
+                          <a:cs typeface="+mn-cs"/>
+                        </a:rPr>
+                        <a:t>跟踪</a:t>
+                      </a:r>
+                      <a:r>
+                        <a:rPr lang="zh-CN" sz="1200" kern="100" dirty="0">
+                          <a:solidFill>
+                            <a:schemeClr val="dk1"/>
+                          </a:solidFill>
+                          <a:effectLst/>
+                          <a:latin typeface="+mn-lt"/>
+                          <a:ea typeface="+mn-ea"/>
+                          <a:cs typeface="+mn-cs"/>
+                        </a:rPr>
+                        <a:t>需求</a:t>
+                      </a:r>
+                      <a:r>
+                        <a:rPr lang="zh-CN" sz="1200" kern="100" dirty="0" smtClean="0">
+                          <a:solidFill>
+                            <a:schemeClr val="dk1"/>
+                          </a:solidFill>
+                          <a:effectLst/>
+                          <a:latin typeface="+mn-lt"/>
+                          <a:ea typeface="+mn-ea"/>
+                          <a:cs typeface="+mn-cs"/>
+                        </a:rPr>
+                        <a:t>问题</a:t>
+                      </a:r>
+                      <a:r>
+                        <a:rPr lang="en-US" altLang="zh-CN" sz="1200" kern="100" dirty="0" smtClean="0">
+                          <a:solidFill>
+                            <a:schemeClr val="dk1"/>
+                          </a:solidFill>
+                          <a:effectLst/>
+                          <a:latin typeface="+mn-lt"/>
+                          <a:ea typeface="+mn-ea"/>
+                          <a:cs typeface="+mn-cs"/>
+                        </a:rPr>
+                        <a:t>   7</a:t>
+                      </a:r>
+                      <a:r>
+                        <a:rPr lang="zh-CN" sz="1200" kern="100" dirty="0" smtClean="0">
+                          <a:solidFill>
+                            <a:schemeClr val="dk1"/>
+                          </a:solidFill>
+                          <a:effectLst/>
+                          <a:latin typeface="+mn-lt"/>
+                          <a:ea typeface="+mn-ea"/>
+                          <a:cs typeface="+mn-cs"/>
+                        </a:rPr>
+                        <a:t>维护</a:t>
+                      </a:r>
+                      <a:r>
+                        <a:rPr lang="zh-CN" sz="1200" kern="100" dirty="0">
+                          <a:solidFill>
+                            <a:schemeClr val="dk1"/>
+                          </a:solidFill>
+                          <a:effectLst/>
+                          <a:latin typeface="+mn-lt"/>
+                          <a:ea typeface="+mn-ea"/>
+                          <a:cs typeface="+mn-cs"/>
+                        </a:rPr>
+                        <a:t>需求可跟踪</a:t>
+                      </a:r>
+                      <a:r>
+                        <a:rPr lang="zh-CN" sz="1200" kern="100" dirty="0" smtClean="0">
+                          <a:solidFill>
+                            <a:schemeClr val="dk1"/>
+                          </a:solidFill>
+                          <a:effectLst/>
+                          <a:latin typeface="+mn-lt"/>
+                          <a:ea typeface="+mn-ea"/>
+                          <a:cs typeface="+mn-cs"/>
+                        </a:rPr>
+                        <a:t>矩阵</a:t>
+                      </a:r>
+                      <a:r>
+                        <a:rPr lang="en-US" altLang="zh-CN" sz="1200" kern="100" dirty="0" smtClean="0">
+                          <a:solidFill>
+                            <a:schemeClr val="dk1"/>
+                          </a:solidFill>
+                          <a:effectLst/>
+                          <a:latin typeface="+mn-lt"/>
+                          <a:ea typeface="+mn-ea"/>
+                          <a:cs typeface="+mn-cs"/>
+                        </a:rPr>
+                        <a:t>     8</a:t>
+                      </a:r>
+                      <a:r>
+                        <a:rPr lang="zh-CN" sz="1200" kern="100" dirty="0" smtClean="0">
+                          <a:solidFill>
+                            <a:schemeClr val="dk1"/>
+                          </a:solidFill>
+                          <a:effectLst/>
+                          <a:latin typeface="+mn-lt"/>
+                          <a:ea typeface="+mn-ea"/>
+                          <a:cs typeface="+mn-cs"/>
+                        </a:rPr>
+                        <a:t>使用</a:t>
+                      </a:r>
+                      <a:r>
+                        <a:rPr lang="zh-CN" sz="1200" kern="100" dirty="0">
+                          <a:solidFill>
+                            <a:schemeClr val="dk1"/>
+                          </a:solidFill>
+                          <a:effectLst/>
+                          <a:latin typeface="+mn-lt"/>
+                          <a:ea typeface="+mn-ea"/>
+                          <a:cs typeface="+mn-cs"/>
+                        </a:rPr>
+                        <a:t>需求管理工具</a:t>
+                      </a:r>
+                      <a:endParaRPr lang="zh-CN" sz="1200" kern="100" dirty="0">
+                        <a:solidFill>
+                          <a:schemeClr val="dk1"/>
+                        </a:solidFill>
                         <a:effectLst/>
-                        <a:latin typeface="Times New Roman" panose="02020603050405020304" pitchFamily="18" charset="0"/>
-                        <a:ea typeface="宋体" panose="02010600030101010101" pitchFamily="2" charset="-122"/>
-                        <a:cs typeface="宋体" panose="02010600030101010101" pitchFamily="2" charset="-122"/>
+                        <a:latin typeface="+mn-lt"/>
+                        <a:ea typeface="+mn-ea"/>
+                        <a:cs typeface="+mn-cs"/>
                       </a:endParaRPr>
                     </a:p>
                   </a:txBody>
                   <a:tcPr marL="45187" marR="45187" marT="0" marB="0"/>
                 </a:tc>
-                <a:extLst>
-                  <a:ext uri="{0D108BD9-81ED-4DB2-BD59-A6C34878D82A}">
-                    <a16:rowId xmlns:a16="http://schemas.microsoft.com/office/drawing/2014/main" val="3769440701"/>
-                  </a:ext>
-                </a:extLst>
-              </a:tr>
-              <a:tr h="806297">
-                <a:tc>
-                  <a:txBody>
-                    <a:bodyPr/>
-                    <a:lstStyle/>
-                    <a:p>
-                      <a:pPr indent="127000" algn="just">
-                        <a:lnSpc>
-                          <a:spcPts val="2000"/>
-                        </a:lnSpc>
-                        <a:spcAft>
-                          <a:spcPts val="0"/>
-                        </a:spcAft>
-                      </a:pPr>
-                      <a:r>
-                        <a:rPr lang="zh-CN" sz="800" kern="100">
-                          <a:effectLst/>
-                        </a:rPr>
-                        <a:t>需求管理</a:t>
-                      </a:r>
-                      <a:endParaRPr lang="zh-CN" sz="800" kern="100">
-                        <a:effectLst/>
-                        <a:latin typeface="Times New Roman" panose="02020603050405020304" pitchFamily="18" charset="0"/>
-                        <a:ea typeface="宋体" panose="02010600030101010101" pitchFamily="2" charset="-122"/>
-                        <a:cs typeface="宋体" panose="02010600030101010101" pitchFamily="2" charset="-122"/>
-                      </a:endParaRPr>
-                    </a:p>
-                  </a:txBody>
-                  <a:tcPr marL="45187" marR="45187" marT="0" marB="0"/>
-                </a:tc>
-                <a:tc>
-                  <a:txBody>
-                    <a:bodyPr/>
-                    <a:lstStyle/>
-                    <a:p>
-                      <a:pPr indent="127000" algn="just">
-                        <a:lnSpc>
-                          <a:spcPts val="2000"/>
-                        </a:lnSpc>
-                        <a:spcAft>
-                          <a:spcPts val="0"/>
-                        </a:spcAft>
-                      </a:pPr>
-                      <a:r>
-                        <a:rPr lang="en-US" altLang="zh-CN" sz="800" kern="100" dirty="0" smtClean="0">
-                          <a:effectLst/>
-                        </a:rPr>
-                        <a:t>1</a:t>
-                      </a:r>
-                      <a:r>
-                        <a:rPr lang="zh-CN" sz="800" kern="100" dirty="0" smtClean="0">
-                          <a:effectLst/>
-                        </a:rPr>
-                        <a:t>定义</a:t>
-                      </a:r>
-                      <a:r>
-                        <a:rPr lang="zh-CN" sz="800" kern="100" dirty="0">
-                          <a:effectLst/>
-                        </a:rPr>
-                        <a:t>需求变更控制</a:t>
-                      </a:r>
-                      <a:r>
-                        <a:rPr lang="zh-CN" sz="800" kern="100" dirty="0" smtClean="0">
-                          <a:effectLst/>
-                        </a:rPr>
-                        <a:t>流程</a:t>
-                      </a:r>
-                      <a:r>
-                        <a:rPr lang="en-US" altLang="zh-CN" sz="800" kern="100" baseline="0" dirty="0" smtClean="0">
-                          <a:effectLst/>
-                        </a:rPr>
-                        <a:t>    </a:t>
-                      </a:r>
-                      <a:r>
-                        <a:rPr lang="en-US" altLang="zh-CN" sz="800" kern="100" dirty="0" smtClean="0">
-                          <a:effectLst/>
-                        </a:rPr>
-                        <a:t>2</a:t>
-                      </a:r>
-                      <a:r>
-                        <a:rPr lang="zh-CN" sz="800" kern="100" dirty="0" smtClean="0">
-                          <a:effectLst/>
-                        </a:rPr>
-                        <a:t>分析</a:t>
-                      </a:r>
-                      <a:r>
-                        <a:rPr lang="zh-CN" sz="800" kern="100" dirty="0">
-                          <a:effectLst/>
-                        </a:rPr>
-                        <a:t>变更</a:t>
-                      </a:r>
-                      <a:r>
-                        <a:rPr lang="zh-CN" sz="800" kern="100" dirty="0" smtClean="0">
-                          <a:effectLst/>
-                        </a:rPr>
-                        <a:t>影响</a:t>
-                      </a:r>
-                      <a:r>
-                        <a:rPr lang="en-US" altLang="zh-CN" sz="800" kern="100" baseline="0" dirty="0" smtClean="0">
-                          <a:effectLst/>
-                        </a:rPr>
-                        <a:t>    </a:t>
-                      </a:r>
-                      <a:r>
-                        <a:rPr lang="en-US" altLang="zh-CN" sz="800" kern="100" dirty="0" smtClean="0">
-                          <a:effectLst/>
-                        </a:rPr>
-                        <a:t>3</a:t>
-                      </a:r>
-                      <a:r>
-                        <a:rPr lang="zh-CN" sz="800" kern="100" dirty="0" smtClean="0">
-                          <a:effectLst/>
-                        </a:rPr>
-                        <a:t>建立</a:t>
-                      </a:r>
-                      <a:r>
-                        <a:rPr lang="zh-CN" sz="800" kern="100" dirty="0">
-                          <a:effectLst/>
-                        </a:rPr>
-                        <a:t>基线，管理需求版本</a:t>
-                      </a:r>
-                    </a:p>
-                    <a:p>
-                      <a:pPr indent="127000" algn="just">
-                        <a:lnSpc>
-                          <a:spcPts val="2000"/>
-                        </a:lnSpc>
-                        <a:spcAft>
-                          <a:spcPts val="0"/>
-                        </a:spcAft>
-                      </a:pPr>
-                      <a:r>
-                        <a:rPr lang="en-US" altLang="zh-CN" sz="800" kern="100" dirty="0" smtClean="0">
-                          <a:effectLst/>
-                        </a:rPr>
-                        <a:t>4</a:t>
-                      </a:r>
-                      <a:r>
-                        <a:rPr lang="zh-CN" sz="800" kern="100" dirty="0" smtClean="0">
-                          <a:effectLst/>
-                        </a:rPr>
-                        <a:t>维护</a:t>
-                      </a:r>
-                      <a:r>
-                        <a:rPr lang="zh-CN" sz="800" kern="100" dirty="0">
-                          <a:effectLst/>
-                        </a:rPr>
-                        <a:t>需求变更的</a:t>
-                      </a:r>
-                      <a:r>
-                        <a:rPr lang="zh-CN" sz="800" kern="100" dirty="0" smtClean="0">
-                          <a:effectLst/>
-                        </a:rPr>
-                        <a:t>历史记录</a:t>
-                      </a:r>
-                      <a:r>
-                        <a:rPr lang="en-US" altLang="zh-CN" sz="800" kern="100" baseline="0" dirty="0" smtClean="0">
-                          <a:effectLst/>
-                        </a:rPr>
-                        <a:t>   </a:t>
-                      </a:r>
-                      <a:r>
-                        <a:rPr lang="en-US" altLang="zh-CN" sz="800" kern="100" dirty="0" smtClean="0">
-                          <a:effectLst/>
-                        </a:rPr>
-                        <a:t>5</a:t>
-                      </a:r>
-                      <a:r>
-                        <a:rPr lang="zh-CN" sz="800" kern="100" dirty="0" smtClean="0">
-                          <a:effectLst/>
-                        </a:rPr>
-                        <a:t>跟踪</a:t>
-                      </a:r>
-                      <a:r>
-                        <a:rPr lang="zh-CN" sz="800" kern="100" dirty="0">
-                          <a:effectLst/>
-                        </a:rPr>
-                        <a:t>每项需求的状态</a:t>
-                      </a:r>
-                    </a:p>
-                    <a:p>
-                      <a:pPr indent="127000" algn="just">
-                        <a:lnSpc>
-                          <a:spcPts val="2000"/>
-                        </a:lnSpc>
-                        <a:spcAft>
-                          <a:spcPts val="0"/>
-                        </a:spcAft>
-                      </a:pPr>
-                      <a:r>
-                        <a:rPr lang="en-US" altLang="zh-CN" sz="800" kern="100" dirty="0" smtClean="0">
-                          <a:effectLst/>
-                        </a:rPr>
-                        <a:t>6</a:t>
-                      </a:r>
-                      <a:r>
-                        <a:rPr lang="zh-CN" sz="800" kern="100" dirty="0" smtClean="0">
-                          <a:effectLst/>
-                        </a:rPr>
-                        <a:t>跟踪</a:t>
-                      </a:r>
-                      <a:r>
-                        <a:rPr lang="zh-CN" sz="800" kern="100" dirty="0">
-                          <a:effectLst/>
-                        </a:rPr>
-                        <a:t>需求</a:t>
-                      </a:r>
-                      <a:r>
-                        <a:rPr lang="zh-CN" sz="800" kern="100" dirty="0" smtClean="0">
-                          <a:effectLst/>
-                        </a:rPr>
-                        <a:t>问题</a:t>
-                      </a:r>
-                      <a:r>
-                        <a:rPr lang="en-US" altLang="zh-CN" sz="800" kern="100" baseline="0" dirty="0" smtClean="0">
-                          <a:effectLst/>
-                        </a:rPr>
-                        <a:t>   </a:t>
-                      </a:r>
-                      <a:r>
-                        <a:rPr lang="en-US" altLang="zh-CN" sz="800" kern="100" dirty="0" smtClean="0">
-                          <a:effectLst/>
-                        </a:rPr>
-                        <a:t>7</a:t>
-                      </a:r>
-                      <a:r>
-                        <a:rPr lang="zh-CN" sz="800" kern="100" dirty="0" smtClean="0">
-                          <a:effectLst/>
-                        </a:rPr>
-                        <a:t>维护</a:t>
-                      </a:r>
-                      <a:r>
-                        <a:rPr lang="zh-CN" sz="800" kern="100" dirty="0">
-                          <a:effectLst/>
-                        </a:rPr>
-                        <a:t>需求可跟踪</a:t>
-                      </a:r>
-                      <a:r>
-                        <a:rPr lang="zh-CN" sz="800" kern="100" dirty="0" smtClean="0">
-                          <a:effectLst/>
-                        </a:rPr>
-                        <a:t>矩阵</a:t>
-                      </a:r>
-                      <a:r>
-                        <a:rPr lang="en-US" altLang="zh-CN" sz="800" kern="100" baseline="0" dirty="0" smtClean="0">
-                          <a:effectLst/>
-                        </a:rPr>
-                        <a:t>     </a:t>
-                      </a:r>
-                      <a:r>
-                        <a:rPr lang="en-US" altLang="zh-CN" sz="800" kern="100" dirty="0" smtClean="0">
-                          <a:effectLst/>
-                        </a:rPr>
-                        <a:t>8</a:t>
-                      </a:r>
-                      <a:r>
-                        <a:rPr lang="zh-CN" sz="800" kern="100" dirty="0" smtClean="0">
-                          <a:effectLst/>
-                        </a:rPr>
-                        <a:t>使用</a:t>
-                      </a:r>
-                      <a:r>
-                        <a:rPr lang="zh-CN" sz="800" kern="100" dirty="0">
-                          <a:effectLst/>
-                        </a:rPr>
-                        <a:t>需求管理工具</a:t>
-                      </a:r>
-                      <a:endParaRPr lang="zh-CN" sz="800" kern="100" dirty="0">
-                        <a:effectLst/>
-                        <a:latin typeface="Times New Roman" panose="02020603050405020304" pitchFamily="18" charset="0"/>
-                        <a:ea typeface="宋体" panose="02010600030101010101" pitchFamily="2" charset="-122"/>
-                        <a:cs typeface="宋体" panose="02010600030101010101" pitchFamily="2" charset="-122"/>
-                      </a:endParaRPr>
-                    </a:p>
-                  </a:txBody>
-                  <a:tcPr marL="45187" marR="45187" marT="0" marB="0"/>
-                </a:tc>
-                <a:extLst>
-                  <a:ext uri="{0D108BD9-81ED-4DB2-BD59-A6C34878D82A}">
-                    <a16:rowId xmlns:a16="http://schemas.microsoft.com/office/drawing/2014/main" val="3628057514"/>
-                  </a:ext>
-                </a:extLst>
               </a:tr>
               <a:tr h="1620026">
                 <a:tc>
@@ -10755,13 +13886,39 @@
                           <a:spcPts val="0"/>
                         </a:spcAft>
                       </a:pPr>
-                      <a:r>
-                        <a:rPr lang="zh-CN" sz="800" kern="100">
+                      <a:endParaRPr lang="en-US" altLang="zh-CN" sz="800" kern="100" dirty="0" smtClean="0">
+                        <a:effectLst/>
+                      </a:endParaRPr>
+                    </a:p>
+                    <a:p>
+                      <a:pPr indent="127000" algn="just">
+                        <a:lnSpc>
+                          <a:spcPts val="2000"/>
+                        </a:lnSpc>
+                        <a:spcAft>
+                          <a:spcPts val="0"/>
+                        </a:spcAft>
+                      </a:pPr>
+                      <a:endParaRPr lang="en-US" altLang="zh-CN" sz="800" kern="100" dirty="0" smtClean="0">
+                        <a:effectLst/>
+                      </a:endParaRPr>
+                    </a:p>
+                    <a:p>
+                      <a:pPr indent="127000" algn="just">
+                        <a:lnSpc>
+                          <a:spcPts val="2000"/>
+                        </a:lnSpc>
+                        <a:spcAft>
+                          <a:spcPts val="0"/>
+                        </a:spcAft>
+                      </a:pPr>
+                      <a:r>
+                        <a:rPr lang="zh-CN" sz="1800" kern="100" dirty="0" smtClean="0">
                           <a:effectLst/>
                         </a:rPr>
                         <a:t>项目管理</a:t>
                       </a:r>
-                      <a:endParaRPr lang="zh-CN" sz="800" kern="100">
+                      <a:endParaRPr lang="zh-CN" sz="1800" kern="100" dirty="0">
                         <a:effectLst/>
                         <a:latin typeface="Times New Roman" panose="02020603050405020304" pitchFamily="18" charset="0"/>
                         <a:ea typeface="宋体" panose="02010600030101010101" pitchFamily="2" charset="-122"/>
@@ -10776,7 +13933,7 @@
                     <a:bodyPr/>
                     <a:lstStyle/>
                     <a:p>
-                      <a:pPr indent="127000" algn="just">
+                      <a:pPr marL="0" indent="127000" algn="just" defTabSz="913765" rtl="0" eaLnBrk="1" latinLnBrk="0" hangingPunct="1">
                         <a:lnSpc>
                           <a:spcPts val="2000"/>
                         </a:lnSpc>
@@ -10785,116 +13942,197 @@
                         </a:spcAft>
                       </a:pPr>
                       <a:r>
-                        <a:rPr lang="en-US" altLang="zh-CN" sz="800" kern="100" dirty="0" smtClean="0">
-                          <a:effectLst/>
+                        <a:rPr lang="en-US" altLang="zh-CN" sz="1200" kern="100" dirty="0" smtClean="0">
+                          <a:solidFill>
+                            <a:schemeClr val="dk1"/>
+                          </a:solidFill>
+                          <a:effectLst/>
+                          <a:latin typeface="+mn-lt"/>
+                          <a:ea typeface="+mn-ea"/>
+                          <a:cs typeface="+mn-cs"/>
                         </a:rPr>
                         <a:t>1</a:t>
                       </a:r>
                       <a:r>
-                        <a:rPr lang="zh-CN" sz="800" kern="100" dirty="0" smtClean="0">
-                          <a:effectLst/>
+                        <a:rPr lang="zh-CN" sz="1200" kern="100" dirty="0" smtClean="0">
+                          <a:solidFill>
+                            <a:schemeClr val="dk1"/>
+                          </a:solidFill>
+                          <a:effectLst/>
+                          <a:latin typeface="+mn-lt"/>
+                          <a:ea typeface="+mn-ea"/>
+                          <a:cs typeface="+mn-cs"/>
                         </a:rPr>
                         <a:t>选择</a:t>
                       </a:r>
                       <a:r>
-                        <a:rPr lang="zh-CN" sz="800" kern="100" dirty="0">
-                          <a:effectLst/>
+                        <a:rPr lang="zh-CN" sz="1200" kern="100" dirty="0">
+                          <a:solidFill>
+                            <a:schemeClr val="dk1"/>
+                          </a:solidFill>
+                          <a:effectLst/>
+                          <a:latin typeface="+mn-lt"/>
+                          <a:ea typeface="+mn-ea"/>
+                          <a:cs typeface="+mn-cs"/>
                         </a:rPr>
                         <a:t>合适的软件开发</a:t>
                       </a:r>
                       <a:r>
-                        <a:rPr lang="zh-CN" sz="800" kern="100" dirty="0" smtClean="0">
-                          <a:effectLst/>
+                        <a:rPr lang="zh-CN" sz="1200" kern="100" dirty="0" smtClean="0">
+                          <a:solidFill>
+                            <a:schemeClr val="dk1"/>
+                          </a:solidFill>
+                          <a:effectLst/>
+                          <a:latin typeface="+mn-lt"/>
+                          <a:ea typeface="+mn-ea"/>
+                          <a:cs typeface="+mn-cs"/>
                         </a:rPr>
                         <a:t>生命周期</a:t>
                       </a:r>
                       <a:r>
-                        <a:rPr lang="en-US" altLang="zh-CN" sz="800" kern="100" baseline="0" dirty="0" smtClean="0">
-                          <a:effectLst/>
-                        </a:rPr>
-                        <a:t>    </a:t>
-                      </a:r>
-                      <a:r>
-                        <a:rPr lang="en-US" altLang="zh-CN" sz="800" kern="100" dirty="0" smtClean="0">
-                          <a:effectLst/>
-                        </a:rPr>
-                        <a:t>2</a:t>
-                      </a:r>
-                      <a:r>
-                        <a:rPr lang="zh-CN" sz="800" kern="100" dirty="0" smtClean="0">
-                          <a:effectLst/>
+                        <a:rPr lang="en-US" altLang="zh-CN" sz="1200" kern="100" dirty="0" smtClean="0">
+                          <a:solidFill>
+                            <a:schemeClr val="dk1"/>
+                          </a:solidFill>
+                          <a:effectLst/>
+                          <a:latin typeface="+mn-lt"/>
+                          <a:ea typeface="+mn-ea"/>
+                          <a:cs typeface="+mn-cs"/>
+                        </a:rPr>
+                        <a:t>    2</a:t>
+                      </a:r>
+                      <a:r>
+                        <a:rPr lang="zh-CN" sz="1200" kern="100" dirty="0" smtClean="0">
+                          <a:solidFill>
+                            <a:schemeClr val="dk1"/>
+                          </a:solidFill>
+                          <a:effectLst/>
+                          <a:latin typeface="+mn-lt"/>
+                          <a:ea typeface="+mn-ea"/>
+                          <a:cs typeface="+mn-cs"/>
                         </a:rPr>
                         <a:t>规划</a:t>
                       </a:r>
                       <a:r>
-                        <a:rPr lang="zh-CN" sz="800" kern="100" dirty="0">
-                          <a:effectLst/>
+                        <a:rPr lang="zh-CN" sz="1200" kern="100" dirty="0">
+                          <a:solidFill>
+                            <a:schemeClr val="dk1"/>
+                          </a:solidFill>
+                          <a:effectLst/>
+                          <a:latin typeface="+mn-lt"/>
+                          <a:ea typeface="+mn-ea"/>
+                          <a:cs typeface="+mn-cs"/>
                         </a:rPr>
                         <a:t>需求</a:t>
                       </a:r>
                       <a:r>
-                        <a:rPr lang="zh-CN" sz="800" kern="100" dirty="0" smtClean="0">
-                          <a:effectLst/>
+                        <a:rPr lang="zh-CN" sz="1200" kern="100" dirty="0" smtClean="0">
+                          <a:solidFill>
+                            <a:schemeClr val="dk1"/>
+                          </a:solidFill>
+                          <a:effectLst/>
+                          <a:latin typeface="+mn-lt"/>
+                          <a:ea typeface="+mn-ea"/>
+                          <a:cs typeface="+mn-cs"/>
                         </a:rPr>
                         <a:t>方案</a:t>
                       </a:r>
                       <a:r>
-                        <a:rPr lang="en-US" altLang="zh-CN" sz="800" kern="100" baseline="0" dirty="0" smtClean="0">
-                          <a:effectLst/>
-                        </a:rPr>
-                        <a:t>     </a:t>
-                      </a:r>
-                      <a:r>
-                        <a:rPr lang="en-US" altLang="zh-CN" sz="800" kern="100" dirty="0" smtClean="0">
-                          <a:effectLst/>
-                        </a:rPr>
-                        <a:t>3</a:t>
-                      </a:r>
-                      <a:r>
-                        <a:rPr lang="zh-CN" sz="800" kern="100" dirty="0" smtClean="0">
-                          <a:effectLst/>
+                        <a:rPr lang="en-US" altLang="zh-CN" sz="1200" kern="100" dirty="0" smtClean="0">
+                          <a:solidFill>
+                            <a:schemeClr val="dk1"/>
+                          </a:solidFill>
+                          <a:effectLst/>
+                          <a:latin typeface="+mn-lt"/>
+                          <a:ea typeface="+mn-ea"/>
+                          <a:cs typeface="+mn-cs"/>
+                        </a:rPr>
+                        <a:t>     3</a:t>
+                      </a:r>
+                      <a:r>
+                        <a:rPr lang="zh-CN" sz="1200" kern="100" dirty="0" smtClean="0">
+                          <a:solidFill>
+                            <a:schemeClr val="dk1"/>
+                          </a:solidFill>
+                          <a:effectLst/>
+                          <a:latin typeface="+mn-lt"/>
+                          <a:ea typeface="+mn-ea"/>
+                          <a:cs typeface="+mn-cs"/>
                         </a:rPr>
                         <a:t>估算</a:t>
                       </a:r>
                       <a:r>
-                        <a:rPr lang="zh-CN" sz="800" kern="100" dirty="0">
-                          <a:effectLst/>
+                        <a:rPr lang="zh-CN" sz="1200" kern="100" dirty="0">
+                          <a:solidFill>
+                            <a:schemeClr val="dk1"/>
+                          </a:solidFill>
+                          <a:effectLst/>
+                          <a:latin typeface="+mn-lt"/>
+                          <a:ea typeface="+mn-ea"/>
+                          <a:cs typeface="+mn-cs"/>
                         </a:rPr>
                         <a:t>需求</a:t>
                       </a:r>
                       <a:r>
-                        <a:rPr lang="zh-CN" sz="800" kern="100" dirty="0" smtClean="0">
-                          <a:effectLst/>
+                        <a:rPr lang="zh-CN" sz="1200" kern="100" dirty="0" smtClean="0">
+                          <a:solidFill>
+                            <a:schemeClr val="dk1"/>
+                          </a:solidFill>
+                          <a:effectLst/>
+                          <a:latin typeface="+mn-lt"/>
+                          <a:ea typeface="+mn-ea"/>
+                          <a:cs typeface="+mn-cs"/>
                         </a:rPr>
                         <a:t>工作量</a:t>
                       </a:r>
                       <a:r>
-                        <a:rPr lang="en-US" altLang="zh-CN" sz="800" kern="100" baseline="0" dirty="0" smtClean="0">
-                          <a:effectLst/>
-                        </a:rPr>
-                        <a:t>    </a:t>
-                      </a:r>
-                      <a:r>
-                        <a:rPr lang="en-US" altLang="zh-CN" sz="800" kern="100" dirty="0" smtClean="0">
-                          <a:effectLst/>
-                        </a:rPr>
-                        <a:t>4</a:t>
-                      </a:r>
-                      <a:r>
-                        <a:rPr lang="zh-CN" sz="800" kern="100" dirty="0" smtClean="0">
-                          <a:effectLst/>
+                        <a:rPr lang="en-US" altLang="zh-CN" sz="1200" kern="100" dirty="0" smtClean="0">
+                          <a:solidFill>
+                            <a:schemeClr val="dk1"/>
+                          </a:solidFill>
+                          <a:effectLst/>
+                          <a:latin typeface="+mn-lt"/>
+                          <a:ea typeface="+mn-ea"/>
+                          <a:cs typeface="+mn-cs"/>
+                        </a:rPr>
+                        <a:t>    4</a:t>
+                      </a:r>
+                      <a:r>
+                        <a:rPr lang="zh-CN" sz="1200" kern="100" dirty="0" smtClean="0">
+                          <a:solidFill>
+                            <a:schemeClr val="dk1"/>
+                          </a:solidFill>
+                          <a:effectLst/>
+                          <a:latin typeface="+mn-lt"/>
+                          <a:ea typeface="+mn-ea"/>
+                          <a:cs typeface="+mn-cs"/>
                         </a:rPr>
                         <a:t>基于</a:t>
                       </a:r>
                       <a:r>
-                        <a:rPr lang="zh-CN" sz="800" kern="100" dirty="0">
-                          <a:effectLst/>
+                        <a:rPr lang="zh-CN" sz="1200" kern="100" dirty="0">
+                          <a:solidFill>
+                            <a:schemeClr val="dk1"/>
+                          </a:solidFill>
+                          <a:effectLst/>
+                          <a:latin typeface="+mn-lt"/>
+                          <a:ea typeface="+mn-ea"/>
+                          <a:cs typeface="+mn-cs"/>
                         </a:rPr>
                         <a:t>需求做计划</a:t>
                       </a:r>
+                      <a:endParaRPr lang="zh-CN" sz="1200" kern="100" dirty="0">
+                        <a:solidFill>
+                          <a:schemeClr val="dk1"/>
+                        </a:solidFill>
+                        <a:effectLst/>
+                        <a:latin typeface="+mn-lt"/>
+                        <a:ea typeface="+mn-ea"/>
+                        <a:cs typeface="+mn-cs"/>
+                      </a:endParaRPr>
                     </a:p>
                     <a:p>
-                      <a:pPr indent="127000" algn="just">
+                      <a:pPr marL="0" indent="127000" algn="just" defTabSz="913765" rtl="0" eaLnBrk="1" latinLnBrk="0" hangingPunct="1">
                         <a:lnSpc>
                           <a:spcPts val="2000"/>
                         </a:lnSpc>
@@ -10903,116 +14141,197 @@
                         </a:spcAft>
                       </a:pPr>
                       <a:r>
-                        <a:rPr lang="en-US" altLang="zh-CN" sz="800" kern="100" dirty="0" smtClean="0">
-                          <a:effectLst/>
+                        <a:rPr lang="en-US" altLang="zh-CN" sz="1200" kern="100" dirty="0" smtClean="0">
+                          <a:solidFill>
+                            <a:schemeClr val="dk1"/>
+                          </a:solidFill>
+                          <a:effectLst/>
+                          <a:latin typeface="+mn-lt"/>
+                          <a:ea typeface="+mn-ea"/>
+                          <a:cs typeface="+mn-cs"/>
                         </a:rPr>
                         <a:t>5</a:t>
                       </a:r>
                       <a:r>
-                        <a:rPr lang="zh-CN" sz="800" kern="100" dirty="0" smtClean="0">
-                          <a:effectLst/>
+                        <a:rPr lang="zh-CN" sz="1200" kern="100" dirty="0" smtClean="0">
+                          <a:solidFill>
+                            <a:schemeClr val="dk1"/>
+                          </a:solidFill>
+                          <a:effectLst/>
+                          <a:latin typeface="+mn-lt"/>
+                          <a:ea typeface="+mn-ea"/>
+                          <a:cs typeface="+mn-cs"/>
                         </a:rPr>
                         <a:t>发现</a:t>
                       </a:r>
                       <a:r>
-                        <a:rPr lang="zh-CN" sz="800" kern="100" dirty="0">
-                          <a:effectLst/>
+                        <a:rPr lang="zh-CN" sz="1200" kern="100" dirty="0">
+                          <a:solidFill>
+                            <a:schemeClr val="dk1"/>
+                          </a:solidFill>
+                          <a:effectLst/>
+                          <a:latin typeface="+mn-lt"/>
+                          <a:ea typeface="+mn-ea"/>
+                          <a:cs typeface="+mn-cs"/>
                         </a:rPr>
                         <a:t>需求</a:t>
                       </a:r>
                       <a:r>
-                        <a:rPr lang="zh-CN" sz="800" kern="100" dirty="0" smtClean="0">
-                          <a:effectLst/>
+                        <a:rPr lang="zh-CN" sz="1200" kern="100" dirty="0" smtClean="0">
+                          <a:solidFill>
+                            <a:schemeClr val="dk1"/>
+                          </a:solidFill>
+                          <a:effectLst/>
+                          <a:latin typeface="+mn-lt"/>
+                          <a:ea typeface="+mn-ea"/>
+                          <a:cs typeface="+mn-cs"/>
                         </a:rPr>
                         <a:t>决策者</a:t>
                       </a:r>
                       <a:r>
-                        <a:rPr lang="en-US" altLang="zh-CN" sz="800" kern="100" baseline="0" dirty="0" smtClean="0">
-                          <a:effectLst/>
-                        </a:rPr>
-                        <a:t>    </a:t>
-                      </a:r>
-                      <a:r>
-                        <a:rPr lang="en-US" altLang="zh-CN" sz="800" kern="100" dirty="0" smtClean="0">
-                          <a:effectLst/>
-                        </a:rPr>
-                        <a:t>6</a:t>
-                      </a:r>
-                      <a:r>
-                        <a:rPr lang="zh-CN" sz="800" kern="100" dirty="0" smtClean="0">
-                          <a:effectLst/>
+                        <a:rPr lang="en-US" altLang="zh-CN" sz="1200" kern="100" dirty="0" smtClean="0">
+                          <a:solidFill>
+                            <a:schemeClr val="dk1"/>
+                          </a:solidFill>
+                          <a:effectLst/>
+                          <a:latin typeface="+mn-lt"/>
+                          <a:ea typeface="+mn-ea"/>
+                          <a:cs typeface="+mn-cs"/>
+                        </a:rPr>
+                        <a:t>    6</a:t>
+                      </a:r>
+                      <a:r>
+                        <a:rPr lang="zh-CN" sz="1200" kern="100" dirty="0" smtClean="0">
+                          <a:solidFill>
+                            <a:schemeClr val="dk1"/>
+                          </a:solidFill>
+                          <a:effectLst/>
+                          <a:latin typeface="+mn-lt"/>
+                          <a:ea typeface="+mn-ea"/>
+                          <a:cs typeface="+mn-cs"/>
                         </a:rPr>
                         <a:t>重新</a:t>
                       </a:r>
                       <a:r>
-                        <a:rPr lang="zh-CN" sz="800" kern="100" dirty="0">
-                          <a:effectLst/>
+                        <a:rPr lang="zh-CN" sz="1200" kern="100" dirty="0">
+                          <a:solidFill>
+                            <a:schemeClr val="dk1"/>
+                          </a:solidFill>
+                          <a:effectLst/>
+                          <a:latin typeface="+mn-lt"/>
+                          <a:ea typeface="+mn-ea"/>
+                          <a:cs typeface="+mn-cs"/>
                         </a:rPr>
                         <a:t>协商</a:t>
                       </a:r>
                       <a:r>
-                        <a:rPr lang="zh-CN" sz="800" kern="100" dirty="0" smtClean="0">
-                          <a:effectLst/>
+                        <a:rPr lang="zh-CN" sz="1200" kern="100" dirty="0" smtClean="0">
+                          <a:solidFill>
+                            <a:schemeClr val="dk1"/>
+                          </a:solidFill>
+                          <a:effectLst/>
+                          <a:latin typeface="+mn-lt"/>
+                          <a:ea typeface="+mn-ea"/>
+                          <a:cs typeface="+mn-cs"/>
                         </a:rPr>
                         <a:t>承诺</a:t>
                       </a:r>
                       <a:r>
-                        <a:rPr lang="en-US" altLang="zh-CN" sz="800" kern="100" baseline="0" dirty="0" smtClean="0">
-                          <a:effectLst/>
-                        </a:rPr>
-                        <a:t>    </a:t>
-                      </a:r>
-                      <a:r>
-                        <a:rPr lang="en-US" altLang="zh-CN" sz="800" kern="100" dirty="0" smtClean="0">
-                          <a:effectLst/>
-                        </a:rPr>
-                        <a:t>7</a:t>
-                      </a:r>
-                      <a:r>
-                        <a:rPr lang="zh-CN" sz="800" kern="100" dirty="0" smtClean="0">
-                          <a:effectLst/>
+                        <a:rPr lang="en-US" altLang="zh-CN" sz="1200" kern="100" dirty="0" smtClean="0">
+                          <a:solidFill>
+                            <a:schemeClr val="dk1"/>
+                          </a:solidFill>
+                          <a:effectLst/>
+                          <a:latin typeface="+mn-lt"/>
+                          <a:ea typeface="+mn-ea"/>
+                          <a:cs typeface="+mn-cs"/>
+                        </a:rPr>
+                        <a:t>    7</a:t>
+                      </a:r>
+                      <a:r>
+                        <a:rPr lang="zh-CN" sz="1200" kern="100" dirty="0" smtClean="0">
+                          <a:solidFill>
+                            <a:schemeClr val="dk1"/>
+                          </a:solidFill>
+                          <a:effectLst/>
+                          <a:latin typeface="+mn-lt"/>
+                          <a:ea typeface="+mn-ea"/>
+                          <a:cs typeface="+mn-cs"/>
                         </a:rPr>
                         <a:t>管理</a:t>
                       </a:r>
                       <a:r>
-                        <a:rPr lang="zh-CN" sz="800" kern="100" dirty="0">
-                          <a:effectLst/>
+                        <a:rPr lang="zh-CN" sz="1200" kern="100" dirty="0">
+                          <a:solidFill>
+                            <a:schemeClr val="dk1"/>
+                          </a:solidFill>
+                          <a:effectLst/>
+                          <a:latin typeface="+mn-lt"/>
+                          <a:ea typeface="+mn-ea"/>
+                          <a:cs typeface="+mn-cs"/>
                         </a:rPr>
                         <a:t>需求</a:t>
                       </a:r>
                       <a:r>
-                        <a:rPr lang="zh-CN" sz="800" kern="100" dirty="0" smtClean="0">
-                          <a:effectLst/>
+                        <a:rPr lang="zh-CN" sz="1200" kern="100" dirty="0" smtClean="0">
+                          <a:solidFill>
+                            <a:schemeClr val="dk1"/>
+                          </a:solidFill>
+                          <a:effectLst/>
+                          <a:latin typeface="+mn-lt"/>
+                          <a:ea typeface="+mn-ea"/>
+                          <a:cs typeface="+mn-cs"/>
                         </a:rPr>
                         <a:t>风险</a:t>
                       </a:r>
                       <a:r>
-                        <a:rPr lang="en-US" altLang="zh-CN" sz="800" kern="100" baseline="0" dirty="0" smtClean="0">
-                          <a:effectLst/>
-                        </a:rPr>
-                        <a:t>    </a:t>
-                      </a:r>
-                      <a:r>
-                        <a:rPr lang="en-US" altLang="zh-CN" sz="800" kern="100" dirty="0" smtClean="0">
-                          <a:effectLst/>
-                        </a:rPr>
-                        <a:t>8</a:t>
-                      </a:r>
-                      <a:r>
-                        <a:rPr lang="zh-CN" sz="800" kern="100" dirty="0" smtClean="0">
-                          <a:effectLst/>
+                        <a:rPr lang="en-US" altLang="zh-CN" sz="1200" kern="100" dirty="0" smtClean="0">
+                          <a:solidFill>
+                            <a:schemeClr val="dk1"/>
+                          </a:solidFill>
+                          <a:effectLst/>
+                          <a:latin typeface="+mn-lt"/>
+                          <a:ea typeface="+mn-ea"/>
+                          <a:cs typeface="+mn-cs"/>
+                        </a:rPr>
+                        <a:t>    8</a:t>
+                      </a:r>
+                      <a:r>
+                        <a:rPr lang="zh-CN" sz="1200" kern="100" dirty="0" smtClean="0">
+                          <a:solidFill>
+                            <a:schemeClr val="dk1"/>
+                          </a:solidFill>
+                          <a:effectLst/>
+                          <a:latin typeface="+mn-lt"/>
+                          <a:ea typeface="+mn-ea"/>
+                          <a:cs typeface="+mn-cs"/>
                         </a:rPr>
                         <a:t>跟踪</a:t>
                       </a:r>
                       <a:r>
-                        <a:rPr lang="zh-CN" sz="800" kern="100" dirty="0">
-                          <a:effectLst/>
+                        <a:rPr lang="zh-CN" sz="1200" kern="100" dirty="0">
+                          <a:solidFill>
+                            <a:schemeClr val="dk1"/>
+                          </a:solidFill>
+                          <a:effectLst/>
+                          <a:latin typeface="+mn-lt"/>
+                          <a:ea typeface="+mn-ea"/>
+                          <a:cs typeface="+mn-cs"/>
                         </a:rPr>
                         <a:t>记录需求工作量</a:t>
                       </a:r>
+                      <a:endParaRPr lang="zh-CN" sz="1200" kern="100" dirty="0">
+                        <a:solidFill>
+                          <a:schemeClr val="dk1"/>
+                        </a:solidFill>
+                        <a:effectLst/>
+                        <a:latin typeface="+mn-lt"/>
+                        <a:ea typeface="+mn-ea"/>
+                        <a:cs typeface="+mn-cs"/>
+                      </a:endParaRPr>
                     </a:p>
                     <a:p>
-                      <a:pPr indent="127000" algn="just">
+                      <a:pPr marL="0" indent="127000" algn="just" defTabSz="913765" rtl="0" eaLnBrk="1" latinLnBrk="0" hangingPunct="1">
                         <a:lnSpc>
                           <a:spcPts val="2000"/>
                         </a:lnSpc>
@@ -11021,38 +14340,54 @@
                         </a:spcAft>
                       </a:pPr>
                       <a:r>
-                        <a:rPr lang="en-US" altLang="zh-CN" sz="800" kern="100" dirty="0" smtClean="0">
-                          <a:effectLst/>
+                        <a:rPr lang="en-US" altLang="zh-CN" sz="1200" kern="100" dirty="0" smtClean="0">
+                          <a:solidFill>
+                            <a:schemeClr val="dk1"/>
+                          </a:solidFill>
+                          <a:effectLst/>
+                          <a:latin typeface="+mn-lt"/>
+                          <a:ea typeface="+mn-ea"/>
+                          <a:cs typeface="+mn-cs"/>
                         </a:rPr>
                         <a:t>9</a:t>
                       </a:r>
                       <a:r>
-                        <a:rPr lang="zh-CN" sz="800" kern="100" dirty="0" smtClean="0">
-                          <a:effectLst/>
+                        <a:rPr lang="zh-CN" sz="1200" kern="100" dirty="0" smtClean="0">
+                          <a:solidFill>
+                            <a:schemeClr val="dk1"/>
+                          </a:solidFill>
+                          <a:effectLst/>
+                          <a:latin typeface="+mn-lt"/>
+                          <a:ea typeface="+mn-ea"/>
+                          <a:cs typeface="+mn-cs"/>
                         </a:rPr>
                         <a:t>回顾</a:t>
                       </a:r>
                       <a:r>
-                        <a:rPr lang="zh-CN" sz="800" kern="100" dirty="0">
-                          <a:effectLst/>
+                        <a:rPr lang="zh-CN" sz="1200" kern="100" dirty="0">
+                          <a:solidFill>
+                            <a:schemeClr val="dk1"/>
+                          </a:solidFill>
+                          <a:effectLst/>
+                          <a:latin typeface="+mn-lt"/>
+                          <a:ea typeface="+mn-ea"/>
+                          <a:cs typeface="+mn-cs"/>
                         </a:rPr>
                         <a:t>学到的经验</a:t>
                       </a:r>
-                      <a:endParaRPr lang="zh-CN" sz="800" kern="100" dirty="0">
+                      <a:endParaRPr lang="zh-CN" sz="1200" kern="100" dirty="0">
+                        <a:solidFill>
+                          <a:schemeClr val="dk1"/>
+                        </a:solidFill>
                         <a:effectLst/>
-                        <a:latin typeface="Times New Roman" panose="02020603050405020304" pitchFamily="18" charset="0"/>
-                        <a:ea typeface="宋体" panose="02010600030101010101" pitchFamily="2" charset="-122"/>
-                        <a:cs typeface="宋体" panose="02010600030101010101" pitchFamily="2" charset="-122"/>
+                        <a:latin typeface="+mn-lt"/>
+                        <a:ea typeface="+mn-ea"/>
+                        <a:cs typeface="+mn-cs"/>
                       </a:endParaRPr>
                     </a:p>
                   </a:txBody>
                   <a:tcPr marL="45187" marR="45187" marT="0" marB="0"/>
                 </a:tc>
-                <a:extLst>
-                  <a:ext uri="{0D108BD9-81ED-4DB2-BD59-A6C34878D82A}">
-                    <a16:rowId xmlns:a16="http://schemas.microsoft.com/office/drawing/2014/main" val="4117459989"/>
-                  </a:ext>
-                </a:extLst>
               </a:tr>
             </a:tbl>
           </a:graphicData>
@@ -11323,7 +14658,7 @@
           <p:nvPr/>
         </p:nvPicPr>
         <p:blipFill>
-          <a:blip r:embed="rId2"/>
+          <a:blip r:embed="rId1"/>
           <a:stretch>
             <a:fillRect/>
           </a:stretch>
@@ -11406,13 +14741,7 @@
           <p:cNvGraphicFramePr>
             <a:graphicFrameLocks noGrp="1"/>
           </p:cNvGraphicFramePr>
-          <p:nvPr>
-            <p:extLst>
-              <p:ext uri="{D42A27DB-BD31-4B8C-83A1-F6EECF244321}">
-                <p14:modId xmlns:p14="http://schemas.microsoft.com/office/powerpoint/2010/main" val="808560938"/>
-              </p:ext>
-            </p:extLst>
-          </p:nvPr>
+          <p:nvPr/>
         </p:nvGraphicFramePr>
         <p:xfrm>
           <a:off x="2471899" y="2657951"/>
@@ -11425,20 +14754,8 @@
                 <a:tableStyleId>{5C22544A-7EE6-4342-B048-85BDC9FD1C3A}</a:tableStyleId>
               </a:tblPr>
               <a:tblGrid>
-                <a:gridCol w="4008312">
-                  <a:extLst>
-                    <a:ext uri="{9D8B030D-6E8A-4147-A177-3AD203B41FA5}">
-                      <a16:colId xmlns:a16="http://schemas.microsoft.com/office/drawing/2014/main" val="2661084875"/>
-                    </a:ext>
-                  </a:extLst>
-                </a:gridCol>
-                <a:gridCol w="4009727">
-                  <a:extLst>
-                    <a:ext uri="{9D8B030D-6E8A-4147-A177-3AD203B41FA5}">
-                      <a16:colId xmlns:a16="http://schemas.microsoft.com/office/drawing/2014/main" val="3758455505"/>
-                    </a:ext>
-                  </a:extLst>
-                </a:gridCol>
+                <a:gridCol w="4008312"/>
+                <a:gridCol w="4009727"/>
               </a:tblGrid>
               <a:tr h="519306">
                 <a:tc>
@@ -11454,13 +14771,32 @@
                           <a:spcPts val="0"/>
                         </a:spcAft>
                       </a:pPr>
-                      <a:r>
-                        <a:rPr lang="zh-CN" sz="2300" kern="100">
-                          <a:effectLst/>
-                        </a:rPr>
-                        <a:t>开发阶段</a:t>
-                      </a:r>
-                      <a:endParaRPr lang="zh-CN" sz="2700" kern="100">
+                      <a:endParaRPr lang="en-US" altLang="zh-CN" sz="2300" kern="100" dirty="0" smtClean="0">
+                        <a:effectLst/>
+                      </a:endParaRPr>
+                    </a:p>
+                    <a:p>
+                      <a:pPr indent="127000" algn="just">
+                        <a:lnSpc>
+                          <a:spcPts val="2000"/>
+                        </a:lnSpc>
+                        <a:spcAft>
+                          <a:spcPts val="0"/>
+                        </a:spcAft>
+                      </a:pPr>
+                      <a:r>
+                        <a:rPr lang="zh-CN" sz="2300" kern="100" dirty="0" smtClean="0">
+                          <a:effectLst/>
+                        </a:rPr>
+                        <a:t>开发</a:t>
+                      </a:r>
+                      <a:r>
+                        <a:rPr lang="zh-CN" sz="2300" kern="100" dirty="0">
+                          <a:effectLst/>
+                        </a:rPr>
+                        <a:t>阶段</a:t>
+                      </a:r>
+                      <a:endParaRPr lang="zh-CN" sz="2700" kern="100" dirty="0">
                         <a:effectLst/>
                         <a:latin typeface="Times New Roman" panose="02020603050405020304" pitchFamily="18" charset="0"/>
                         <a:ea typeface="宋体" panose="02010600030101010101" pitchFamily="2" charset="-122"/>
@@ -11483,13 +14819,32 @@
                           <a:spcPts val="0"/>
                         </a:spcAft>
                       </a:pPr>
-                      <a:r>
-                        <a:rPr lang="zh-CN" sz="2300" kern="100">
-                          <a:effectLst/>
-                        </a:rPr>
-                        <a:t>经费（元）</a:t>
-                      </a:r>
-                      <a:endParaRPr lang="zh-CN" sz="2700" kern="100">
+                      <a:endParaRPr lang="en-US" altLang="zh-CN" sz="2300" kern="100" dirty="0" smtClean="0">
+                        <a:effectLst/>
+                      </a:endParaRPr>
+                    </a:p>
+                    <a:p>
+                      <a:pPr indent="127000" algn="just">
+                        <a:lnSpc>
+                          <a:spcPts val="2000"/>
+                        </a:lnSpc>
+                        <a:spcAft>
+                          <a:spcPts val="0"/>
+                        </a:spcAft>
+                      </a:pPr>
+                      <a:r>
+                        <a:rPr lang="zh-CN" sz="2300" kern="100" dirty="0" smtClean="0">
+                          <a:effectLst/>
+                        </a:rPr>
+                        <a:t>经费</a:t>
+                      </a:r>
+                      <a:r>
+                        <a:rPr lang="zh-CN" sz="2300" kern="100" dirty="0">
+                          <a:effectLst/>
+                        </a:rPr>
+                        <a:t>（元）</a:t>
+                      </a:r>
+                      <a:endParaRPr lang="zh-CN" sz="2700" kern="100" dirty="0">
                         <a:effectLst/>
                         <a:latin typeface="Times New Roman" panose="02020603050405020304" pitchFamily="18" charset="0"/>
                         <a:ea typeface="宋体" panose="02010600030101010101" pitchFamily="2" charset="-122"/>
@@ -11499,11 +14854,6 @@
                   </a:txBody>
                   <a:tcPr marL="152914" marR="152914" marT="0" marB="0"/>
                 </a:tc>
-                <a:extLst>
-                  <a:ext uri="{0D108BD9-81ED-4DB2-BD59-A6C34878D82A}">
-                    <a16:rowId xmlns:a16="http://schemas.microsoft.com/office/drawing/2014/main" val="3800368032"/>
-                  </a:ext>
-                </a:extLst>
               </a:tr>
               <a:tr h="530544">
                 <a:tc>
@@ -11519,13 +14869,32 @@
                           <a:spcPts val="0"/>
                         </a:spcAft>
                       </a:pPr>
-                      <a:r>
-                        <a:rPr lang="zh-CN" sz="2300" kern="100">
-                          <a:effectLst/>
-                        </a:rPr>
-                        <a:t>需求获取</a:t>
-                      </a:r>
-                      <a:endParaRPr lang="zh-CN" sz="2700" kern="100">
+                      <a:endParaRPr lang="en-US" altLang="zh-CN" sz="2300" kern="100" dirty="0" smtClean="0">
+                        <a:effectLst/>
+                      </a:endParaRPr>
+                    </a:p>
+                    <a:p>
+                      <a:pPr indent="127000" algn="just">
+                        <a:lnSpc>
+                          <a:spcPts val="2000"/>
+                        </a:lnSpc>
+                        <a:spcAft>
+                          <a:spcPts val="0"/>
+                        </a:spcAft>
+                      </a:pPr>
+                      <a:r>
+                        <a:rPr lang="zh-CN" sz="2300" kern="100" dirty="0" smtClean="0">
+                          <a:effectLst/>
+                        </a:rPr>
+                        <a:t>需求</a:t>
+                      </a:r>
+                      <a:r>
+                        <a:rPr lang="zh-CN" sz="2300" kern="100" dirty="0">
+                          <a:effectLst/>
+                        </a:rPr>
+                        <a:t>获取</a:t>
+                      </a:r>
+                      <a:endParaRPr lang="zh-CN" sz="2700" kern="100" dirty="0">
                         <a:effectLst/>
                         <a:latin typeface="Times New Roman" panose="02020603050405020304" pitchFamily="18" charset="0"/>
                         <a:ea typeface="宋体" panose="02010600030101010101" pitchFamily="2" charset="-122"/>
@@ -11548,13 +14917,26 @@
                           <a:spcPts val="0"/>
                         </a:spcAft>
                       </a:pPr>
-                      <a:r>
-                        <a:rPr lang="en-US" sz="2300" kern="100">
+                      <a:endParaRPr lang="en-US" sz="2300" kern="100" dirty="0" smtClean="0">
+                        <a:effectLst/>
+                      </a:endParaRPr>
+                    </a:p>
+                    <a:p>
+                      <a:pPr indent="127000" algn="just">
+                        <a:lnSpc>
+                          <a:spcPts val="2000"/>
+                        </a:lnSpc>
+                        <a:spcAft>
+                          <a:spcPts val="0"/>
+                        </a:spcAft>
+                      </a:pPr>
+                      <a:r>
+                        <a:rPr lang="en-US" sz="2300" kern="100" dirty="0" smtClean="0">
                           <a:effectLst/>
                         </a:rPr>
                         <a:t>929.1</a:t>
                       </a:r>
-                      <a:endParaRPr lang="zh-CN" sz="2700" kern="100">
+                      <a:endParaRPr lang="zh-CN" sz="2700" kern="100" dirty="0">
                         <a:effectLst/>
                         <a:latin typeface="Times New Roman" panose="02020603050405020304" pitchFamily="18" charset="0"/>
                         <a:ea typeface="宋体" panose="02010600030101010101" pitchFamily="2" charset="-122"/>
@@ -11564,11 +14946,6 @@
                   </a:txBody>
                   <a:tcPr marL="152914" marR="152914" marT="0" marB="0"/>
                 </a:tc>
-                <a:extLst>
-                  <a:ext uri="{0D108BD9-81ED-4DB2-BD59-A6C34878D82A}">
-                    <a16:rowId xmlns:a16="http://schemas.microsoft.com/office/drawing/2014/main" val="3920507911"/>
-                  </a:ext>
-                </a:extLst>
               </a:tr>
               <a:tr h="530544">
                 <a:tc>
@@ -11584,13 +14961,26 @@
                           <a:spcPts val="0"/>
                         </a:spcAft>
                       </a:pPr>
-                      <a:r>
-                        <a:rPr lang="zh-CN" sz="2300" kern="100">
+                      <a:endParaRPr lang="en-US" altLang="zh-CN" sz="2300" kern="100" dirty="0" smtClean="0">
+                        <a:effectLst/>
+                      </a:endParaRPr>
+                    </a:p>
+                    <a:p>
+                      <a:pPr indent="127000" algn="just">
+                        <a:lnSpc>
+                          <a:spcPts val="2000"/>
+                        </a:lnSpc>
+                        <a:spcAft>
+                          <a:spcPts val="0"/>
+                        </a:spcAft>
+                      </a:pPr>
+                      <a:r>
+                        <a:rPr lang="zh-CN" sz="2300" kern="100" dirty="0" smtClean="0">
                           <a:effectLst/>
                         </a:rPr>
                         <a:t>需求分析</a:t>
                       </a:r>
-                      <a:endParaRPr lang="zh-CN" sz="2700" kern="100">
+                      <a:endParaRPr lang="zh-CN" sz="2700" kern="100" dirty="0">
                         <a:effectLst/>
                         <a:latin typeface="Times New Roman" panose="02020603050405020304" pitchFamily="18" charset="0"/>
                         <a:ea typeface="宋体" panose="02010600030101010101" pitchFamily="2" charset="-122"/>
@@ -11613,13 +15003,26 @@
                           <a:spcPts val="0"/>
                         </a:spcAft>
                       </a:pPr>
-                      <a:r>
-                        <a:rPr lang="en-US" sz="2300" kern="100">
+                      <a:endParaRPr lang="en-US" sz="2300" kern="100" dirty="0" smtClean="0">
+                        <a:effectLst/>
+                      </a:endParaRPr>
+                    </a:p>
+                    <a:p>
+                      <a:pPr indent="127000" algn="just">
+                        <a:lnSpc>
+                          <a:spcPts val="2000"/>
+                        </a:lnSpc>
+                        <a:spcAft>
+                          <a:spcPts val="0"/>
+                        </a:spcAft>
+                      </a:pPr>
+                      <a:r>
+                        <a:rPr lang="en-US" sz="2300" kern="100" dirty="0" smtClean="0">
                           <a:effectLst/>
                         </a:rPr>
                         <a:t>588.43</a:t>
                       </a:r>
-                      <a:endParaRPr lang="zh-CN" sz="2700" kern="100">
+                      <a:endParaRPr lang="zh-CN" sz="2700" kern="100" dirty="0">
                         <a:effectLst/>
                         <a:latin typeface="Times New Roman" panose="02020603050405020304" pitchFamily="18" charset="0"/>
                         <a:ea typeface="宋体" panose="02010600030101010101" pitchFamily="2" charset="-122"/>
@@ -11629,11 +15032,6 @@
                   </a:txBody>
                   <a:tcPr marL="152914" marR="152914" marT="0" marB="0"/>
                 </a:tc>
-                <a:extLst>
-                  <a:ext uri="{0D108BD9-81ED-4DB2-BD59-A6C34878D82A}">
-                    <a16:rowId xmlns:a16="http://schemas.microsoft.com/office/drawing/2014/main" val="4068090300"/>
-                  </a:ext>
-                </a:extLst>
               </a:tr>
               <a:tr h="530544">
                 <a:tc>
@@ -11649,13 +15047,26 @@
                           <a:spcPts val="0"/>
                         </a:spcAft>
                       </a:pPr>
-                      <a:r>
-                        <a:rPr lang="zh-CN" sz="2300" kern="100">
+                      <a:endParaRPr lang="en-US" altLang="zh-CN" sz="2300" kern="100" dirty="0" smtClean="0">
+                        <a:effectLst/>
+                      </a:endParaRPr>
+                    </a:p>
+                    <a:p>
+                      <a:pPr indent="127000" algn="just">
+                        <a:lnSpc>
+                          <a:spcPts val="2000"/>
+                        </a:lnSpc>
+                        <a:spcAft>
+                          <a:spcPts val="0"/>
+                        </a:spcAft>
+                      </a:pPr>
+                      <a:r>
+                        <a:rPr lang="zh-CN" sz="2300" kern="100" dirty="0" smtClean="0">
                           <a:effectLst/>
                         </a:rPr>
                         <a:t>规格说明</a:t>
                       </a:r>
-                      <a:endParaRPr lang="zh-CN" sz="2700" kern="100">
+                      <a:endParaRPr lang="zh-CN" sz="2700" kern="100" dirty="0">
                         <a:effectLst/>
                         <a:latin typeface="Times New Roman" panose="02020603050405020304" pitchFamily="18" charset="0"/>
                         <a:ea typeface="宋体" panose="02010600030101010101" pitchFamily="2" charset="-122"/>
@@ -11678,13 +15089,26 @@
                           <a:spcPts val="0"/>
                         </a:spcAft>
                       </a:pPr>
-                      <a:r>
-                        <a:rPr lang="en-US" sz="2300" kern="100">
+                      <a:endParaRPr lang="en-US" sz="2300" kern="100" dirty="0" smtClean="0">
+                        <a:effectLst/>
+                      </a:endParaRPr>
+                    </a:p>
+                    <a:p>
+                      <a:pPr indent="127000" algn="just">
+                        <a:lnSpc>
+                          <a:spcPts val="2000"/>
+                        </a:lnSpc>
+                        <a:spcAft>
+                          <a:spcPts val="0"/>
+                        </a:spcAft>
+                      </a:pPr>
+                      <a:r>
+                        <a:rPr lang="en-US" sz="2300" kern="100" dirty="0" smtClean="0">
                           <a:effectLst/>
                         </a:rPr>
                         <a:t>402.61</a:t>
                       </a:r>
-                      <a:endParaRPr lang="zh-CN" sz="2700" kern="100">
+                      <a:endParaRPr lang="zh-CN" sz="2700" kern="100" dirty="0">
                         <a:effectLst/>
                         <a:latin typeface="Times New Roman" panose="02020603050405020304" pitchFamily="18" charset="0"/>
                         <a:ea typeface="宋体" panose="02010600030101010101" pitchFamily="2" charset="-122"/>
@@ -11694,11 +15118,6 @@
                   </a:txBody>
                   <a:tcPr marL="152914" marR="152914" marT="0" marB="0"/>
                 </a:tc>
-                <a:extLst>
-                  <a:ext uri="{0D108BD9-81ED-4DB2-BD59-A6C34878D82A}">
-                    <a16:rowId xmlns:a16="http://schemas.microsoft.com/office/drawing/2014/main" val="932629682"/>
-                  </a:ext>
-                </a:extLst>
               </a:tr>
               <a:tr h="530544">
                 <a:tc>
@@ -11714,13 +15133,26 @@
                           <a:spcPts val="0"/>
                         </a:spcAft>
                       </a:pPr>
-                      <a:r>
-                        <a:rPr lang="zh-CN" sz="2300" kern="100">
+                      <a:endParaRPr lang="en-US" altLang="zh-CN" sz="2300" kern="100" dirty="0" smtClean="0">
+                        <a:effectLst/>
+                      </a:endParaRPr>
+                    </a:p>
+                    <a:p>
+                      <a:pPr indent="127000" algn="just">
+                        <a:lnSpc>
+                          <a:spcPts val="2000"/>
+                        </a:lnSpc>
+                        <a:spcAft>
+                          <a:spcPts val="0"/>
+                        </a:spcAft>
+                      </a:pPr>
+                      <a:r>
+                        <a:rPr lang="zh-CN" sz="2300" kern="100" dirty="0" smtClean="0">
                           <a:effectLst/>
                         </a:rPr>
                         <a:t>需求验证</a:t>
                       </a:r>
-                      <a:endParaRPr lang="zh-CN" sz="2700" kern="100">
+                      <a:endParaRPr lang="zh-CN" sz="2700" kern="100" dirty="0">
                         <a:effectLst/>
                         <a:latin typeface="Times New Roman" panose="02020603050405020304" pitchFamily="18" charset="0"/>
                         <a:ea typeface="宋体" panose="02010600030101010101" pitchFamily="2" charset="-122"/>
@@ -11743,13 +15175,26 @@
                           <a:spcPts val="0"/>
                         </a:spcAft>
                       </a:pPr>
-                      <a:r>
-                        <a:rPr lang="en-US" sz="2300" kern="100">
+                      <a:endParaRPr lang="en-US" sz="2300" kern="100" dirty="0" smtClean="0">
+                        <a:effectLst/>
+                      </a:endParaRPr>
+                    </a:p>
+                    <a:p>
+                      <a:pPr indent="127000" algn="just">
+                        <a:lnSpc>
+                          <a:spcPts val="2000"/>
+                        </a:lnSpc>
+                        <a:spcAft>
+                          <a:spcPts val="0"/>
+                        </a:spcAft>
+                      </a:pPr>
+                      <a:r>
+                        <a:rPr lang="en-US" sz="2300" kern="100" dirty="0" smtClean="0">
                           <a:effectLst/>
                         </a:rPr>
                         <a:t>619.4</a:t>
                       </a:r>
-                      <a:endParaRPr lang="zh-CN" sz="2700" kern="100">
+                      <a:endParaRPr lang="zh-CN" sz="2700" kern="100" dirty="0">
                         <a:effectLst/>
                         <a:latin typeface="Times New Roman" panose="02020603050405020304" pitchFamily="18" charset="0"/>
                         <a:ea typeface="宋体" panose="02010600030101010101" pitchFamily="2" charset="-122"/>
@@ -11759,11 +15204,6 @@
                   </a:txBody>
                   <a:tcPr marL="152914" marR="152914" marT="0" marB="0"/>
                 </a:tc>
-                <a:extLst>
-                  <a:ext uri="{0D108BD9-81ED-4DB2-BD59-A6C34878D82A}">
-                    <a16:rowId xmlns:a16="http://schemas.microsoft.com/office/drawing/2014/main" val="271965735"/>
-                  </a:ext>
-                </a:extLst>
               </a:tr>
               <a:tr h="530544">
                 <a:tc>
@@ -11779,13 +15219,32 @@
                           <a:spcPts val="0"/>
                         </a:spcAft>
                       </a:pPr>
-                      <a:r>
-                        <a:rPr lang="zh-CN" sz="2300" kern="100">
-                          <a:effectLst/>
-                        </a:rPr>
-                        <a:t>需求管理</a:t>
-                      </a:r>
-                      <a:endParaRPr lang="zh-CN" sz="2700" kern="100">
+                      <a:endParaRPr lang="en-US" altLang="zh-CN" sz="2300" kern="100" dirty="0" smtClean="0">
+                        <a:effectLst/>
+                      </a:endParaRPr>
+                    </a:p>
+                    <a:p>
+                      <a:pPr indent="127000" algn="just">
+                        <a:lnSpc>
+                          <a:spcPts val="2000"/>
+                        </a:lnSpc>
+                        <a:spcAft>
+                          <a:spcPts val="0"/>
+                        </a:spcAft>
+                      </a:pPr>
+                      <a:r>
+                        <a:rPr lang="zh-CN" sz="2300" kern="100" dirty="0" smtClean="0">
+                          <a:effectLst/>
+                        </a:rPr>
+                        <a:t>需求</a:t>
+                      </a:r>
+                      <a:r>
+                        <a:rPr lang="zh-CN" sz="2300" kern="100" dirty="0">
+                          <a:effectLst/>
+                        </a:rPr>
+                        <a:t>管理</a:t>
+                      </a:r>
+                      <a:endParaRPr lang="zh-CN" sz="2700" kern="100" dirty="0">
                         <a:effectLst/>
                         <a:latin typeface="Times New Roman" panose="02020603050405020304" pitchFamily="18" charset="0"/>
                         <a:ea typeface="宋体" panose="02010600030101010101" pitchFamily="2" charset="-122"/>
@@ -11808,13 +15267,26 @@
                           <a:spcPts val="0"/>
                         </a:spcAft>
                       </a:pPr>
-                      <a:r>
-                        <a:rPr lang="en-US" sz="2300" kern="100">
+                      <a:endParaRPr lang="en-US" sz="2300" kern="100" dirty="0" smtClean="0">
+                        <a:effectLst/>
+                      </a:endParaRPr>
+                    </a:p>
+                    <a:p>
+                      <a:pPr indent="127000" algn="just">
+                        <a:lnSpc>
+                          <a:spcPts val="2000"/>
+                        </a:lnSpc>
+                        <a:spcAft>
+                          <a:spcPts val="0"/>
+                        </a:spcAft>
+                      </a:pPr>
+                      <a:r>
+                        <a:rPr lang="en-US" sz="2300" kern="100" dirty="0" smtClean="0">
                           <a:effectLst/>
                         </a:rPr>
                         <a:t>1114.92</a:t>
                       </a:r>
-                      <a:endParaRPr lang="zh-CN" sz="2700" kern="100">
+                      <a:endParaRPr lang="zh-CN" sz="2700" kern="100" dirty="0">
                         <a:effectLst/>
                         <a:latin typeface="Times New Roman" panose="02020603050405020304" pitchFamily="18" charset="0"/>
                         <a:ea typeface="宋体" panose="02010600030101010101" pitchFamily="2" charset="-122"/>
@@ -11824,11 +15296,6 @@
                   </a:txBody>
                   <a:tcPr marL="152914" marR="152914" marT="0" marB="0"/>
                 </a:tc>
-                <a:extLst>
-                  <a:ext uri="{0D108BD9-81ED-4DB2-BD59-A6C34878D82A}">
-                    <a16:rowId xmlns:a16="http://schemas.microsoft.com/office/drawing/2014/main" val="1816548200"/>
-                  </a:ext>
-                </a:extLst>
               </a:tr>
               <a:tr h="530544">
                 <a:tc>
@@ -11844,13 +15311,26 @@
                           <a:spcPts val="0"/>
                         </a:spcAft>
                       </a:pPr>
-                      <a:r>
-                        <a:rPr lang="zh-CN" sz="2300" kern="100">
+                      <a:endParaRPr lang="en-US" altLang="zh-CN" sz="2300" kern="100" dirty="0" smtClean="0">
+                        <a:effectLst/>
+                      </a:endParaRPr>
+                    </a:p>
+                    <a:p>
+                      <a:pPr indent="127000" algn="just">
+                        <a:lnSpc>
+                          <a:spcPts val="2000"/>
+                        </a:lnSpc>
+                        <a:spcAft>
+                          <a:spcPts val="0"/>
+                        </a:spcAft>
+                      </a:pPr>
+                      <a:r>
+                        <a:rPr lang="zh-CN" sz="2300" kern="100" dirty="0" smtClean="0">
                           <a:effectLst/>
                         </a:rPr>
                         <a:t>总价</a:t>
                       </a:r>
-                      <a:endParaRPr lang="zh-CN" sz="2700" kern="100">
+                      <a:endParaRPr lang="zh-CN" sz="2700" kern="100" dirty="0">
                         <a:effectLst/>
                         <a:latin typeface="Times New Roman" panose="02020603050405020304" pitchFamily="18" charset="0"/>
                         <a:ea typeface="宋体" panose="02010600030101010101" pitchFamily="2" charset="-122"/>
@@ -11873,8 +15353,21 @@
                           <a:spcPts val="0"/>
                         </a:spcAft>
                       </a:pPr>
-                      <a:r>
-                        <a:rPr lang="en-US" sz="2300" kern="100" dirty="0">
+                      <a:endParaRPr lang="en-US" sz="2300" kern="100" smtClean="0">
+                        <a:effectLst/>
+                      </a:endParaRPr>
+                    </a:p>
+                    <a:p>
+                      <a:pPr indent="127000" algn="just">
+                        <a:lnSpc>
+                          <a:spcPts val="2000"/>
+                        </a:lnSpc>
+                        <a:spcAft>
+                          <a:spcPts val="0"/>
+                        </a:spcAft>
+                      </a:pPr>
+                      <a:r>
+                        <a:rPr lang="en-US" sz="2300" kern="100" smtClean="0">
                           <a:effectLst/>
                         </a:rPr>
                         <a:t>3654.46</a:t>
@@ -11889,22 +15382,12 @@
                   </a:txBody>
                   <a:tcPr marL="152914" marR="152914" marT="0" marB="0"/>
                 </a:tc>
-                <a:extLst>
-                  <a:ext uri="{0D108BD9-81ED-4DB2-BD59-A6C34878D82A}">
-                    <a16:rowId xmlns:a16="http://schemas.microsoft.com/office/drawing/2014/main" val="1009346147"/>
-                  </a:ext>
-                </a:extLst>
               </a:tr>
             </a:tbl>
           </a:graphicData>
         </a:graphic>
       </p:graphicFrame>
     </p:spTree>
-    <p:extLst>
-      <p:ext uri="{BB962C8B-B14F-4D97-AF65-F5344CB8AC3E}">
-        <p14:creationId xmlns:p14="http://schemas.microsoft.com/office/powerpoint/2010/main" val="3075791257"/>
-      </p:ext>
-    </p:extLst>
   </p:cSld>
   <p:clrMapOvr>
     <a:masterClrMapping/>
@@ -12017,6 +15500,11 @@
                 </a:rPr>
                 <a:t>质量管理计划</a:t>
               </a:r>
+              <a:endParaRPr lang="zh-CN" altLang="en-US" sz="2800" b="1" kern="0" dirty="0">
+                <a:latin typeface="微软雅黑" panose="020B0503020204020204" pitchFamily="34" charset="-122"/>
+                <a:ea typeface="微软雅黑" panose="020B0503020204020204" pitchFamily="34" charset="-122"/>
+                <a:cs typeface="微软雅黑" panose="020B0503020204020204" pitchFamily="34" charset="-122"/>
+              </a:endParaRPr>
             </a:p>
           </p:txBody>
         </p:sp>
@@ -12162,7 +15650,7 @@
           <p:nvPr/>
         </p:nvPicPr>
         <p:blipFill>
-          <a:blip r:embed="rId2"/>
+          <a:blip r:embed="rId1"/>
           <a:stretch>
             <a:fillRect/>
           </a:stretch>
@@ -12202,6 +15690,7 @@
               <a:rPr lang="zh-CN" altLang="zh-CN" dirty="0"/>
               <a:t>软件工程课程网站系统是用于教学、学习、交流的网站，因此对其的客户需求分析可以分为教师、管理员、学生与普通的网站游客。</a:t>
             </a:r>
+            <a:endParaRPr lang="zh-CN" altLang="zh-CN" dirty="0"/>
           </a:p>
         </p:txBody>
       </p:sp>
@@ -12263,8 +15752,21 @@
             </a:pPr>
             <a:r>
               <a:rPr lang="zh-CN" altLang="zh-CN" dirty="0"/>
-              <a:t>网站上要有系统的课程介绍包括项目管理,需求工程等几门课的课时安排、教学计划、使用教材、国际国内背景、考核方式、和学生选这门课所需要的知识背景，以及大作业的介绍。并可以在以后增加另外课程的时候可以定制.</a:t>
-            </a:r>
+              <a:t>网站上要有系统的课程介绍包括</a:t>
+            </a:r>
+            <a:r>
+              <a:rPr lang="zh-CN" altLang="zh-CN" b="1" dirty="0">
+                <a:solidFill>
+                  <a:srgbClr val="FF0000"/>
+                </a:solidFill>
+              </a:rPr>
+              <a:t>项目管理,需求工程</a:t>
+            </a:r>
+            <a:r>
+              <a:rPr lang="zh-CN" altLang="zh-CN" dirty="0"/>
+              <a:t>等几门课的课时安排、教学计划、使用教材、国际国内背景、考核方式、和学生选这门课所需要的知识背景，以及大作业的介绍。并可以在以后增加另外课程的时候可以定制.</a:t>
+            </a:r>
+            <a:endParaRPr lang="zh-CN" altLang="zh-CN" dirty="0"/>
           </a:p>
           <a:p>
             <a:pPr marL="342900" lvl="0" indent="-342900" algn="just">
@@ -12281,6 +15783,7 @@
               <a:rPr lang="zh-CN" altLang="zh-CN" dirty="0"/>
               <a:t>网站要有教师介绍，对任课老师的以往教学、科研成果，及其教学风格，出版书 籍，所获荣誉的详细介绍</a:t>
             </a:r>
+            <a:endParaRPr lang="zh-CN" altLang="zh-CN" dirty="0"/>
           </a:p>
           <a:p>
             <a:pPr marL="342900" lvl="0" indent="-342900" algn="just">
@@ -12301,6 +15804,11 @@
               </a:rPr>
               <a:t> 课件、模板、参考资料、以往优秀作业、教学视频、音频资料下载，可以及时更新。本班老师同学可以通过账号下载，其他用户可以在线浏览简化版课件。</a:t>
             </a:r>
+            <a:endParaRPr lang="zh-CN" altLang="zh-CN" dirty="0">
+              <a:solidFill>
+                <a:schemeClr val="bg1"/>
+              </a:solidFill>
+            </a:endParaRPr>
           </a:p>
           <a:p>
             <a:pPr marL="342900" lvl="0" indent="-342900" algn="just">
@@ -12321,6 +15829,11 @@
               </a:rPr>
               <a:t>教师消息发布栏用于老师发布作业点评、临时课程变更等通知。</a:t>
             </a:r>
+            <a:endParaRPr lang="zh-CN" altLang="zh-CN" dirty="0">
+              <a:solidFill>
+                <a:schemeClr val="bg1"/>
+              </a:solidFill>
+            </a:endParaRPr>
           </a:p>
           <a:p>
             <a:pPr marL="342900" lvl="0" indent="-342900" algn="just">
@@ -12341,6 +15854,11 @@
               </a:rPr>
               <a:t>网站上要有网站向导即使用指南。</a:t>
             </a:r>
+            <a:endParaRPr lang="zh-CN" altLang="zh-CN" dirty="0">
+              <a:solidFill>
+                <a:schemeClr val="bg1"/>
+              </a:solidFill>
+            </a:endParaRPr>
           </a:p>
           <a:p>
             <a:pPr marL="342900" lvl="0" indent="-342900" algn="just">
@@ -12361,6 +15879,11 @@
               </a:rPr>
               <a:t>最新信息：公布老师最近的一些教学或外出交流的心得，以及网站一些最近更新信息的介绍。</a:t>
             </a:r>
+            <a:endParaRPr lang="zh-CN" altLang="zh-CN" dirty="0">
+              <a:solidFill>
+                <a:schemeClr val="bg1"/>
+              </a:solidFill>
+            </a:endParaRPr>
           </a:p>
           <a:p>
             <a:pPr marL="342900" lvl="0" indent="-342900" algn="just">
@@ -12381,6 +15904,11 @@
               </a:rPr>
               <a:t>友情连接（如网上选课主页）有老师要求管理员实时更新。</a:t>
             </a:r>
+            <a:endParaRPr lang="zh-CN" altLang="zh-CN" dirty="0">
+              <a:solidFill>
+                <a:schemeClr val="bg1"/>
+              </a:solidFill>
+            </a:endParaRPr>
           </a:p>
           <a:p>
             <a:pPr marL="342900" lvl="0" indent="-342900" algn="just">
@@ -12401,15 +15929,15 @@
               </a:rPr>
               <a:t>提供专门的作业点评,作业完成情况跟踪的功能,对学生的作业,和课后作业讨论进行点评.</a:t>
             </a:r>
+            <a:endParaRPr lang="zh-CN" altLang="zh-CN" dirty="0">
+              <a:solidFill>
+                <a:schemeClr val="bg1"/>
+              </a:solidFill>
+            </a:endParaRPr>
           </a:p>
         </p:txBody>
       </p:sp>
     </p:spTree>
-    <p:extLst>
-      <p:ext uri="{BB962C8B-B14F-4D97-AF65-F5344CB8AC3E}">
-        <p14:creationId xmlns:p14="http://schemas.microsoft.com/office/powerpoint/2010/main" val="3373847044"/>
-      </p:ext>
-    </p:extLst>
   </p:cSld>
   <p:clrMapOvr>
     <a:masterClrMapping/>
@@ -12522,6 +16050,11 @@
                 </a:rPr>
                 <a:t>质量管理计划</a:t>
               </a:r>
+              <a:endParaRPr lang="zh-CN" altLang="en-US" sz="2800" b="1" kern="0" dirty="0">
+                <a:latin typeface="微软雅黑" panose="020B0503020204020204" pitchFamily="34" charset="-122"/>
+                <a:ea typeface="微软雅黑" panose="020B0503020204020204" pitchFamily="34" charset="-122"/>
+                <a:cs typeface="微软雅黑" panose="020B0503020204020204" pitchFamily="34" charset="-122"/>
+              </a:endParaRPr>
             </a:p>
           </p:txBody>
         </p:sp>
@@ -12667,7 +16200,7 @@
           <p:nvPr/>
         </p:nvPicPr>
         <p:blipFill>
-          <a:blip r:embed="rId2"/>
+          <a:blip r:embed="rId1"/>
           <a:stretch>
             <a:fillRect/>
           </a:stretch>
@@ -12717,8 +16250,16 @@
               <a:t>1. </a:t>
             </a:r>
             <a:r>
+              <a:rPr lang="zh-CN" altLang="zh-CN" sz="2000" b="1" dirty="0" smtClean="0">
+                <a:solidFill>
+                  <a:srgbClr val="FF0000"/>
+                </a:solidFill>
+              </a:rPr>
+              <a:t>课件下载功能</a:t>
+            </a:r>
+            <a:r>
               <a:rPr lang="zh-CN" altLang="zh-CN" sz="2000" dirty="0" smtClean="0"/>
-              <a:t>课件下载功能，包括以往的旧版本课件，以及最新的课件。</a:t>
+              <a:t>，包括以往的旧版本课件，以及最新的课件。</a:t>
             </a:r>
             <a:endParaRPr lang="zh-CN" altLang="zh-CN" sz="2800" dirty="0" smtClean="0"/>
           </a:p>
@@ -12729,8 +16270,16 @@
               <a:t>2. </a:t>
             </a:r>
             <a:r>
+              <a:rPr lang="zh-CN" altLang="zh-CN" sz="2000" b="1" dirty="0" smtClean="0">
+                <a:solidFill>
+                  <a:srgbClr val="FF0000"/>
+                </a:solidFill>
+              </a:rPr>
+              <a:t>能下载老师提供的参考资料</a:t>
+            </a:r>
+            <a:r>
               <a:rPr lang="zh-CN" altLang="zh-CN" sz="2000" dirty="0" smtClean="0"/>
-              <a:t>能下载老师提供的参考资料(含电子教材、历年试卷、补课资料，以及老师的教学交流文章)并且网站能</a:t>
+              <a:t>(含电子教材、历年试卷、补课资料，以及老师的教学交流文章)并且网站能</a:t>
             </a:r>
             <a:r>
               <a:rPr lang="en-US" altLang="zh-CN" sz="2000" dirty="0" smtClean="0"/>
@@ -12770,7 +16319,19 @@
             </a:r>
             <a:r>
               <a:rPr lang="zh-CN" altLang="zh-CN" sz="2000" dirty="0" smtClean="0"/>
-              <a:t>网站界面要求简洁大方，有网站导航、相关链接(含学校选课系统、学院网页、需求相关主题网站)</a:t>
+              <a:t>网站界面要求</a:t>
+            </a:r>
+            <a:r>
+              <a:rPr lang="zh-CN" altLang="zh-CN" sz="2000" b="1" dirty="0" smtClean="0">
+                <a:solidFill>
+                  <a:srgbClr val="FF0000"/>
+                </a:solidFill>
+              </a:rPr>
+              <a:t>简洁大方</a:t>
+            </a:r>
+            <a:r>
+              <a:rPr lang="zh-CN" altLang="zh-CN" sz="2000" dirty="0" smtClean="0"/>
+              <a:t>，有网站导航、相关链接(含学校选课系统、学院网页、需求相关主题网站)</a:t>
             </a:r>
             <a:endParaRPr lang="zh-CN" altLang="zh-CN" sz="2800" dirty="0" smtClean="0"/>
           </a:p>
@@ -12945,11 +16506,6 @@
         </p:txBody>
       </p:sp>
     </p:spTree>
-    <p:extLst>
-      <p:ext uri="{BB962C8B-B14F-4D97-AF65-F5344CB8AC3E}">
-        <p14:creationId xmlns:p14="http://schemas.microsoft.com/office/powerpoint/2010/main" val="4289820715"/>
-      </p:ext>
-    </p:extLst>
   </p:cSld>
   <p:clrMapOvr>
     <a:masterClrMapping/>
@@ -13062,6 +16618,11 @@
                 </a:rPr>
                 <a:t>质量管理计划</a:t>
               </a:r>
+              <a:endParaRPr lang="zh-CN" altLang="en-US" sz="2800" b="1" kern="0" dirty="0">
+                <a:latin typeface="微软雅黑" panose="020B0503020204020204" pitchFamily="34" charset="-122"/>
+                <a:ea typeface="微软雅黑" panose="020B0503020204020204" pitchFamily="34" charset="-122"/>
+                <a:cs typeface="微软雅黑" panose="020B0503020204020204" pitchFamily="34" charset="-122"/>
+              </a:endParaRPr>
             </a:p>
           </p:txBody>
         </p:sp>
@@ -13207,7 +16768,7 @@
           <p:nvPr/>
         </p:nvPicPr>
         <p:blipFill>
-          <a:blip r:embed="rId2"/>
+          <a:blip r:embed="rId1"/>
           <a:stretch>
             <a:fillRect/>
           </a:stretch>
@@ -13257,8 +16818,16 @@
           <a:p>
             <a:pPr lvl="0"/>
             <a:r>
+              <a:rPr lang="en-US" altLang="zh-CN" dirty="0" smtClean="0"/>
+              <a:t>	</a:t>
+            </a:r>
+            <a:r>
+              <a:rPr lang="zh-CN" altLang="zh-CN" dirty="0" smtClean="0"/>
+              <a:t>能</a:t>
+            </a:r>
+            <a:r>
               <a:rPr lang="zh-CN" altLang="zh-CN" dirty="0"/>
-              <a:t>能看到老师提供的参考资料</a:t>
+              <a:t>看到老师提供的参考资料</a:t>
             </a:r>
             <a:r>
               <a:rPr lang="en-US" altLang="zh-CN" dirty="0"/>
@@ -13289,16 +16858,32 @@
           <a:p>
             <a:pPr lvl="0"/>
             <a:r>
+              <a:rPr lang="en-US" altLang="zh-CN" dirty="0" smtClean="0"/>
+              <a:t>	</a:t>
+            </a:r>
+            <a:r>
+              <a:rPr lang="zh-CN" altLang="zh-CN" dirty="0" smtClean="0"/>
+              <a:t>游客</a:t>
+            </a:r>
+            <a:r>
               <a:rPr lang="zh-CN" altLang="zh-CN" dirty="0"/>
-              <a:t>游客能看到历年学生对本课程，任课老师以及助教的评价与反馈。</a:t>
+              <a:t>能看到历年学生对本课程，任课老师以及助教的评价与反馈。</a:t>
             </a:r>
             <a:endParaRPr lang="zh-CN" altLang="zh-CN" sz="2400" dirty="0"/>
           </a:p>
           <a:p>
             <a:pPr lvl="0"/>
             <a:r>
+              <a:rPr lang="en-US" altLang="zh-CN" dirty="0" smtClean="0"/>
+              <a:t>	</a:t>
+            </a:r>
+            <a:r>
+              <a:rPr lang="zh-CN" altLang="zh-CN" dirty="0" smtClean="0"/>
+              <a:t>网站</a:t>
+            </a:r>
+            <a:r>
               <a:rPr lang="zh-CN" altLang="zh-CN" dirty="0"/>
-              <a:t>网站界面要求简洁大方，有网站导航、相关链接</a:t>
+              <a:t>界面要求简洁大方，有网站导航、相关链接</a:t>
             </a:r>
             <a:r>
               <a:rPr lang="en-US" altLang="zh-CN" dirty="0"/>
@@ -13321,8 +16906,16 @@
           <a:p>
             <a:pPr lvl="0"/>
             <a:r>
+              <a:rPr lang="en-US" altLang="zh-CN" dirty="0" smtClean="0"/>
+              <a:t>	</a:t>
+            </a:r>
+            <a:r>
+              <a:rPr lang="zh-CN" altLang="zh-CN" dirty="0" smtClean="0"/>
+              <a:t>网站</a:t>
+            </a:r>
+            <a:r>
               <a:rPr lang="zh-CN" altLang="zh-CN" dirty="0"/>
-              <a:t>网站能提供一定资料共享功能</a:t>
+              <a:t>能提供一定资料共享功能</a:t>
             </a:r>
             <a:r>
               <a:rPr lang="zh-CN" altLang="zh-CN" dirty="0" smtClean="0"/>
@@ -13353,7 +16946,7 @@
           <a:p>
             <a:r>
               <a:rPr lang="en-US" altLang="zh-CN" dirty="0" smtClean="0"/>
-              <a:t>    </a:t>
+              <a:t>    	</a:t>
             </a:r>
             <a:r>
               <a:rPr lang="zh-CN" altLang="zh-CN" dirty="0" smtClean="0"/>
@@ -13379,6 +16972,14 @@
           </a:p>
           <a:p>
             <a:r>
+              <a:rPr lang="en-US" altLang="zh-CN" b="1" dirty="0"/>
+              <a:t> </a:t>
+            </a:r>
+            <a:r>
+              <a:rPr lang="en-US" altLang="zh-CN" b="1" dirty="0" smtClean="0"/>
+              <a:t>           </a:t>
+            </a:r>
+            <a:r>
               <a:rPr lang="zh-CN" altLang="zh-CN" b="1" dirty="0" smtClean="0"/>
               <a:t>安全性</a:t>
             </a:r>
@@ -13386,16 +16987,18 @@
               <a:rPr lang="zh-CN" altLang="zh-CN" b="1" dirty="0"/>
               <a:t>保证</a:t>
             </a:r>
+            <a:endParaRPr lang="zh-CN" altLang="zh-CN" b="1" dirty="0"/>
           </a:p>
           <a:p>
             <a:r>
               <a:rPr lang="en-US" altLang="zh-CN" dirty="0" smtClean="0"/>
-              <a:t>     SQL</a:t>
+              <a:t>     	SQL</a:t>
             </a:r>
             <a:r>
               <a:rPr lang="zh-CN" altLang="zh-CN" dirty="0"/>
               <a:t>注入防护。</a:t>
             </a:r>
+            <a:endParaRPr lang="zh-CN" altLang="zh-CN" dirty="0"/>
           </a:p>
           <a:p>
             <a:r>
@@ -13404,7 +17007,7 @@
                   <a:schemeClr val="bg1"/>
                 </a:solidFill>
               </a:rPr>
-              <a:t>    </a:t>
+              <a:t>    	</a:t>
             </a:r>
             <a:r>
               <a:rPr lang="zh-CN" altLang="zh-CN" dirty="0" smtClean="0">
@@ -13438,6 +17041,11 @@
               </a:rPr>
               <a:t>加密用户密码。</a:t>
             </a:r>
+            <a:endParaRPr lang="zh-CN" altLang="zh-CN" dirty="0">
+              <a:solidFill>
+                <a:schemeClr val="bg1"/>
+              </a:solidFill>
+            </a:endParaRPr>
           </a:p>
           <a:p>
             <a:r>
@@ -13446,7 +17054,7 @@
                   <a:schemeClr val="bg1"/>
                 </a:solidFill>
               </a:rPr>
-              <a:t>    </a:t>
+              <a:t>    	</a:t>
             </a:r>
             <a:r>
               <a:rPr lang="zh-CN" altLang="zh-CN" dirty="0" smtClean="0">
@@ -13464,6 +17072,11 @@
               </a:rPr>
               <a:t>和病毒防护。</a:t>
             </a:r>
+            <a:endParaRPr lang="zh-CN" altLang="zh-CN" dirty="0">
+              <a:solidFill>
+                <a:schemeClr val="bg1"/>
+              </a:solidFill>
+            </a:endParaRPr>
           </a:p>
           <a:p>
             <a:r>
@@ -13472,7 +17085,7 @@
                   <a:schemeClr val="bg1"/>
                 </a:solidFill>
               </a:rPr>
-              <a:t>    </a:t>
+              <a:t>    	</a:t>
             </a:r>
             <a:r>
               <a:rPr lang="zh-CN" altLang="zh-CN" dirty="0" smtClean="0">
@@ -13490,8 +17103,21 @@
               </a:rPr>
               <a:t>权限控制。</a:t>
             </a:r>
-          </a:p>
-          <a:p>
+            <a:endParaRPr lang="zh-CN" altLang="zh-CN" dirty="0">
+              <a:solidFill>
+                <a:schemeClr val="bg1"/>
+              </a:solidFill>
+            </a:endParaRPr>
+          </a:p>
+          <a:p>
+            <a:r>
+              <a:rPr lang="en-US" altLang="zh-CN" b="1" dirty="0" smtClean="0">
+                <a:solidFill>
+                  <a:schemeClr val="bg1"/>
+                </a:solidFill>
+              </a:rPr>
+              <a:t>            </a:t>
+            </a:r>
             <a:r>
               <a:rPr lang="zh-CN" altLang="zh-CN" b="1" dirty="0" smtClean="0">
                 <a:solidFill>
@@ -13508,6 +17134,11 @@
               </a:rPr>
               <a:t>保证</a:t>
             </a:r>
+            <a:endParaRPr lang="zh-CN" altLang="zh-CN" b="1" dirty="0">
+              <a:solidFill>
+                <a:schemeClr val="bg1"/>
+              </a:solidFill>
+            </a:endParaRPr>
           </a:p>
           <a:p>
             <a:r>
@@ -13524,7 +17155,7 @@
                   <a:schemeClr val="bg1"/>
                 </a:solidFill>
               </a:rPr>
-              <a:t>    </a:t>
+              <a:t>    	</a:t>
             </a:r>
             <a:r>
               <a:rPr lang="zh-CN" altLang="zh-CN" dirty="0" smtClean="0">
@@ -13558,6 +17189,14 @@
           </a:p>
           <a:p>
             <a:r>
+              <a:rPr lang="en-US" altLang="zh-CN" b="1" dirty="0" smtClean="0">
+                <a:solidFill>
+                  <a:schemeClr val="bg1"/>
+                </a:solidFill>
+              </a:rPr>
+              <a:t>            </a:t>
+            </a:r>
+            <a:r>
               <a:rPr lang="zh-CN" altLang="zh-CN" b="1" dirty="0" smtClean="0">
                 <a:solidFill>
                   <a:schemeClr val="bg1"/>
@@ -13572,64 +17211,6 @@
                 </a:solidFill>
               </a:rPr>
               <a:t>保证</a:t>
-            </a:r>
-          </a:p>
-          <a:p>
-            <a:r>
-              <a:rPr lang="en-US" altLang="zh-CN" dirty="0" smtClean="0">
-                <a:solidFill>
-                  <a:schemeClr val="bg1"/>
-                </a:solidFill>
-              </a:rPr>
-              <a:t>     </a:t>
-            </a:r>
-            <a:r>
-              <a:rPr lang="zh-CN" altLang="zh-CN" dirty="0" smtClean="0">
-                <a:solidFill>
-                  <a:schemeClr val="bg1"/>
-                </a:solidFill>
-              </a:rPr>
-              <a:t>对于</a:t>
-            </a:r>
-            <a:r>
-              <a:rPr lang="zh-CN" altLang="zh-CN" dirty="0">
-                <a:solidFill>
-                  <a:schemeClr val="bg1"/>
-                </a:solidFill>
-              </a:rPr>
-              <a:t>用户的私密信息使用对称加密算法高级加密标准</a:t>
-            </a:r>
-            <a:r>
-              <a:rPr lang="en-US" altLang="zh-CN" dirty="0">
-                <a:solidFill>
-                  <a:schemeClr val="bg1"/>
-                </a:solidFill>
-              </a:rPr>
-              <a:t>AES</a:t>
-            </a:r>
-            <a:r>
-              <a:rPr lang="zh-CN" altLang="zh-CN" dirty="0">
-                <a:solidFill>
-                  <a:schemeClr val="bg1"/>
-                </a:solidFill>
-              </a:rPr>
-              <a:t>进行加密，并</a:t>
-            </a:r>
-            <a:r>
-              <a:rPr lang="en-US" altLang="zh-CN" dirty="0">
-                <a:solidFill>
-                  <a:schemeClr val="bg1"/>
-                </a:solidFill>
-              </a:rPr>
-              <a:t>SQL</a:t>
-            </a:r>
-            <a:r>
-              <a:rPr lang="zh-CN" altLang="zh-CN" dirty="0">
-                <a:solidFill>
-                  <a:schemeClr val="bg1"/>
-                </a:solidFill>
-              </a:rPr>
-              <a:t>防注入。</a:t>
             </a:r>
             <a:endParaRPr lang="zh-CN" altLang="zh-CN" b="1" dirty="0">
               <a:solidFill>
@@ -13639,6 +17220,69 @@
           </a:p>
           <a:p>
             <a:r>
+              <a:rPr lang="en-US" altLang="zh-CN" dirty="0" smtClean="0">
+                <a:solidFill>
+                  <a:schemeClr val="bg1"/>
+                </a:solidFill>
+              </a:rPr>
+              <a:t>     	</a:t>
+            </a:r>
+            <a:r>
+              <a:rPr lang="zh-CN" altLang="zh-CN" dirty="0" smtClean="0">
+                <a:solidFill>
+                  <a:schemeClr val="bg1"/>
+                </a:solidFill>
+              </a:rPr>
+              <a:t>对于</a:t>
+            </a:r>
+            <a:r>
+              <a:rPr lang="zh-CN" altLang="zh-CN" dirty="0">
+                <a:solidFill>
+                  <a:schemeClr val="bg1"/>
+                </a:solidFill>
+              </a:rPr>
+              <a:t>用户的私密信息使用对称加密算法高级加密标准</a:t>
+            </a:r>
+            <a:r>
+              <a:rPr lang="en-US" altLang="zh-CN" dirty="0">
+                <a:solidFill>
+                  <a:schemeClr val="bg1"/>
+                </a:solidFill>
+              </a:rPr>
+              <a:t>AES</a:t>
+            </a:r>
+            <a:r>
+              <a:rPr lang="zh-CN" altLang="zh-CN" dirty="0">
+                <a:solidFill>
+                  <a:schemeClr val="bg1"/>
+                </a:solidFill>
+              </a:rPr>
+              <a:t>进行加密，并</a:t>
+            </a:r>
+            <a:r>
+              <a:rPr lang="en-US" altLang="zh-CN" dirty="0">
+                <a:solidFill>
+                  <a:schemeClr val="bg1"/>
+                </a:solidFill>
+              </a:rPr>
+              <a:t>SQL</a:t>
+            </a:r>
+            <a:r>
+              <a:rPr lang="zh-CN" altLang="zh-CN" dirty="0">
+                <a:solidFill>
+                  <a:schemeClr val="bg1"/>
+                </a:solidFill>
+              </a:rPr>
+              <a:t>防注入。</a:t>
+            </a:r>
+            <a:endParaRPr lang="zh-CN" altLang="zh-CN" b="1" dirty="0">
+              <a:solidFill>
+                <a:schemeClr val="bg1"/>
+              </a:solidFill>
+            </a:endParaRPr>
+          </a:p>
+          <a:p>
+            <a:r>
               <a:rPr lang="en-US" altLang="zh-CN" dirty="0">
                 <a:solidFill>
                   <a:schemeClr val="bg1"/>
@@ -13655,11 +17299,6 @@
         </p:txBody>
       </p:sp>
     </p:spTree>
-    <p:extLst>
-      <p:ext uri="{BB962C8B-B14F-4D97-AF65-F5344CB8AC3E}">
-        <p14:creationId xmlns:p14="http://schemas.microsoft.com/office/powerpoint/2010/main" val="550551076"/>
-      </p:ext>
-    </p:extLst>
   </p:cSld>
   <p:clrMapOvr>
     <a:masterClrMapping/>
@@ -13772,6 +17411,11 @@
                 </a:rPr>
                 <a:t>沟通管理计划</a:t>
               </a:r>
+              <a:endParaRPr lang="zh-CN" altLang="en-US" sz="2800" b="1" kern="0" dirty="0">
+                <a:latin typeface="微软雅黑" panose="020B0503020204020204" pitchFamily="34" charset="-122"/>
+                <a:ea typeface="微软雅黑" panose="020B0503020204020204" pitchFamily="34" charset="-122"/>
+                <a:cs typeface="微软雅黑" panose="020B0503020204020204" pitchFamily="34" charset="-122"/>
+              </a:endParaRPr>
             </a:p>
           </p:txBody>
         </p:sp>
@@ -13917,7 +17561,7 @@
           <p:nvPr/>
         </p:nvPicPr>
         <p:blipFill>
-          <a:blip r:embed="rId2"/>
+          <a:blip r:embed="rId1"/>
           <a:stretch>
             <a:fillRect/>
           </a:stretch>
@@ -13941,7 +17585,7 @@
         <p:spPr>
           <a:xfrm>
             <a:off x="146651" y="1177847"/>
-            <a:ext cx="11783056" cy="6309420"/>
+            <a:ext cx="11783056" cy="6555641"/>
           </a:xfrm>
           <a:prstGeom prst="rect">
             <a:avLst/>
@@ -13962,27 +17606,59 @@
           </a:p>
           <a:p>
             <a:r>
-              <a:rPr lang="zh-CN" altLang="zh-CN" sz="2800" dirty="0"/>
-              <a:t>在此系统中，第一客户为老师，与客户的沟通计划为进行至少两次的谈话，谈话的时间与地点可以通过电子邮件或者电话短信来确定。其他沟通途径可以通过电子邮件与短信电话来进行。</a:t>
-            </a:r>
-            <a:endParaRPr lang="zh-CN" altLang="zh-CN" sz="3600" dirty="0"/>
-          </a:p>
-          <a:p>
-            <a:r>
-              <a:rPr lang="zh-CN" altLang="zh-CN" sz="2800" dirty="0"/>
+              <a:rPr lang="en-US" altLang="zh-CN" sz="2400" dirty="0" smtClean="0"/>
+              <a:t>   </a:t>
+            </a:r>
+            <a:r>
+              <a:rPr lang="zh-CN" altLang="zh-CN" sz="2400" dirty="0" smtClean="0"/>
+              <a:t>在此</a:t>
+            </a:r>
+            <a:r>
+              <a:rPr lang="zh-CN" altLang="zh-CN" sz="2400" dirty="0"/>
+              <a:t>系统中，第一客户为老师，与客户的沟通计划为进行至少两次的谈话，谈话的时间与地点可以通过电子邮件或者电话短信来确定。其他沟通途径可以通过电子邮件与短信电话来进行。</a:t>
+            </a:r>
+            <a:endParaRPr lang="zh-CN" altLang="zh-CN" sz="3200" dirty="0"/>
+          </a:p>
+          <a:p>
+            <a:r>
+              <a:rPr lang="zh-CN" altLang="zh-CN" sz="2400" dirty="0"/>
               <a:t>第二客户为学生，可以采取校园定点采访调查，也可在网上发布问卷调查，了解学生客户的真实需求，如有必要，可采取面谈，并记录被采访人的真实意见。</a:t>
             </a:r>
-            <a:endParaRPr lang="zh-CN" altLang="zh-CN" sz="3600" dirty="0"/>
+            <a:endParaRPr lang="zh-CN" altLang="zh-CN" sz="3200" dirty="0"/>
           </a:p>
           <a:p>
             <a:pPr lvl="1"/>
+            <a:endParaRPr lang="en-US" altLang="zh-CN" sz="3200" b="1" dirty="0">
+              <a:solidFill>
+                <a:schemeClr val="bg1"/>
+              </a:solidFill>
+            </a:endParaRPr>
+          </a:p>
+          <a:p>
+            <a:pPr lvl="1"/>
+            <a:endParaRPr lang="en-US" altLang="zh-CN" sz="3200" b="1" dirty="0" smtClean="0">
+              <a:solidFill>
+                <a:schemeClr val="bg1"/>
+              </a:solidFill>
+            </a:endParaRPr>
+          </a:p>
+          <a:p>
+            <a:pPr lvl="1"/>
+            <a:r>
+              <a:rPr lang="zh-CN" altLang="zh-CN" sz="3200" b="1" dirty="0" smtClean="0">
+                <a:solidFill>
+                  <a:schemeClr val="bg1"/>
+                </a:solidFill>
+              </a:rPr>
+              <a:t>开发</a:t>
+            </a:r>
             <a:r>
               <a:rPr lang="zh-CN" altLang="zh-CN" sz="3200" b="1" dirty="0">
                 <a:solidFill>
                   <a:schemeClr val="bg1"/>
                 </a:solidFill>
               </a:rPr>
-              <a:t>开发者内部沟通计划</a:t>
+              <a:t>者内部沟通计划</a:t>
             </a:r>
             <a:endParaRPr lang="zh-CN" altLang="zh-CN" sz="2800" b="1" dirty="0">
               <a:solidFill>
@@ -13992,44 +17668,52 @@
           </a:p>
           <a:p>
             <a:r>
-              <a:rPr lang="zh-CN" altLang="zh-CN" sz="2800" dirty="0">
+              <a:rPr lang="en-US" altLang="zh-CN" sz="2800" dirty="0">
                 <a:solidFill>
                   <a:schemeClr val="bg1"/>
                 </a:solidFill>
               </a:rPr>
-              <a:t>开发者内部的沟通可以通过开会议、</a:t>
-            </a:r>
-            <a:r>
-              <a:rPr lang="en-US" altLang="zh-CN" sz="2800" dirty="0" err="1">
+              <a:t> </a:t>
+            </a:r>
+            <a:r>
+              <a:rPr lang="en-US" altLang="zh-CN" sz="2800" dirty="0" smtClean="0">
                 <a:solidFill>
                   <a:schemeClr val="bg1"/>
                 </a:solidFill>
               </a:rPr>
-              <a:t>qq</a:t>
-            </a:r>
-            <a:r>
-              <a:rPr lang="zh-CN" altLang="zh-CN" sz="2800" dirty="0">
+              <a:t> </a:t>
+            </a:r>
+            <a:r>
+              <a:rPr lang="zh-CN" altLang="zh-CN" sz="2400" dirty="0">
                 <a:solidFill>
                   <a:schemeClr val="bg1"/>
                 </a:solidFill>
               </a:rPr>
+              <a:t>开发者内部的沟通可以通过开会议、</a:t>
+            </a:r>
+            <a:r>
+              <a:rPr lang="en-US" altLang="zh-CN" sz="2400" dirty="0" err="1">
+                <a:solidFill>
+                  <a:schemeClr val="bg1"/>
+                </a:solidFill>
+              </a:rPr>
+              <a:t>qq</a:t>
+            </a:r>
+            <a:r>
+              <a:rPr lang="zh-CN" altLang="zh-CN" sz="2400" dirty="0">
+                <a:solidFill>
+                  <a:schemeClr val="bg1"/>
+                </a:solidFill>
+              </a:rPr>
               <a:t>联系、微信联系、电话联系、短信联系、邮件联系、网盘资源的共享来进行。其中会议包括现实面对面会议以及网上视频会议，语音会议。</a:t>
             </a:r>
-            <a:endParaRPr lang="zh-CN" altLang="zh-CN" sz="3600" dirty="0">
+            <a:endParaRPr lang="zh-CN" altLang="zh-CN" sz="2400" dirty="0">
               <a:solidFill>
                 <a:schemeClr val="bg1"/>
               </a:solidFill>
             </a:endParaRPr>
           </a:p>
           <a:p>
-            <a:r>
-              <a:rPr lang="en-US" altLang="zh-CN" sz="2800" dirty="0">
-                <a:solidFill>
-                  <a:schemeClr val="bg1"/>
-                </a:solidFill>
-              </a:rPr>
-              <a:t/>
-            </a:r>
             <a:br>
               <a:rPr lang="en-US" altLang="zh-CN" sz="2800" dirty="0">
                 <a:solidFill>
@@ -14046,11 +17730,6 @@
         </p:txBody>
       </p:sp>
     </p:spTree>
-    <p:extLst>
-      <p:ext uri="{BB962C8B-B14F-4D97-AF65-F5344CB8AC3E}">
-        <p14:creationId xmlns:p14="http://schemas.microsoft.com/office/powerpoint/2010/main" val="1941107443"/>
-      </p:ext>
-    </p:extLst>
   </p:cSld>
   <p:clrMapOvr>
     <a:masterClrMapping/>
@@ -14352,7 +18031,6 @@
       </a:style>
     </a:spDef>
   </a:objectDefaults>
-  <a:extraClrSchemeLst/>
   <a:extLst>
     <a:ext uri="{05A4C25C-085E-4340-85A3-A5531E510DB2}">
       <thm15:themeFamily xmlns:thm15="http://schemas.microsoft.com/office/thememl/2012/main" name="Office Theme" id="{62F939B6-93AF-4DB8-9C6B-D6C7DFDC589F}" vid="{4A3C46E8-61CC-4603-A589-7422A47A8E4A}"/>
